--- a/EC_FINAL_PROJECT/EC_FINAL_PROJECT/doc/structure.pptx
+++ b/EC_FINAL_PROJECT/EC_FINAL_PROJECT/doc/structure.pptx
@@ -11,9 +11,9 @@
     <p:sldId id="257" r:id="rId2"/>
     <p:sldId id="256" r:id="rId3"/>
     <p:sldId id="261" r:id="rId4"/>
-    <p:sldId id="259" r:id="rId5"/>
+    <p:sldId id="262" r:id="rId5"/>
     <p:sldId id="260" r:id="rId6"/>
-    <p:sldId id="262" r:id="rId7"/>
+    <p:sldId id="263" r:id="rId7"/>
   </p:sldIdLst>
   <p:sldSz cx="12192000" cy="6858000"/>
   <p:notesSz cx="6858000" cy="9144000"/>
@@ -113,6 +113,20 @@
     </a:lvl9pPr>
   </p:defaultTextStyle>
   <p:extLst>
+    <p:ext uri="{521415D9-36F7-43E2-AB2F-B90AF26B5E84}">
+      <p14:sectionLst xmlns:p14="http://schemas.microsoft.com/office/powerpoint/2010/main">
+        <p14:section name="預設章節" id="{262AE486-EC32-4E74-BAB1-0229B4AD0BF4}">
+          <p14:sldIdLst>
+            <p14:sldId id="257"/>
+            <p14:sldId id="256"/>
+            <p14:sldId id="261"/>
+            <p14:sldId id="262"/>
+            <p14:sldId id="260"/>
+            <p14:sldId id="263"/>
+          </p14:sldIdLst>
+        </p14:section>
+      </p14:sectionLst>
+    </p:ext>
     <p:ext uri="{EFAFB233-063F-42B5-8137-9DF3F51BA10A}">
       <p15:sldGuideLst xmlns:p15="http://schemas.microsoft.com/office/powerpoint/2012/main"/>
     </p:ext>
@@ -202,7 +216,7 @@
           <a:p>
             <a:fld id="{EADC719D-6B30-4568-8E05-2AABF35D3ACB}" type="datetimeFigureOut">
               <a:rPr lang="zh-TW" altLang="en-US" smtClean="0"/>
-              <a:t>2022/11/29</a:t>
+              <a:t>2022/12/7</a:t>
             </a:fld>
             <a:endParaRPr lang="zh-TW" altLang="en-US"/>
           </a:p>
@@ -496,119 +510,12 @@
             <p:ph type="sldImg"/>
           </p:nvPr>
         </p:nvSpPr>
-        <p:spPr/>
-      </p:sp>
-      <p:sp>
-        <p:nvSpPr>
-          <p:cNvPr id="3" name="備忘稿版面配置區 2"/>
-          <p:cNvSpPr>
-            <a:spLocks noGrp="1"/>
-          </p:cNvSpPr>
-          <p:nvPr>
-            <p:ph type="body" idx="1"/>
-          </p:nvPr>
-        </p:nvSpPr>
-        <p:spPr/>
-        <p:txBody>
-          <a:bodyPr/>
-          <a:lstStyle/>
-          <a:p>
-            <a:r>
-              <a:rPr lang="en-US" altLang="zh-TW" dirty="0" err="1"/>
-              <a:t>Generate_ind</a:t>
-            </a:r>
-            <a:r>
-              <a:rPr lang="zh-TW" altLang="en-US" dirty="0"/>
-              <a:t>內包一顆</a:t>
-            </a:r>
-            <a:r>
-              <a:rPr lang="en-US" altLang="zh-TW" dirty="0"/>
-              <a:t>R_N_G(</a:t>
-            </a:r>
-            <a:r>
-              <a:rPr lang="zh-TW" altLang="en-US" dirty="0"/>
-              <a:t>產生</a:t>
-            </a:r>
-            <a:r>
-              <a:rPr lang="en-US" altLang="zh-TW" dirty="0" err="1"/>
-              <a:t>ind_state</a:t>
-            </a:r>
-            <a:r>
-              <a:rPr lang="zh-TW" altLang="en-US" dirty="0"/>
-              <a:t>用</a:t>
-            </a:r>
-            <a:r>
-              <a:rPr lang="en-US" altLang="zh-TW" dirty="0"/>
-              <a:t>)</a:t>
-            </a:r>
-            <a:endParaRPr lang="zh-TW" altLang="en-US" dirty="0"/>
-          </a:p>
-        </p:txBody>
-      </p:sp>
-      <p:sp>
-        <p:nvSpPr>
-          <p:cNvPr id="4" name="投影片編號版面配置區 3"/>
-          <p:cNvSpPr>
-            <a:spLocks noGrp="1"/>
-          </p:cNvSpPr>
-          <p:nvPr>
-            <p:ph type="sldNum" sz="quarter" idx="5"/>
-          </p:nvPr>
-        </p:nvSpPr>
-        <p:spPr/>
-        <p:txBody>
-          <a:bodyPr/>
-          <a:lstStyle/>
-          <a:p>
-            <a:fld id="{8000AC90-C065-4706-B020-37A6E6FF53AC}" type="slidenum">
-              <a:rPr lang="zh-TW" altLang="en-US" smtClean="0"/>
-              <a:t>4</a:t>
-            </a:fld>
-            <a:endParaRPr lang="zh-TW" altLang="en-US"/>
-          </a:p>
-        </p:txBody>
-      </p:sp>
-    </p:spTree>
-    <p:extLst>
-      <p:ext uri="{BB962C8B-B14F-4D97-AF65-F5344CB8AC3E}">
-        <p14:creationId xmlns:p14="http://schemas.microsoft.com/office/powerpoint/2010/main" val="2467864853"/>
-      </p:ext>
-    </p:extLst>
-  </p:cSld>
-  <p:clrMapOvr>
-    <a:masterClrMapping/>
-  </p:clrMapOvr>
-</p:notes>
-</file>
-
-<file path=ppt/notesSlides/notesSlide2.xml><?xml version="1.0" encoding="utf-8"?>
-<p:notes xmlns:a="http://schemas.openxmlformats.org/drawingml/2006/main" xmlns:r="http://schemas.openxmlformats.org/officeDocument/2006/relationships" xmlns:p="http://schemas.openxmlformats.org/presentationml/2006/main">
-  <p:cSld>
-    <p:spTree>
-      <p:nvGrpSpPr>
-        <p:cNvPr id="1" name=""/>
-        <p:cNvGrpSpPr/>
-        <p:nvPr/>
-      </p:nvGrpSpPr>
-      <p:grpSpPr>
-        <a:xfrm>
-          <a:off x="0" y="0"/>
-          <a:ext cx="0" cy="0"/>
-          <a:chOff x="0" y="0"/>
-          <a:chExt cx="0" cy="0"/>
-        </a:xfrm>
-      </p:grpSpPr>
-      <p:sp>
-        <p:nvSpPr>
-          <p:cNvPr id="2" name="投影片影像版面配置區 1"/>
-          <p:cNvSpPr>
-            <a:spLocks noGrp="1" noRot="1" noChangeAspect="1"/>
-          </p:cNvSpPr>
-          <p:nvPr>
-            <p:ph type="sldImg"/>
-          </p:nvPr>
-        </p:nvSpPr>
-        <p:spPr/>
+        <p:spPr>
+          <a:xfrm>
+            <a:off x="685800" y="1143000"/>
+            <a:ext cx="5486400" cy="3086100"/>
+          </a:xfrm>
+        </p:spPr>
       </p:sp>
       <p:sp>
         <p:nvSpPr>
@@ -692,7 +599,7 @@
           <a:p>
             <a:fld id="{8000AC90-C065-4706-B020-37A6E6FF53AC}" type="slidenum">
               <a:rPr lang="zh-TW" altLang="en-US" smtClean="0"/>
-              <a:t>6</a:t>
+              <a:t>4</a:t>
             </a:fld>
             <a:endParaRPr lang="zh-TW" altLang="en-US"/>
           </a:p>
@@ -794,35 +701,35 @@
               <a:buNone/>
               <a:defRPr sz="2400"/>
             </a:lvl1pPr>
-            <a:lvl2pPr marL="457200" indent="0" algn="ctr">
+            <a:lvl2pPr marL="457212" indent="0" algn="ctr">
               <a:buNone/>
               <a:defRPr sz="2000"/>
             </a:lvl2pPr>
-            <a:lvl3pPr marL="914400" indent="0" algn="ctr">
+            <a:lvl3pPr marL="914423" indent="0" algn="ctr">
               <a:buNone/>
               <a:defRPr sz="1800"/>
             </a:lvl3pPr>
-            <a:lvl4pPr marL="1371600" indent="0" algn="ctr">
+            <a:lvl4pPr marL="1371634" indent="0" algn="ctr">
               <a:buNone/>
               <a:defRPr sz="1600"/>
             </a:lvl4pPr>
-            <a:lvl5pPr marL="1828800" indent="0" algn="ctr">
+            <a:lvl5pPr marL="1828846" indent="0" algn="ctr">
               <a:buNone/>
               <a:defRPr sz="1600"/>
             </a:lvl5pPr>
-            <a:lvl6pPr marL="2286000" indent="0" algn="ctr">
+            <a:lvl6pPr marL="2286057" indent="0" algn="ctr">
               <a:buNone/>
               <a:defRPr sz="1600"/>
             </a:lvl6pPr>
-            <a:lvl7pPr marL="2743200" indent="0" algn="ctr">
+            <a:lvl7pPr marL="2743268" indent="0" algn="ctr">
               <a:buNone/>
               <a:defRPr sz="1600"/>
             </a:lvl7pPr>
-            <a:lvl8pPr marL="3200400" indent="0" algn="ctr">
+            <a:lvl8pPr marL="3200480" indent="0" algn="ctr">
               <a:buNone/>
               <a:defRPr sz="1600"/>
             </a:lvl8pPr>
-            <a:lvl9pPr marL="3657600" indent="0" algn="ctr">
+            <a:lvl9pPr marL="3657692" indent="0" algn="ctr">
               <a:buNone/>
               <a:defRPr sz="1600"/>
             </a:lvl9pPr>
@@ -858,7 +765,7 @@
           <a:p>
             <a:fld id="{77B1EA69-60A7-4E64-B68F-993F39D4EE0C}" type="datetimeFigureOut">
               <a:rPr lang="zh-TW" altLang="en-US" smtClean="0"/>
-              <a:t>2022/11/29</a:t>
+              <a:t>2022/12/7</a:t>
             </a:fld>
             <a:endParaRPr lang="zh-TW" altLang="en-US"/>
           </a:p>
@@ -1056,7 +963,7 @@
           <a:p>
             <a:fld id="{77B1EA69-60A7-4E64-B68F-993F39D4EE0C}" type="datetimeFigureOut">
               <a:rPr lang="zh-TW" altLang="en-US" smtClean="0"/>
-              <a:t>2022/11/29</a:t>
+              <a:t>2022/12/7</a:t>
             </a:fld>
             <a:endParaRPr lang="zh-TW" altLang="en-US"/>
           </a:p>
@@ -1164,7 +1071,7 @@
         </p:nvSpPr>
         <p:spPr>
           <a:xfrm>
-            <a:off x="8724900" y="365125"/>
+            <a:off x="8724899" y="365125"/>
             <a:ext cx="2628900" cy="5811838"/>
           </a:xfrm>
         </p:spPr>
@@ -1197,7 +1104,7 @@
         </p:nvSpPr>
         <p:spPr>
           <a:xfrm>
-            <a:off x="838200" y="365125"/>
+            <a:off x="838199" y="365125"/>
             <a:ext cx="7734300" cy="5811838"/>
           </a:xfrm>
         </p:spPr>
@@ -1264,7 +1171,7 @@
           <a:p>
             <a:fld id="{77B1EA69-60A7-4E64-B68F-993F39D4EE0C}" type="datetimeFigureOut">
               <a:rPr lang="zh-TW" altLang="en-US" smtClean="0"/>
-              <a:t>2022/11/29</a:t>
+              <a:t>2022/12/7</a:t>
             </a:fld>
             <a:endParaRPr lang="zh-TW" altLang="en-US"/>
           </a:p>
@@ -1462,7 +1369,7 @@
           <a:p>
             <a:fld id="{77B1EA69-60A7-4E64-B68F-993F39D4EE0C}" type="datetimeFigureOut">
               <a:rPr lang="zh-TW" altLang="en-US" smtClean="0"/>
-              <a:t>2022/11/29</a:t>
+              <a:t>2022/12/7</a:t>
             </a:fld>
             <a:endParaRPr lang="zh-TW" altLang="en-US"/>
           </a:p>
@@ -1570,7 +1477,7 @@
         </p:nvSpPr>
         <p:spPr>
           <a:xfrm>
-            <a:off x="831850" y="1709738"/>
+            <a:off x="831853" y="1709738"/>
             <a:ext cx="10515600" cy="2852737"/>
           </a:xfrm>
         </p:spPr>
@@ -1607,7 +1514,7 @@
         </p:nvSpPr>
         <p:spPr>
           <a:xfrm>
-            <a:off x="831850" y="4589463"/>
+            <a:off x="831853" y="4589465"/>
             <a:ext cx="10515600" cy="1500187"/>
           </a:xfrm>
         </p:spPr>
@@ -1624,7 +1531,7 @@
                 </a:solidFill>
               </a:defRPr>
             </a:lvl1pPr>
-            <a:lvl2pPr marL="457200" indent="0">
+            <a:lvl2pPr marL="457212" indent="0">
               <a:buNone/>
               <a:defRPr sz="2000">
                 <a:solidFill>
@@ -1634,7 +1541,7 @@
                 </a:solidFill>
               </a:defRPr>
             </a:lvl2pPr>
-            <a:lvl3pPr marL="914400" indent="0">
+            <a:lvl3pPr marL="914423" indent="0">
               <a:buNone/>
               <a:defRPr sz="1800">
                 <a:solidFill>
@@ -1644,7 +1551,7 @@
                 </a:solidFill>
               </a:defRPr>
             </a:lvl3pPr>
-            <a:lvl4pPr marL="1371600" indent="0">
+            <a:lvl4pPr marL="1371634" indent="0">
               <a:buNone/>
               <a:defRPr sz="1600">
                 <a:solidFill>
@@ -1654,7 +1561,7 @@
                 </a:solidFill>
               </a:defRPr>
             </a:lvl4pPr>
-            <a:lvl5pPr marL="1828800" indent="0">
+            <a:lvl5pPr marL="1828846" indent="0">
               <a:buNone/>
               <a:defRPr sz="1600">
                 <a:solidFill>
@@ -1664,7 +1571,7 @@
                 </a:solidFill>
               </a:defRPr>
             </a:lvl5pPr>
-            <a:lvl6pPr marL="2286000" indent="0">
+            <a:lvl6pPr marL="2286057" indent="0">
               <a:buNone/>
               <a:defRPr sz="1600">
                 <a:solidFill>
@@ -1674,7 +1581,7 @@
                 </a:solidFill>
               </a:defRPr>
             </a:lvl6pPr>
-            <a:lvl7pPr marL="2743200" indent="0">
+            <a:lvl7pPr marL="2743268" indent="0">
               <a:buNone/>
               <a:defRPr sz="1600">
                 <a:solidFill>
@@ -1684,7 +1591,7 @@
                 </a:solidFill>
               </a:defRPr>
             </a:lvl7pPr>
-            <a:lvl8pPr marL="3200400" indent="0">
+            <a:lvl8pPr marL="3200480" indent="0">
               <a:buNone/>
               <a:defRPr sz="1600">
                 <a:solidFill>
@@ -1694,7 +1601,7 @@
                 </a:solidFill>
               </a:defRPr>
             </a:lvl8pPr>
-            <a:lvl9pPr marL="3657600" indent="0">
+            <a:lvl9pPr marL="3657692" indent="0">
               <a:buNone/>
               <a:defRPr sz="1600">
                 <a:solidFill>
@@ -1737,7 +1644,7 @@
           <a:p>
             <a:fld id="{77B1EA69-60A7-4E64-B68F-993F39D4EE0C}" type="datetimeFigureOut">
               <a:rPr lang="zh-TW" altLang="en-US" smtClean="0"/>
-              <a:t>2022/11/29</a:t>
+              <a:t>2022/12/7</a:t>
             </a:fld>
             <a:endParaRPr lang="zh-TW" altLang="en-US"/>
           </a:p>
@@ -1873,7 +1780,7 @@
         </p:nvSpPr>
         <p:spPr>
           <a:xfrm>
-            <a:off x="838200" y="1825625"/>
+            <a:off x="838201" y="1825625"/>
             <a:ext cx="5181600" cy="4351338"/>
           </a:xfrm>
         </p:spPr>
@@ -1935,7 +1842,7 @@
         </p:nvSpPr>
         <p:spPr>
           <a:xfrm>
-            <a:off x="6172200" y="1825625"/>
+            <a:off x="6172201" y="1825625"/>
             <a:ext cx="5181600" cy="4351338"/>
           </a:xfrm>
         </p:spPr>
@@ -2002,7 +1909,7 @@
           <a:p>
             <a:fld id="{77B1EA69-60A7-4E64-B68F-993F39D4EE0C}" type="datetimeFigureOut">
               <a:rPr lang="zh-TW" altLang="en-US" smtClean="0"/>
-              <a:t>2022/11/29</a:t>
+              <a:t>2022/12/7</a:t>
             </a:fld>
             <a:endParaRPr lang="zh-TW" altLang="en-US"/>
           </a:p>
@@ -2110,7 +2017,7 @@
         </p:nvSpPr>
         <p:spPr>
           <a:xfrm>
-            <a:off x="839788" y="365125"/>
+            <a:off x="839789" y="365125"/>
             <a:ext cx="10515600" cy="1325563"/>
           </a:xfrm>
         </p:spPr>
@@ -2143,7 +2050,7 @@
         </p:nvSpPr>
         <p:spPr>
           <a:xfrm>
-            <a:off x="839788" y="1681163"/>
+            <a:off x="839791" y="1681163"/>
             <a:ext cx="5157787" cy="823912"/>
           </a:xfrm>
         </p:spPr>
@@ -2154,35 +2061,35 @@
               <a:buNone/>
               <a:defRPr sz="2400" b="1"/>
             </a:lvl1pPr>
-            <a:lvl2pPr marL="457200" indent="0">
+            <a:lvl2pPr marL="457212" indent="0">
               <a:buNone/>
               <a:defRPr sz="2000" b="1"/>
             </a:lvl2pPr>
-            <a:lvl3pPr marL="914400" indent="0">
+            <a:lvl3pPr marL="914423" indent="0">
               <a:buNone/>
               <a:defRPr sz="1800" b="1"/>
             </a:lvl3pPr>
-            <a:lvl4pPr marL="1371600" indent="0">
+            <a:lvl4pPr marL="1371634" indent="0">
               <a:buNone/>
               <a:defRPr sz="1600" b="1"/>
             </a:lvl4pPr>
-            <a:lvl5pPr marL="1828800" indent="0">
+            <a:lvl5pPr marL="1828846" indent="0">
               <a:buNone/>
               <a:defRPr sz="1600" b="1"/>
             </a:lvl5pPr>
-            <a:lvl6pPr marL="2286000" indent="0">
+            <a:lvl6pPr marL="2286057" indent="0">
               <a:buNone/>
               <a:defRPr sz="1600" b="1"/>
             </a:lvl6pPr>
-            <a:lvl7pPr marL="2743200" indent="0">
+            <a:lvl7pPr marL="2743268" indent="0">
               <a:buNone/>
               <a:defRPr sz="1600" b="1"/>
             </a:lvl7pPr>
-            <a:lvl8pPr marL="3200400" indent="0">
+            <a:lvl8pPr marL="3200480" indent="0">
               <a:buNone/>
               <a:defRPr sz="1600" b="1"/>
             </a:lvl8pPr>
-            <a:lvl9pPr marL="3657600" indent="0">
+            <a:lvl9pPr marL="3657692" indent="0">
               <a:buNone/>
               <a:defRPr sz="1600" b="1"/>
             </a:lvl9pPr>
@@ -2214,7 +2121,7 @@
         </p:nvSpPr>
         <p:spPr>
           <a:xfrm>
-            <a:off x="839788" y="2505075"/>
+            <a:off x="839791" y="2505076"/>
             <a:ext cx="5157787" cy="3684588"/>
           </a:xfrm>
         </p:spPr>
@@ -2276,7 +2183,7 @@
         </p:nvSpPr>
         <p:spPr>
           <a:xfrm>
-            <a:off x="6172200" y="1681163"/>
+            <a:off x="6172203" y="1681163"/>
             <a:ext cx="5183188" cy="823912"/>
           </a:xfrm>
         </p:spPr>
@@ -2287,35 +2194,35 @@
               <a:buNone/>
               <a:defRPr sz="2400" b="1"/>
             </a:lvl1pPr>
-            <a:lvl2pPr marL="457200" indent="0">
+            <a:lvl2pPr marL="457212" indent="0">
               <a:buNone/>
               <a:defRPr sz="2000" b="1"/>
             </a:lvl2pPr>
-            <a:lvl3pPr marL="914400" indent="0">
+            <a:lvl3pPr marL="914423" indent="0">
               <a:buNone/>
               <a:defRPr sz="1800" b="1"/>
             </a:lvl3pPr>
-            <a:lvl4pPr marL="1371600" indent="0">
+            <a:lvl4pPr marL="1371634" indent="0">
               <a:buNone/>
               <a:defRPr sz="1600" b="1"/>
             </a:lvl4pPr>
-            <a:lvl5pPr marL="1828800" indent="0">
+            <a:lvl5pPr marL="1828846" indent="0">
               <a:buNone/>
               <a:defRPr sz="1600" b="1"/>
             </a:lvl5pPr>
-            <a:lvl6pPr marL="2286000" indent="0">
+            <a:lvl6pPr marL="2286057" indent="0">
               <a:buNone/>
               <a:defRPr sz="1600" b="1"/>
             </a:lvl6pPr>
-            <a:lvl7pPr marL="2743200" indent="0">
+            <a:lvl7pPr marL="2743268" indent="0">
               <a:buNone/>
               <a:defRPr sz="1600" b="1"/>
             </a:lvl7pPr>
-            <a:lvl8pPr marL="3200400" indent="0">
+            <a:lvl8pPr marL="3200480" indent="0">
               <a:buNone/>
               <a:defRPr sz="1600" b="1"/>
             </a:lvl8pPr>
-            <a:lvl9pPr marL="3657600" indent="0">
+            <a:lvl9pPr marL="3657692" indent="0">
               <a:buNone/>
               <a:defRPr sz="1600" b="1"/>
             </a:lvl9pPr>
@@ -2347,7 +2254,7 @@
         </p:nvSpPr>
         <p:spPr>
           <a:xfrm>
-            <a:off x="6172200" y="2505075"/>
+            <a:off x="6172203" y="2505076"/>
             <a:ext cx="5183188" cy="3684588"/>
           </a:xfrm>
         </p:spPr>
@@ -2414,7 +2321,7 @@
           <a:p>
             <a:fld id="{77B1EA69-60A7-4E64-B68F-993F39D4EE0C}" type="datetimeFigureOut">
               <a:rPr lang="zh-TW" altLang="en-US" smtClean="0"/>
-              <a:t>2022/11/29</a:t>
+              <a:t>2022/12/7</a:t>
             </a:fld>
             <a:endParaRPr lang="zh-TW" altLang="en-US"/>
           </a:p>
@@ -2555,7 +2462,7 @@
           <a:p>
             <a:fld id="{77B1EA69-60A7-4E64-B68F-993F39D4EE0C}" type="datetimeFigureOut">
               <a:rPr lang="zh-TW" altLang="en-US" smtClean="0"/>
-              <a:t>2022/11/29</a:t>
+              <a:t>2022/12/7</a:t>
             </a:fld>
             <a:endParaRPr lang="zh-TW" altLang="en-US"/>
           </a:p>
@@ -2668,7 +2575,7 @@
           <a:p>
             <a:fld id="{77B1EA69-60A7-4E64-B68F-993F39D4EE0C}" type="datetimeFigureOut">
               <a:rPr lang="zh-TW" altLang="en-US" smtClean="0"/>
-              <a:t>2022/11/29</a:t>
+              <a:t>2022/12/7</a:t>
             </a:fld>
             <a:endParaRPr lang="zh-TW" altLang="en-US"/>
           </a:p>
@@ -2776,8 +2683,8 @@
         </p:nvSpPr>
         <p:spPr>
           <a:xfrm>
-            <a:off x="839788" y="457200"/>
-            <a:ext cx="3932237" cy="1600200"/>
+            <a:off x="839791" y="457200"/>
+            <a:ext cx="3932236" cy="1600200"/>
           </a:xfrm>
         </p:spPr>
         <p:txBody>
@@ -2813,8 +2720,8 @@
         </p:nvSpPr>
         <p:spPr>
           <a:xfrm>
-            <a:off x="5183188" y="987425"/>
-            <a:ext cx="6172200" cy="4873625"/>
+            <a:off x="5183190" y="987425"/>
+            <a:ext cx="6172201" cy="4873625"/>
           </a:xfrm>
         </p:spPr>
         <p:txBody>
@@ -2903,8 +2810,8 @@
         </p:nvSpPr>
         <p:spPr>
           <a:xfrm>
-            <a:off x="839788" y="2057400"/>
-            <a:ext cx="3932237" cy="3811588"/>
+            <a:off x="839791" y="2057400"/>
+            <a:ext cx="3932236" cy="3811588"/>
           </a:xfrm>
         </p:spPr>
         <p:txBody>
@@ -2914,35 +2821,35 @@
               <a:buNone/>
               <a:defRPr sz="1600"/>
             </a:lvl1pPr>
-            <a:lvl2pPr marL="457200" indent="0">
+            <a:lvl2pPr marL="457212" indent="0">
               <a:buNone/>
               <a:defRPr sz="1400"/>
             </a:lvl2pPr>
-            <a:lvl3pPr marL="914400" indent="0">
+            <a:lvl3pPr marL="914423" indent="0">
               <a:buNone/>
               <a:defRPr sz="1200"/>
             </a:lvl3pPr>
-            <a:lvl4pPr marL="1371600" indent="0">
+            <a:lvl4pPr marL="1371634" indent="0">
               <a:buNone/>
               <a:defRPr sz="1000"/>
             </a:lvl4pPr>
-            <a:lvl5pPr marL="1828800" indent="0">
+            <a:lvl5pPr marL="1828846" indent="0">
               <a:buNone/>
               <a:defRPr sz="1000"/>
             </a:lvl5pPr>
-            <a:lvl6pPr marL="2286000" indent="0">
+            <a:lvl6pPr marL="2286057" indent="0">
               <a:buNone/>
               <a:defRPr sz="1000"/>
             </a:lvl6pPr>
-            <a:lvl7pPr marL="2743200" indent="0">
+            <a:lvl7pPr marL="2743268" indent="0">
               <a:buNone/>
               <a:defRPr sz="1000"/>
             </a:lvl7pPr>
-            <a:lvl8pPr marL="3200400" indent="0">
+            <a:lvl8pPr marL="3200480" indent="0">
               <a:buNone/>
               <a:defRPr sz="1000"/>
             </a:lvl8pPr>
-            <a:lvl9pPr marL="3657600" indent="0">
+            <a:lvl9pPr marL="3657692" indent="0">
               <a:buNone/>
               <a:defRPr sz="1000"/>
             </a:lvl9pPr>
@@ -2979,7 +2886,7 @@
           <a:p>
             <a:fld id="{77B1EA69-60A7-4E64-B68F-993F39D4EE0C}" type="datetimeFigureOut">
               <a:rPr lang="zh-TW" altLang="en-US" smtClean="0"/>
-              <a:t>2022/11/29</a:t>
+              <a:t>2022/12/7</a:t>
             </a:fld>
             <a:endParaRPr lang="zh-TW" altLang="en-US"/>
           </a:p>
@@ -3087,8 +2994,8 @@
         </p:nvSpPr>
         <p:spPr>
           <a:xfrm>
-            <a:off x="839788" y="457200"/>
-            <a:ext cx="3932237" cy="1600200"/>
+            <a:off x="839791" y="457200"/>
+            <a:ext cx="3932236" cy="1600200"/>
           </a:xfrm>
         </p:spPr>
         <p:txBody>
@@ -3124,8 +3031,8 @@
         </p:nvSpPr>
         <p:spPr>
           <a:xfrm>
-            <a:off x="5183188" y="987425"/>
-            <a:ext cx="6172200" cy="4873625"/>
+            <a:off x="5183190" y="987425"/>
+            <a:ext cx="6172201" cy="4873625"/>
           </a:xfrm>
         </p:spPr>
         <p:txBody>
@@ -3135,35 +3042,35 @@
               <a:buNone/>
               <a:defRPr sz="3200"/>
             </a:lvl1pPr>
-            <a:lvl2pPr marL="457200" indent="0">
+            <a:lvl2pPr marL="457212" indent="0">
               <a:buNone/>
               <a:defRPr sz="2800"/>
             </a:lvl2pPr>
-            <a:lvl3pPr marL="914400" indent="0">
+            <a:lvl3pPr marL="914423" indent="0">
               <a:buNone/>
               <a:defRPr sz="2400"/>
             </a:lvl3pPr>
-            <a:lvl4pPr marL="1371600" indent="0">
+            <a:lvl4pPr marL="1371634" indent="0">
               <a:buNone/>
               <a:defRPr sz="2000"/>
             </a:lvl4pPr>
-            <a:lvl5pPr marL="1828800" indent="0">
+            <a:lvl5pPr marL="1828846" indent="0">
               <a:buNone/>
               <a:defRPr sz="2000"/>
             </a:lvl5pPr>
-            <a:lvl6pPr marL="2286000" indent="0">
+            <a:lvl6pPr marL="2286057" indent="0">
               <a:buNone/>
               <a:defRPr sz="2000"/>
             </a:lvl6pPr>
-            <a:lvl7pPr marL="2743200" indent="0">
+            <a:lvl7pPr marL="2743268" indent="0">
               <a:buNone/>
               <a:defRPr sz="2000"/>
             </a:lvl7pPr>
-            <a:lvl8pPr marL="3200400" indent="0">
+            <a:lvl8pPr marL="3200480" indent="0">
               <a:buNone/>
               <a:defRPr sz="2000"/>
             </a:lvl8pPr>
-            <a:lvl9pPr marL="3657600" indent="0">
+            <a:lvl9pPr marL="3657692" indent="0">
               <a:buNone/>
               <a:defRPr sz="2000"/>
             </a:lvl9pPr>
@@ -3191,8 +3098,8 @@
         </p:nvSpPr>
         <p:spPr>
           <a:xfrm>
-            <a:off x="839788" y="2057400"/>
-            <a:ext cx="3932237" cy="3811588"/>
+            <a:off x="839791" y="2057400"/>
+            <a:ext cx="3932236" cy="3811588"/>
           </a:xfrm>
         </p:spPr>
         <p:txBody>
@@ -3202,35 +3109,35 @@
               <a:buNone/>
               <a:defRPr sz="1600"/>
             </a:lvl1pPr>
-            <a:lvl2pPr marL="457200" indent="0">
+            <a:lvl2pPr marL="457212" indent="0">
               <a:buNone/>
               <a:defRPr sz="1400"/>
             </a:lvl2pPr>
-            <a:lvl3pPr marL="914400" indent="0">
+            <a:lvl3pPr marL="914423" indent="0">
               <a:buNone/>
               <a:defRPr sz="1200"/>
             </a:lvl3pPr>
-            <a:lvl4pPr marL="1371600" indent="0">
+            <a:lvl4pPr marL="1371634" indent="0">
               <a:buNone/>
               <a:defRPr sz="1000"/>
             </a:lvl4pPr>
-            <a:lvl5pPr marL="1828800" indent="0">
+            <a:lvl5pPr marL="1828846" indent="0">
               <a:buNone/>
               <a:defRPr sz="1000"/>
             </a:lvl5pPr>
-            <a:lvl6pPr marL="2286000" indent="0">
+            <a:lvl6pPr marL="2286057" indent="0">
               <a:buNone/>
               <a:defRPr sz="1000"/>
             </a:lvl6pPr>
-            <a:lvl7pPr marL="2743200" indent="0">
+            <a:lvl7pPr marL="2743268" indent="0">
               <a:buNone/>
               <a:defRPr sz="1000"/>
             </a:lvl7pPr>
-            <a:lvl8pPr marL="3200400" indent="0">
+            <a:lvl8pPr marL="3200480" indent="0">
               <a:buNone/>
               <a:defRPr sz="1000"/>
             </a:lvl8pPr>
-            <a:lvl9pPr marL="3657600" indent="0">
+            <a:lvl9pPr marL="3657692" indent="0">
               <a:buNone/>
               <a:defRPr sz="1000"/>
             </a:lvl9pPr>
@@ -3267,7 +3174,7 @@
           <a:p>
             <a:fld id="{77B1EA69-60A7-4E64-B68F-993F39D4EE0C}" type="datetimeFigureOut">
               <a:rPr lang="zh-TW" altLang="en-US" smtClean="0"/>
-              <a:t>2022/11/29</a:t>
+              <a:t>2022/12/7</a:t>
             </a:fld>
             <a:endParaRPr lang="zh-TW" altLang="en-US"/>
           </a:p>
@@ -3380,7 +3287,7 @@
         </p:nvSpPr>
         <p:spPr>
           <a:xfrm>
-            <a:off x="838200" y="365125"/>
+            <a:off x="838204" y="365125"/>
             <a:ext cx="10515600" cy="1325563"/>
           </a:xfrm>
           <a:prstGeom prst="rect">
@@ -3418,7 +3325,7 @@
         </p:nvSpPr>
         <p:spPr>
           <a:xfrm>
-            <a:off x="838200" y="1825625"/>
+            <a:off x="838204" y="1825625"/>
             <a:ext cx="10515600" cy="4351338"/>
           </a:xfrm>
           <a:prstGeom prst="rect">
@@ -3485,7 +3392,7 @@
         </p:nvSpPr>
         <p:spPr>
           <a:xfrm>
-            <a:off x="838200" y="6356350"/>
+            <a:off x="838201" y="6356352"/>
             <a:ext cx="2743200" cy="365125"/>
           </a:xfrm>
           <a:prstGeom prst="rect">
@@ -3508,7 +3415,7 @@
           <a:p>
             <a:fld id="{77B1EA69-60A7-4E64-B68F-993F39D4EE0C}" type="datetimeFigureOut">
               <a:rPr lang="zh-TW" altLang="en-US" smtClean="0"/>
-              <a:t>2022/11/29</a:t>
+              <a:t>2022/12/7</a:t>
             </a:fld>
             <a:endParaRPr lang="zh-TW" altLang="en-US"/>
           </a:p>
@@ -3532,7 +3439,7 @@
         </p:nvSpPr>
         <p:spPr>
           <a:xfrm>
-            <a:off x="4038600" y="6356350"/>
+            <a:off x="4038604" y="6356352"/>
             <a:ext cx="4114800" cy="365125"/>
           </a:xfrm>
           <a:prstGeom prst="rect">
@@ -3575,7 +3482,7 @@
         </p:nvSpPr>
         <p:spPr>
           <a:xfrm>
-            <a:off x="8610600" y="6356350"/>
+            <a:off x="8610601" y="6356352"/>
             <a:ext cx="2743200" cy="365125"/>
           </a:xfrm>
           <a:prstGeom prst="rect">
@@ -3627,7 +3534,7 @@
   </p:sldLayoutIdLst>
   <p:txStyles>
     <p:titleStyle>
-      <a:lvl1pPr algn="l" defTabSz="914400" rtl="0" eaLnBrk="1" latinLnBrk="0" hangingPunct="1">
+      <a:lvl1pPr algn="l" defTabSz="914423" rtl="0" eaLnBrk="1" latinLnBrk="0" hangingPunct="1">
         <a:lnSpc>
           <a:spcPct val="90000"/>
         </a:lnSpc>
@@ -3646,7 +3553,7 @@
       </a:lvl1pPr>
     </p:titleStyle>
     <p:bodyStyle>
-      <a:lvl1pPr marL="228600" indent="-228600" algn="l" defTabSz="914400" rtl="0" eaLnBrk="1" latinLnBrk="0" hangingPunct="1">
+      <a:lvl1pPr marL="228606" indent="-228606" algn="l" defTabSz="914423" rtl="0" eaLnBrk="1" latinLnBrk="0" hangingPunct="1">
         <a:lnSpc>
           <a:spcPct val="90000"/>
         </a:lnSpc>
@@ -3664,7 +3571,7 @@
           <a:cs typeface="+mn-cs"/>
         </a:defRPr>
       </a:lvl1pPr>
-      <a:lvl2pPr marL="685800" indent="-228600" algn="l" defTabSz="914400" rtl="0" eaLnBrk="1" latinLnBrk="0" hangingPunct="1">
+      <a:lvl2pPr marL="685816" indent="-228606" algn="l" defTabSz="914423" rtl="0" eaLnBrk="1" latinLnBrk="0" hangingPunct="1">
         <a:lnSpc>
           <a:spcPct val="90000"/>
         </a:lnSpc>
@@ -3682,7 +3589,7 @@
           <a:cs typeface="+mn-cs"/>
         </a:defRPr>
       </a:lvl2pPr>
-      <a:lvl3pPr marL="1143000" indent="-228600" algn="l" defTabSz="914400" rtl="0" eaLnBrk="1" latinLnBrk="0" hangingPunct="1">
+      <a:lvl3pPr marL="1143028" indent="-228606" algn="l" defTabSz="914423" rtl="0" eaLnBrk="1" latinLnBrk="0" hangingPunct="1">
         <a:lnSpc>
           <a:spcPct val="90000"/>
         </a:lnSpc>
@@ -3700,7 +3607,7 @@
           <a:cs typeface="+mn-cs"/>
         </a:defRPr>
       </a:lvl3pPr>
-      <a:lvl4pPr marL="1600200" indent="-228600" algn="l" defTabSz="914400" rtl="0" eaLnBrk="1" latinLnBrk="0" hangingPunct="1">
+      <a:lvl4pPr marL="1600240" indent="-228606" algn="l" defTabSz="914423" rtl="0" eaLnBrk="1" latinLnBrk="0" hangingPunct="1">
         <a:lnSpc>
           <a:spcPct val="90000"/>
         </a:lnSpc>
@@ -3718,7 +3625,7 @@
           <a:cs typeface="+mn-cs"/>
         </a:defRPr>
       </a:lvl4pPr>
-      <a:lvl5pPr marL="2057400" indent="-228600" algn="l" defTabSz="914400" rtl="0" eaLnBrk="1" latinLnBrk="0" hangingPunct="1">
+      <a:lvl5pPr marL="2057452" indent="-228606" algn="l" defTabSz="914423" rtl="0" eaLnBrk="1" latinLnBrk="0" hangingPunct="1">
         <a:lnSpc>
           <a:spcPct val="90000"/>
         </a:lnSpc>
@@ -3736,7 +3643,7 @@
           <a:cs typeface="+mn-cs"/>
         </a:defRPr>
       </a:lvl5pPr>
-      <a:lvl6pPr marL="2514600" indent="-228600" algn="l" defTabSz="914400" rtl="0" eaLnBrk="1" latinLnBrk="0" hangingPunct="1">
+      <a:lvl6pPr marL="2514664" indent="-228606" algn="l" defTabSz="914423" rtl="0" eaLnBrk="1" latinLnBrk="0" hangingPunct="1">
         <a:lnSpc>
           <a:spcPct val="90000"/>
         </a:lnSpc>
@@ -3754,7 +3661,7 @@
           <a:cs typeface="+mn-cs"/>
         </a:defRPr>
       </a:lvl6pPr>
-      <a:lvl7pPr marL="2971800" indent="-228600" algn="l" defTabSz="914400" rtl="0" eaLnBrk="1" latinLnBrk="0" hangingPunct="1">
+      <a:lvl7pPr marL="2971874" indent="-228606" algn="l" defTabSz="914423" rtl="0" eaLnBrk="1" latinLnBrk="0" hangingPunct="1">
         <a:lnSpc>
           <a:spcPct val="90000"/>
         </a:lnSpc>
@@ -3772,7 +3679,7 @@
           <a:cs typeface="+mn-cs"/>
         </a:defRPr>
       </a:lvl7pPr>
-      <a:lvl8pPr marL="3429000" indent="-228600" algn="l" defTabSz="914400" rtl="0" eaLnBrk="1" latinLnBrk="0" hangingPunct="1">
+      <a:lvl8pPr marL="3429086" indent="-228606" algn="l" defTabSz="914423" rtl="0" eaLnBrk="1" latinLnBrk="0" hangingPunct="1">
         <a:lnSpc>
           <a:spcPct val="90000"/>
         </a:lnSpc>
@@ -3790,7 +3697,7 @@
           <a:cs typeface="+mn-cs"/>
         </a:defRPr>
       </a:lvl8pPr>
-      <a:lvl9pPr marL="3886200" indent="-228600" algn="l" defTabSz="914400" rtl="0" eaLnBrk="1" latinLnBrk="0" hangingPunct="1">
+      <a:lvl9pPr marL="3886297" indent="-228606" algn="l" defTabSz="914423" rtl="0" eaLnBrk="1" latinLnBrk="0" hangingPunct="1">
         <a:lnSpc>
           <a:spcPct val="90000"/>
         </a:lnSpc>
@@ -3813,7 +3720,7 @@
       <a:defPPr>
         <a:defRPr lang="zh-TW"/>
       </a:defPPr>
-      <a:lvl1pPr marL="0" algn="l" defTabSz="914400" rtl="0" eaLnBrk="1" latinLnBrk="0" hangingPunct="1">
+      <a:lvl1pPr marL="0" algn="l" defTabSz="914423" rtl="0" eaLnBrk="1" latinLnBrk="0" hangingPunct="1">
         <a:defRPr sz="1800" kern="1200">
           <a:solidFill>
             <a:schemeClr val="tx1"/>
@@ -3823,7 +3730,7 @@
           <a:cs typeface="+mn-cs"/>
         </a:defRPr>
       </a:lvl1pPr>
-      <a:lvl2pPr marL="457200" algn="l" defTabSz="914400" rtl="0" eaLnBrk="1" latinLnBrk="0" hangingPunct="1">
+      <a:lvl2pPr marL="457212" algn="l" defTabSz="914423" rtl="0" eaLnBrk="1" latinLnBrk="0" hangingPunct="1">
         <a:defRPr sz="1800" kern="1200">
           <a:solidFill>
             <a:schemeClr val="tx1"/>
@@ -3833,7 +3740,7 @@
           <a:cs typeface="+mn-cs"/>
         </a:defRPr>
       </a:lvl2pPr>
-      <a:lvl3pPr marL="914400" algn="l" defTabSz="914400" rtl="0" eaLnBrk="1" latinLnBrk="0" hangingPunct="1">
+      <a:lvl3pPr marL="914423" algn="l" defTabSz="914423" rtl="0" eaLnBrk="1" latinLnBrk="0" hangingPunct="1">
         <a:defRPr sz="1800" kern="1200">
           <a:solidFill>
             <a:schemeClr val="tx1"/>
@@ -3843,7 +3750,7 @@
           <a:cs typeface="+mn-cs"/>
         </a:defRPr>
       </a:lvl3pPr>
-      <a:lvl4pPr marL="1371600" algn="l" defTabSz="914400" rtl="0" eaLnBrk="1" latinLnBrk="0" hangingPunct="1">
+      <a:lvl4pPr marL="1371634" algn="l" defTabSz="914423" rtl="0" eaLnBrk="1" latinLnBrk="0" hangingPunct="1">
         <a:defRPr sz="1800" kern="1200">
           <a:solidFill>
             <a:schemeClr val="tx1"/>
@@ -3853,7 +3760,7 @@
           <a:cs typeface="+mn-cs"/>
         </a:defRPr>
       </a:lvl4pPr>
-      <a:lvl5pPr marL="1828800" algn="l" defTabSz="914400" rtl="0" eaLnBrk="1" latinLnBrk="0" hangingPunct="1">
+      <a:lvl5pPr marL="1828846" algn="l" defTabSz="914423" rtl="0" eaLnBrk="1" latinLnBrk="0" hangingPunct="1">
         <a:defRPr sz="1800" kern="1200">
           <a:solidFill>
             <a:schemeClr val="tx1"/>
@@ -3863,7 +3770,7 @@
           <a:cs typeface="+mn-cs"/>
         </a:defRPr>
       </a:lvl5pPr>
-      <a:lvl6pPr marL="2286000" algn="l" defTabSz="914400" rtl="0" eaLnBrk="1" latinLnBrk="0" hangingPunct="1">
+      <a:lvl6pPr marL="2286057" algn="l" defTabSz="914423" rtl="0" eaLnBrk="1" latinLnBrk="0" hangingPunct="1">
         <a:defRPr sz="1800" kern="1200">
           <a:solidFill>
             <a:schemeClr val="tx1"/>
@@ -3873,7 +3780,7 @@
           <a:cs typeface="+mn-cs"/>
         </a:defRPr>
       </a:lvl6pPr>
-      <a:lvl7pPr marL="2743200" algn="l" defTabSz="914400" rtl="0" eaLnBrk="1" latinLnBrk="0" hangingPunct="1">
+      <a:lvl7pPr marL="2743268" algn="l" defTabSz="914423" rtl="0" eaLnBrk="1" latinLnBrk="0" hangingPunct="1">
         <a:defRPr sz="1800" kern="1200">
           <a:solidFill>
             <a:schemeClr val="tx1"/>
@@ -3883,7 +3790,7 @@
           <a:cs typeface="+mn-cs"/>
         </a:defRPr>
       </a:lvl7pPr>
-      <a:lvl8pPr marL="3200400" algn="l" defTabSz="914400" rtl="0" eaLnBrk="1" latinLnBrk="0" hangingPunct="1">
+      <a:lvl8pPr marL="3200480" algn="l" defTabSz="914423" rtl="0" eaLnBrk="1" latinLnBrk="0" hangingPunct="1">
         <a:defRPr sz="1800" kern="1200">
           <a:solidFill>
             <a:schemeClr val="tx1"/>
@@ -3893,7 +3800,7 @@
           <a:cs typeface="+mn-cs"/>
         </a:defRPr>
       </a:lvl8pPr>
-      <a:lvl9pPr marL="3657600" algn="l" defTabSz="914400" rtl="0" eaLnBrk="1" latinLnBrk="0" hangingPunct="1">
+      <a:lvl9pPr marL="3657692" algn="l" defTabSz="914423" rtl="0" eaLnBrk="1" latinLnBrk="0" hangingPunct="1">
         <a:defRPr sz="1800" kern="1200">
           <a:solidFill>
             <a:schemeClr val="tx1"/>
@@ -3939,7 +3846,7 @@
         </p:nvSpPr>
         <p:spPr>
           <a:xfrm>
-            <a:off x="3043063" y="952800"/>
+            <a:off x="3043064" y="952801"/>
             <a:ext cx="6424315" cy="4952400"/>
           </a:xfrm>
           <a:prstGeom prst="roundRect">
@@ -3995,7 +3902,7 @@
         </p:nvSpPr>
         <p:spPr>
           <a:xfrm>
-            <a:off x="3835081" y="1444637"/>
+            <a:off x="3835081" y="1444639"/>
             <a:ext cx="4840280" cy="3968727"/>
           </a:xfrm>
           <a:prstGeom prst="roundRect">
@@ -4051,7 +3958,7 @@
         </p:nvSpPr>
         <p:spPr>
           <a:xfrm>
-            <a:off x="5751563" y="1014053"/>
+            <a:off x="5751563" y="1014055"/>
             <a:ext cx="1003160" cy="369332"/>
           </a:xfrm>
           <a:prstGeom prst="rect">
@@ -4098,7 +4005,7 @@
         <p:spPr>
           <a:xfrm>
             <a:off x="4052697" y="1703550"/>
-            <a:ext cx="561244" cy="369332"/>
+            <a:ext cx="655949" cy="369332"/>
           </a:xfrm>
           <a:prstGeom prst="rect">
             <a:avLst/>
@@ -4123,485 +4030,216 @@
           <a:p>
             <a:r>
               <a:rPr lang="en-US" altLang="zh-TW" dirty="0"/>
-              <a:t>TOP</a:t>
+              <a:t>EV3a</a:t>
             </a:r>
             <a:endParaRPr lang="zh-TW" altLang="en-US" dirty="0"/>
           </a:p>
         </p:txBody>
       </p:sp>
-      <p:grpSp>
-        <p:nvGrpSpPr>
-          <p:cNvPr id="10" name="群組 9">
+      <p:sp>
+        <p:nvSpPr>
+          <p:cNvPr id="15" name="矩形: 圓角 14">
             <a:extLst>
               <a:ext uri="{FF2B5EF4-FFF2-40B4-BE49-F238E27FC236}">
-                <a16:creationId xmlns:a16="http://schemas.microsoft.com/office/drawing/2014/main" id="{4441A6A2-F02A-4591-B77C-BCF5F91F769C}"/>
+                <a16:creationId xmlns:a16="http://schemas.microsoft.com/office/drawing/2014/main" id="{5F2F219C-FE0C-4B6C-B176-78D615DF0794}"/>
               </a:ext>
             </a:extLst>
           </p:cNvPr>
-          <p:cNvGrpSpPr/>
+          <p:cNvSpPr/>
           <p:nvPr/>
-        </p:nvGrpSpPr>
-        <p:grpSpPr>
+        </p:nvSpPr>
+        <p:spPr>
           <a:xfrm>
-            <a:off x="4271606" y="2308237"/>
-            <a:ext cx="1122430" cy="1044564"/>
-            <a:chOff x="4271606" y="2308236"/>
-            <a:chExt cx="1196322" cy="1377073"/>
+            <a:off x="4271606" y="2244438"/>
+            <a:ext cx="1707084" cy="2393529"/>
           </a:xfrm>
-        </p:grpSpPr>
-        <p:sp>
-          <p:nvSpPr>
-            <p:cNvPr id="8" name="矩形: 圓角 7">
-              <a:extLst>
-                <a:ext uri="{FF2B5EF4-FFF2-40B4-BE49-F238E27FC236}">
-                  <a16:creationId xmlns:a16="http://schemas.microsoft.com/office/drawing/2014/main" id="{4D3EB279-C18B-47D0-BEAE-394987A40AB4}"/>
-                </a:ext>
-              </a:extLst>
-            </p:cNvPr>
-            <p:cNvSpPr/>
-            <p:nvPr/>
-          </p:nvSpPr>
-          <p:spPr>
-            <a:xfrm>
-              <a:off x="4271606" y="2308236"/>
-              <a:ext cx="1196322" cy="1377073"/>
-            </a:xfrm>
-            <a:prstGeom prst="roundRect">
-              <a:avLst/>
-            </a:prstGeom>
+          <a:prstGeom prst="roundRect">
+            <a:avLst/>
+          </a:prstGeom>
+          <a:solidFill>
+            <a:srgbClr val="92D050"/>
+          </a:solidFill>
+          <a:ln w="38100">
             <a:solidFill>
-              <a:srgbClr val="00B0F0"/>
+              <a:schemeClr val="accent4">
+                <a:lumMod val="50000"/>
+              </a:schemeClr>
             </a:solidFill>
-            <a:ln w="38100">
-              <a:solidFill>
-                <a:schemeClr val="accent4">
-                  <a:lumMod val="50000"/>
-                </a:schemeClr>
-              </a:solidFill>
-            </a:ln>
-          </p:spPr>
-          <p:style>
-            <a:lnRef idx="2">
-              <a:schemeClr val="accent1">
-                <a:shade val="50000"/>
-              </a:schemeClr>
-            </a:lnRef>
-            <a:fillRef idx="1">
-              <a:schemeClr val="accent1"/>
-            </a:fillRef>
-            <a:effectRef idx="0">
-              <a:schemeClr val="accent1"/>
-            </a:effectRef>
-            <a:fontRef idx="minor">
-              <a:schemeClr val="lt1"/>
-            </a:fontRef>
-          </p:style>
-          <p:txBody>
-            <a:bodyPr rtlCol="0" anchor="ctr"/>
-            <a:lstStyle/>
-            <a:p>
-              <a:pPr algn="ctr"/>
-              <a:endParaRPr lang="zh-TW" altLang="en-US" dirty="0"/>
-            </a:p>
-          </p:txBody>
-        </p:sp>
-        <p:sp>
-          <p:nvSpPr>
-            <p:cNvPr id="9" name="文字方塊 8">
-              <a:extLst>
-                <a:ext uri="{FF2B5EF4-FFF2-40B4-BE49-F238E27FC236}">
-                  <a16:creationId xmlns:a16="http://schemas.microsoft.com/office/drawing/2014/main" id="{915D7F3E-56A4-41D5-8C0F-63DB3A845082}"/>
-                </a:ext>
-              </a:extLst>
-            </p:cNvPr>
-            <p:cNvSpPr txBox="1"/>
-            <p:nvPr/>
-          </p:nvSpPr>
-          <p:spPr>
-            <a:xfrm>
-              <a:off x="4337382" y="2402910"/>
-              <a:ext cx="1064770" cy="261610"/>
-            </a:xfrm>
-            <a:prstGeom prst="rect">
-              <a:avLst/>
-            </a:prstGeom>
-            <a:noFill/>
-            <a:ln>
-              <a:noFill/>
-            </a:ln>
-          </p:spPr>
-          <p:txBody>
-            <a:bodyPr wrap="square" rtlCol="0">
-              <a:spAutoFit/>
-            </a:bodyPr>
-            <a:lstStyle/>
-            <a:p>
-              <a:r>
-                <a:rPr lang="en-US" altLang="zh-TW" sz="1100" dirty="0" err="1"/>
-                <a:t>Generate_ind</a:t>
-              </a:r>
-              <a:endParaRPr lang="zh-TW" altLang="en-US" sz="1100" dirty="0"/>
-            </a:p>
-          </p:txBody>
-        </p:sp>
-      </p:grpSp>
-      <p:grpSp>
-        <p:nvGrpSpPr>
-          <p:cNvPr id="14" name="群組 13">
+          </a:ln>
+        </p:spPr>
+        <p:style>
+          <a:lnRef idx="2">
+            <a:schemeClr val="accent1">
+              <a:shade val="50000"/>
+            </a:schemeClr>
+          </a:lnRef>
+          <a:fillRef idx="1">
+            <a:schemeClr val="accent1"/>
+          </a:fillRef>
+          <a:effectRef idx="0">
+            <a:schemeClr val="accent1"/>
+          </a:effectRef>
+          <a:fontRef idx="minor">
+            <a:schemeClr val="lt1"/>
+          </a:fontRef>
+        </p:style>
+        <p:txBody>
+          <a:bodyPr rtlCol="0" anchor="ctr"/>
+          <a:lstStyle/>
+          <a:p>
+            <a:pPr algn="ctr"/>
+            <a:endParaRPr lang="zh-TW" altLang="en-US" dirty="0"/>
+          </a:p>
+        </p:txBody>
+      </p:sp>
+      <p:sp>
+        <p:nvSpPr>
+          <p:cNvPr id="18" name="矩形: 圓角 17">
             <a:extLst>
               <a:ext uri="{FF2B5EF4-FFF2-40B4-BE49-F238E27FC236}">
-                <a16:creationId xmlns:a16="http://schemas.microsoft.com/office/drawing/2014/main" id="{19A5624B-5C8F-4F2F-975A-9BB6CBE1D08F}"/>
+                <a16:creationId xmlns:a16="http://schemas.microsoft.com/office/drawing/2014/main" id="{BCCA2B92-502A-44E8-B089-1614751F28D7}"/>
               </a:ext>
             </a:extLst>
           </p:cNvPr>
-          <p:cNvGrpSpPr/>
+          <p:cNvSpPr/>
           <p:nvPr/>
-        </p:nvGrpSpPr>
-        <p:grpSpPr>
+        </p:nvSpPr>
+        <p:spPr>
           <a:xfrm>
-            <a:off x="4271606" y="3593401"/>
-            <a:ext cx="1122430" cy="1044564"/>
-            <a:chOff x="4271606" y="2308236"/>
-            <a:chExt cx="1196322" cy="1377073"/>
+            <a:off x="6213312" y="2244438"/>
+            <a:ext cx="1707085" cy="2393529"/>
           </a:xfrm>
+          <a:prstGeom prst="roundRect">
+            <a:avLst/>
+          </a:prstGeom>
           <a:solidFill>
-            <a:srgbClr val="92D050"/>
+            <a:srgbClr val="FFFF00"/>
           </a:solidFill>
-        </p:grpSpPr>
-        <p:sp>
-          <p:nvSpPr>
-            <p:cNvPr id="15" name="矩形: 圓角 14">
-              <a:extLst>
-                <a:ext uri="{FF2B5EF4-FFF2-40B4-BE49-F238E27FC236}">
-                  <a16:creationId xmlns:a16="http://schemas.microsoft.com/office/drawing/2014/main" id="{5F2F219C-FE0C-4B6C-B176-78D615DF0794}"/>
-                </a:ext>
-              </a:extLst>
-            </p:cNvPr>
-            <p:cNvSpPr/>
-            <p:nvPr/>
-          </p:nvSpPr>
-          <p:spPr>
-            <a:xfrm>
-              <a:off x="4271606" y="2308236"/>
-              <a:ext cx="1196322" cy="1377073"/>
-            </a:xfrm>
-            <a:prstGeom prst="roundRect">
-              <a:avLst/>
-            </a:prstGeom>
-            <a:grpFill/>
-            <a:ln w="38100">
-              <a:solidFill>
-                <a:schemeClr val="accent4">
-                  <a:lumMod val="50000"/>
-                </a:schemeClr>
-              </a:solidFill>
-            </a:ln>
-          </p:spPr>
-          <p:style>
-            <a:lnRef idx="2">
-              <a:schemeClr val="accent1">
-                <a:shade val="50000"/>
+          <a:ln w="38100">
+            <a:solidFill>
+              <a:schemeClr val="accent4">
+                <a:lumMod val="50000"/>
               </a:schemeClr>
-            </a:lnRef>
-            <a:fillRef idx="1">
-              <a:schemeClr val="accent1"/>
-            </a:fillRef>
-            <a:effectRef idx="0">
-              <a:schemeClr val="accent1"/>
-            </a:effectRef>
-            <a:fontRef idx="minor">
-              <a:schemeClr val="lt1"/>
-            </a:fontRef>
-          </p:style>
-          <p:txBody>
-            <a:bodyPr rtlCol="0" anchor="ctr"/>
-            <a:lstStyle/>
-            <a:p>
-              <a:pPr algn="ctr"/>
-              <a:endParaRPr lang="zh-TW" altLang="en-US" dirty="0"/>
-            </a:p>
-          </p:txBody>
-        </p:sp>
-        <p:sp>
-          <p:nvSpPr>
-            <p:cNvPr id="16" name="文字方塊 15">
-              <a:extLst>
-                <a:ext uri="{FF2B5EF4-FFF2-40B4-BE49-F238E27FC236}">
-                  <a16:creationId xmlns:a16="http://schemas.microsoft.com/office/drawing/2014/main" id="{B3EB8DB9-446A-46BB-A851-4D51AE264A6E}"/>
-                </a:ext>
-              </a:extLst>
-            </p:cNvPr>
-            <p:cNvSpPr txBox="1"/>
-            <p:nvPr/>
-          </p:nvSpPr>
-          <p:spPr>
-            <a:xfrm>
-              <a:off x="4337382" y="2402910"/>
-              <a:ext cx="1064770" cy="568048"/>
-            </a:xfrm>
-            <a:prstGeom prst="rect">
-              <a:avLst/>
-            </a:prstGeom>
-            <a:grpFill/>
-            <a:ln>
-              <a:noFill/>
-            </a:ln>
-          </p:spPr>
-          <p:txBody>
-            <a:bodyPr wrap="square" rtlCol="0">
-              <a:spAutoFit/>
-            </a:bodyPr>
-            <a:lstStyle/>
-            <a:p>
-              <a:r>
-                <a:rPr lang="en-US" altLang="zh-TW" sz="1100" dirty="0" err="1"/>
-                <a:t>Random_num_generator</a:t>
-              </a:r>
-              <a:endParaRPr lang="zh-TW" altLang="en-US" sz="1100" dirty="0"/>
-            </a:p>
-          </p:txBody>
-        </p:sp>
-      </p:grpSp>
-      <p:grpSp>
-        <p:nvGrpSpPr>
-          <p:cNvPr id="17" name="群組 16">
+            </a:solidFill>
+          </a:ln>
+        </p:spPr>
+        <p:style>
+          <a:lnRef idx="2">
+            <a:schemeClr val="accent1">
+              <a:shade val="50000"/>
+            </a:schemeClr>
+          </a:lnRef>
+          <a:fillRef idx="1">
+            <a:schemeClr val="accent1"/>
+          </a:fillRef>
+          <a:effectRef idx="0">
+            <a:schemeClr val="accent1"/>
+          </a:effectRef>
+          <a:fontRef idx="minor">
+            <a:schemeClr val="lt1"/>
+          </a:fontRef>
+        </p:style>
+        <p:txBody>
+          <a:bodyPr rtlCol="0" anchor="ctr"/>
+          <a:lstStyle/>
+          <a:p>
+            <a:pPr algn="ctr"/>
+            <a:endParaRPr lang="zh-TW" altLang="en-US" dirty="0"/>
+          </a:p>
+        </p:txBody>
+      </p:sp>
+      <p:sp>
+        <p:nvSpPr>
+          <p:cNvPr id="20" name="文字方塊 19">
             <a:extLst>
               <a:ext uri="{FF2B5EF4-FFF2-40B4-BE49-F238E27FC236}">
-                <a16:creationId xmlns:a16="http://schemas.microsoft.com/office/drawing/2014/main" id="{BC43BAA2-538A-48D7-AD48-564E7CA7B364}"/>
+                <a16:creationId xmlns:a16="http://schemas.microsoft.com/office/drawing/2014/main" id="{7AC60436-B104-4FBB-A7BB-FBCEB7B97DE5}"/>
               </a:ext>
             </a:extLst>
           </p:cNvPr>
-          <p:cNvGrpSpPr/>
+          <p:cNvSpPr txBox="1"/>
           <p:nvPr/>
-        </p:nvGrpSpPr>
-        <p:grpSpPr>
+        </p:nvSpPr>
+        <p:spPr>
           <a:xfrm>
-            <a:off x="5694007" y="2308237"/>
-            <a:ext cx="1122430" cy="1044564"/>
-            <a:chOff x="4271606" y="2308236"/>
-            <a:chExt cx="1196322" cy="1377073"/>
+            <a:off x="4479266" y="2473927"/>
+            <a:ext cx="1291764" cy="369332"/>
           </a:xfrm>
-        </p:grpSpPr>
-        <p:sp>
-          <p:nvSpPr>
-            <p:cNvPr id="18" name="矩形: 圓角 17">
-              <a:extLst>
-                <a:ext uri="{FF2B5EF4-FFF2-40B4-BE49-F238E27FC236}">
-                  <a16:creationId xmlns:a16="http://schemas.microsoft.com/office/drawing/2014/main" id="{BCCA2B92-502A-44E8-B089-1614751F28D7}"/>
-                </a:ext>
-              </a:extLst>
-            </p:cNvPr>
-            <p:cNvSpPr/>
-            <p:nvPr/>
-          </p:nvSpPr>
-          <p:spPr>
-            <a:xfrm>
-              <a:off x="4271606" y="2308236"/>
-              <a:ext cx="1196322" cy="1377073"/>
-            </a:xfrm>
-            <a:prstGeom prst="roundRect">
-              <a:avLst/>
-            </a:prstGeom>
-            <a:solidFill>
-              <a:srgbClr val="FFFF00"/>
-            </a:solidFill>
-            <a:ln w="38100">
-              <a:solidFill>
-                <a:schemeClr val="accent4">
-                  <a:lumMod val="50000"/>
-                </a:schemeClr>
-              </a:solidFill>
-            </a:ln>
-          </p:spPr>
-          <p:style>
-            <a:lnRef idx="2">
-              <a:schemeClr val="accent1">
-                <a:shade val="50000"/>
-              </a:schemeClr>
-            </a:lnRef>
-            <a:fillRef idx="1">
-              <a:schemeClr val="accent1"/>
-            </a:fillRef>
-            <a:effectRef idx="0">
-              <a:schemeClr val="accent1"/>
-            </a:effectRef>
-            <a:fontRef idx="minor">
-              <a:schemeClr val="lt1"/>
-            </a:fontRef>
-          </p:style>
-          <p:txBody>
-            <a:bodyPr rtlCol="0" anchor="ctr"/>
-            <a:lstStyle/>
-            <a:p>
-              <a:pPr algn="ctr"/>
-              <a:endParaRPr lang="zh-TW" altLang="en-US" dirty="0"/>
-            </a:p>
-          </p:txBody>
-        </p:sp>
-        <p:sp>
-          <p:nvSpPr>
-            <p:cNvPr id="19" name="文字方塊 18">
-              <a:extLst>
-                <a:ext uri="{FF2B5EF4-FFF2-40B4-BE49-F238E27FC236}">
-                  <a16:creationId xmlns:a16="http://schemas.microsoft.com/office/drawing/2014/main" id="{8409F7D6-2086-4BD8-808E-72CC32D4A94C}"/>
-                </a:ext>
-              </a:extLst>
-            </p:cNvPr>
-            <p:cNvSpPr txBox="1"/>
-            <p:nvPr/>
-          </p:nvSpPr>
-          <p:spPr>
-            <a:xfrm>
-              <a:off x="4337382" y="2402910"/>
-              <a:ext cx="1064770" cy="568048"/>
-            </a:xfrm>
-            <a:prstGeom prst="rect">
-              <a:avLst/>
-            </a:prstGeom>
-            <a:noFill/>
-            <a:ln>
-              <a:noFill/>
-            </a:ln>
-          </p:spPr>
-          <p:txBody>
-            <a:bodyPr wrap="square" rtlCol="0">
-              <a:spAutoFit/>
-            </a:bodyPr>
-            <a:lstStyle/>
-            <a:p>
-              <a:r>
-                <a:rPr lang="en-US" altLang="zh-TW" sz="1100" dirty="0" err="1"/>
-                <a:t>Evaluate_fitness</a:t>
-              </a:r>
-              <a:r>
-                <a:rPr lang="en-US" altLang="zh-TW" sz="1100" dirty="0"/>
-                <a:t> </a:t>
-              </a:r>
-              <a:endParaRPr lang="zh-TW" altLang="en-US" sz="1100" dirty="0"/>
-            </a:p>
-          </p:txBody>
-        </p:sp>
-      </p:grpSp>
-      <p:grpSp>
-        <p:nvGrpSpPr>
-          <p:cNvPr id="23" name="群組 22">
-            <a:extLst>
-              <a:ext uri="{FF2B5EF4-FFF2-40B4-BE49-F238E27FC236}">
-                <a16:creationId xmlns:a16="http://schemas.microsoft.com/office/drawing/2014/main" id="{23A62D71-8330-4B8B-AF0D-B21836E0E39D}"/>
-              </a:ext>
-            </a:extLst>
-          </p:cNvPr>
-          <p:cNvGrpSpPr/>
-          <p:nvPr/>
-        </p:nvGrpSpPr>
-        <p:grpSpPr>
-          <a:xfrm>
-            <a:off x="7105073" y="2308237"/>
-            <a:ext cx="1122430" cy="2329728"/>
-            <a:chOff x="4271606" y="2308236"/>
-            <a:chExt cx="1196322" cy="1377073"/>
-          </a:xfrm>
+          <a:prstGeom prst="rect">
+            <a:avLst/>
+          </a:prstGeom>
           <a:solidFill>
-            <a:schemeClr val="accent1">
+            <a:schemeClr val="accent3">
               <a:lumMod val="40000"/>
               <a:lumOff val="60000"/>
             </a:schemeClr>
           </a:solidFill>
-        </p:grpSpPr>
-        <p:sp>
-          <p:nvSpPr>
-            <p:cNvPr id="24" name="矩形: 圓角 23">
-              <a:extLst>
-                <a:ext uri="{FF2B5EF4-FFF2-40B4-BE49-F238E27FC236}">
-                  <a16:creationId xmlns:a16="http://schemas.microsoft.com/office/drawing/2014/main" id="{F83CFD70-1A9D-4663-9515-0920B2873DA3}"/>
-                </a:ext>
-              </a:extLst>
-            </p:cNvPr>
-            <p:cNvSpPr/>
-            <p:nvPr/>
-          </p:nvSpPr>
-          <p:spPr>
-            <a:xfrm>
-              <a:off x="4271606" y="2308236"/>
-              <a:ext cx="1196322" cy="1377073"/>
-            </a:xfrm>
-            <a:prstGeom prst="roundRect">
-              <a:avLst/>
-            </a:prstGeom>
-            <a:grpFill/>
-            <a:ln w="38100">
-              <a:solidFill>
-                <a:schemeClr val="accent4">
-                  <a:lumMod val="50000"/>
-                </a:schemeClr>
-              </a:solidFill>
-            </a:ln>
-          </p:spPr>
-          <p:style>
-            <a:lnRef idx="2">
-              <a:schemeClr val="accent1">
-                <a:shade val="50000"/>
-              </a:schemeClr>
-            </a:lnRef>
-            <a:fillRef idx="1">
-              <a:schemeClr val="accent1"/>
-            </a:fillRef>
-            <a:effectRef idx="0">
-              <a:schemeClr val="accent1"/>
-            </a:effectRef>
-            <a:fontRef idx="minor">
-              <a:schemeClr val="lt1"/>
-            </a:fontRef>
-          </p:style>
-          <p:txBody>
-            <a:bodyPr rtlCol="0" anchor="ctr"/>
-            <a:lstStyle/>
-            <a:p>
-              <a:pPr algn="ctr"/>
-              <a:endParaRPr lang="zh-TW" altLang="en-US" dirty="0"/>
-            </a:p>
-          </p:txBody>
-        </p:sp>
-        <p:sp>
-          <p:nvSpPr>
-            <p:cNvPr id="25" name="文字方塊 24">
-              <a:extLst>
-                <a:ext uri="{FF2B5EF4-FFF2-40B4-BE49-F238E27FC236}">
-                  <a16:creationId xmlns:a16="http://schemas.microsoft.com/office/drawing/2014/main" id="{D7523BC9-2506-4A4C-A742-19C6D64BA5F4}"/>
-                </a:ext>
-              </a:extLst>
-            </p:cNvPr>
-            <p:cNvSpPr txBox="1"/>
-            <p:nvPr/>
-          </p:nvSpPr>
-          <p:spPr>
-            <a:xfrm>
-              <a:off x="4337382" y="2402910"/>
-              <a:ext cx="1064770" cy="163731"/>
-            </a:xfrm>
-            <a:prstGeom prst="rect">
-              <a:avLst/>
-            </a:prstGeom>
-            <a:grpFill/>
-            <a:ln>
-              <a:noFill/>
-            </a:ln>
-          </p:spPr>
-          <p:txBody>
-            <a:bodyPr wrap="square" rtlCol="0">
-              <a:spAutoFit/>
-            </a:bodyPr>
-            <a:lstStyle/>
-            <a:p>
-              <a:r>
-                <a:rPr lang="en-US" altLang="zh-TW" sz="1200" dirty="0" err="1"/>
-                <a:t>Register_file</a:t>
-              </a:r>
-              <a:endParaRPr lang="zh-TW" altLang="en-US" sz="1200" dirty="0"/>
-            </a:p>
-          </p:txBody>
-        </p:sp>
-      </p:grpSp>
+          <a:ln>
+            <a:solidFill>
+              <a:schemeClr val="tx1"/>
+            </a:solidFill>
+          </a:ln>
+        </p:spPr>
+        <p:txBody>
+          <a:bodyPr wrap="none" rtlCol="0">
+            <a:spAutoFit/>
+          </a:bodyPr>
+          <a:lstStyle/>
+          <a:p>
+            <a:r>
+              <a:rPr lang="en-US" altLang="zh-TW" dirty="0" err="1"/>
+              <a:t>Evaluate_fit</a:t>
+            </a:r>
+            <a:endParaRPr lang="zh-TW" altLang="en-US" dirty="0"/>
+          </a:p>
+        </p:txBody>
+      </p:sp>
+      <p:sp>
+        <p:nvSpPr>
+          <p:cNvPr id="21" name="文字方塊 20">
+            <a:extLst>
+              <a:ext uri="{FF2B5EF4-FFF2-40B4-BE49-F238E27FC236}">
+                <a16:creationId xmlns:a16="http://schemas.microsoft.com/office/drawing/2014/main" id="{9833A177-4A52-465F-8ADF-9F46B1688964}"/>
+              </a:ext>
+            </a:extLst>
+          </p:cNvPr>
+          <p:cNvSpPr txBox="1"/>
+          <p:nvPr/>
+        </p:nvSpPr>
+        <p:spPr>
+          <a:xfrm>
+            <a:off x="6770710" y="2473927"/>
+            <a:ext cx="615810" cy="369332"/>
+          </a:xfrm>
+          <a:prstGeom prst="rect">
+            <a:avLst/>
+          </a:prstGeom>
+          <a:solidFill>
+            <a:schemeClr val="accent3">
+              <a:lumMod val="40000"/>
+              <a:lumOff val="60000"/>
+            </a:schemeClr>
+          </a:solidFill>
+          <a:ln>
+            <a:solidFill>
+              <a:schemeClr val="tx1"/>
+            </a:solidFill>
+          </a:ln>
+        </p:spPr>
+        <p:txBody>
+          <a:bodyPr wrap="none" rtlCol="0">
+            <a:spAutoFit/>
+          </a:bodyPr>
+          <a:lstStyle/>
+          <a:p>
+            <a:r>
+              <a:rPr lang="en-US" altLang="zh-TW" dirty="0"/>
+              <a:t>LFSR</a:t>
+            </a:r>
+            <a:endParaRPr lang="zh-TW" altLang="en-US" dirty="0"/>
+          </a:p>
+        </p:txBody>
+      </p:sp>
     </p:spTree>
     <p:extLst>
       <p:ext uri="{BB962C8B-B14F-4D97-AF65-F5344CB8AC3E}">
@@ -4647,7 +4285,7 @@
         <p:grpSpPr>
           <a:xfrm>
             <a:off x="1357190" y="1115891"/>
-            <a:ext cx="5761611" cy="4776357"/>
+            <a:ext cx="5882567" cy="4776357"/>
             <a:chOff x="1357190" y="1115891"/>
             <a:chExt cx="5761611" cy="4776357"/>
           </a:xfrm>
@@ -4775,7 +4413,7 @@
             <p:spPr>
               <a:xfrm>
                 <a:off x="6032565" y="2610333"/>
-                <a:ext cx="727956" cy="276999"/>
+                <a:ext cx="712988" cy="276999"/>
               </a:xfrm>
               <a:prstGeom prst="rect">
                 <a:avLst/>
@@ -4920,7 +4558,7 @@
             <p:spPr>
               <a:xfrm>
                 <a:off x="6032565" y="2610333"/>
-                <a:ext cx="503664" cy="276999"/>
+                <a:ext cx="493308" cy="276999"/>
               </a:xfrm>
               <a:prstGeom prst="rect">
                 <a:avLst/>
@@ -4957,7 +4595,7 @@
           <p:spPr>
             <a:xfrm>
               <a:off x="4011092" y="1356036"/>
-              <a:ext cx="561244" cy="369332"/>
+              <a:ext cx="549704" cy="369332"/>
             </a:xfrm>
             <a:prstGeom prst="rect">
               <a:avLst/>
@@ -5003,9 +4641,9 @@
           <p:grpSpPr>
             <a:xfrm>
               <a:off x="1357190" y="1356036"/>
-              <a:ext cx="1609178" cy="360072"/>
+              <a:ext cx="1582429" cy="360072"/>
               <a:chOff x="1350704" y="1626107"/>
-              <a:chExt cx="1609178" cy="360072"/>
+              <a:chExt cx="1582429" cy="360072"/>
             </a:xfrm>
           </p:grpSpPr>
           <p:sp>
@@ -5111,7 +4749,7 @@
             <p:spPr>
               <a:xfrm>
                 <a:off x="1658948" y="1626107"/>
-                <a:ext cx="1300934" cy="276999"/>
+                <a:ext cx="1274185" cy="276999"/>
               </a:xfrm>
               <a:prstGeom prst="rect">
                 <a:avLst/>
@@ -5256,7 +4894,7 @@
             <p:spPr>
               <a:xfrm>
                 <a:off x="6032565" y="2610333"/>
-                <a:ext cx="641522" cy="276999"/>
+                <a:ext cx="628331" cy="276999"/>
               </a:xfrm>
               <a:prstGeom prst="rect">
                 <a:avLst/>
@@ -5401,7 +5039,7 @@
             <p:spPr>
               <a:xfrm>
                 <a:off x="1658948" y="1626107"/>
-                <a:ext cx="916726" cy="276999"/>
+                <a:ext cx="897877" cy="276999"/>
               </a:xfrm>
               <a:prstGeom prst="rect">
                 <a:avLst/>
@@ -5438,9 +5076,9 @@
           <p:grpSpPr>
             <a:xfrm>
               <a:off x="1360079" y="2071988"/>
-              <a:ext cx="1480040" cy="360072"/>
+              <a:ext cx="1455946" cy="360072"/>
               <a:chOff x="1350704" y="1626107"/>
-              <a:chExt cx="1480040" cy="360072"/>
+              <a:chExt cx="1455946" cy="360072"/>
             </a:xfrm>
           </p:grpSpPr>
           <p:sp>
@@ -5546,7 +5184,7 @@
             <p:spPr>
               <a:xfrm>
                 <a:off x="1658948" y="1626107"/>
-                <a:ext cx="1171796" cy="276999"/>
+                <a:ext cx="1147702" cy="276999"/>
               </a:xfrm>
               <a:prstGeom prst="rect">
                 <a:avLst/>
@@ -5564,151 +5202,6 @@
                   <a:t>Interact_energy</a:t>
                 </a:r>
                 <a:endParaRPr lang="zh-TW" altLang="en-US" sz="1200" dirty="0"/>
-              </a:p>
-            </p:txBody>
-          </p:sp>
-        </p:grpSp>
-        <p:grpSp>
-          <p:nvGrpSpPr>
-            <p:cNvPr id="35" name="群組 34">
-              <a:extLst>
-                <a:ext uri="{FF2B5EF4-FFF2-40B4-BE49-F238E27FC236}">
-                  <a16:creationId xmlns:a16="http://schemas.microsoft.com/office/drawing/2014/main" id="{3FA6C692-26B5-4841-A087-D85D425AE417}"/>
-                </a:ext>
-              </a:extLst>
-            </p:cNvPr>
-            <p:cNvGrpSpPr/>
-            <p:nvPr/>
-          </p:nvGrpSpPr>
-          <p:grpSpPr>
-            <a:xfrm>
-              <a:off x="1357190" y="2421602"/>
-              <a:ext cx="1369299" cy="360072"/>
-              <a:chOff x="1350704" y="1626107"/>
-              <a:chExt cx="1369299" cy="360072"/>
-            </a:xfrm>
-          </p:grpSpPr>
-          <p:sp>
-            <p:nvSpPr>
-              <p:cNvPr id="36" name="箭號: 五邊形 35">
-                <a:extLst>
-                  <a:ext uri="{FF2B5EF4-FFF2-40B4-BE49-F238E27FC236}">
-                    <a16:creationId xmlns:a16="http://schemas.microsoft.com/office/drawing/2014/main" id="{5BB4F44D-5F13-485F-93EB-F8900FC04EA2}"/>
-                  </a:ext>
-                </a:extLst>
-              </p:cNvPr>
-              <p:cNvSpPr/>
-              <p:nvPr/>
-            </p:nvSpPr>
-            <p:spPr>
-              <a:xfrm>
-                <a:off x="1350704" y="1725368"/>
-                <a:ext cx="387927" cy="260811"/>
-              </a:xfrm>
-              <a:prstGeom prst="homePlate">
-                <a:avLst/>
-              </a:prstGeom>
-              <a:solidFill>
-                <a:schemeClr val="accent3">
-                  <a:lumMod val="40000"/>
-                  <a:lumOff val="60000"/>
-                </a:schemeClr>
-              </a:solidFill>
-            </p:spPr>
-            <p:style>
-              <a:lnRef idx="2">
-                <a:schemeClr val="accent1">
-                  <a:shade val="50000"/>
-                </a:schemeClr>
-              </a:lnRef>
-              <a:fillRef idx="1">
-                <a:schemeClr val="accent1"/>
-              </a:fillRef>
-              <a:effectRef idx="0">
-                <a:schemeClr val="accent1"/>
-              </a:effectRef>
-              <a:fontRef idx="minor">
-                <a:schemeClr val="lt1"/>
-              </a:fontRef>
-            </p:style>
-            <p:txBody>
-              <a:bodyPr rtlCol="0" anchor="ctr"/>
-              <a:lstStyle/>
-              <a:p>
-                <a:pPr algn="ctr"/>
-                <a:endParaRPr lang="zh-TW" altLang="en-US"/>
-              </a:p>
-            </p:txBody>
-          </p:sp>
-          <p:cxnSp>
-            <p:nvCxnSpPr>
-              <p:cNvPr id="37" name="直線接點 36">
-                <a:extLst>
-                  <a:ext uri="{FF2B5EF4-FFF2-40B4-BE49-F238E27FC236}">
-                    <a16:creationId xmlns:a16="http://schemas.microsoft.com/office/drawing/2014/main" id="{A35A0996-50F9-4EAA-A387-974A0DA92BEA}"/>
-                  </a:ext>
-                </a:extLst>
-              </p:cNvPr>
-              <p:cNvCxnSpPr/>
-              <p:nvPr/>
-            </p:nvCxnSpPr>
-            <p:spPr>
-              <a:xfrm flipH="1">
-                <a:off x="1720167" y="1861995"/>
-                <a:ext cx="999836" cy="1"/>
-              </a:xfrm>
-              <a:prstGeom prst="line">
-                <a:avLst/>
-              </a:prstGeom>
-            </p:spPr>
-            <p:style>
-              <a:lnRef idx="3">
-                <a:schemeClr val="dk1"/>
-              </a:lnRef>
-              <a:fillRef idx="0">
-                <a:schemeClr val="dk1"/>
-              </a:fillRef>
-              <a:effectRef idx="2">
-                <a:schemeClr val="dk1"/>
-              </a:effectRef>
-              <a:fontRef idx="minor">
-                <a:schemeClr val="tx1"/>
-              </a:fontRef>
-            </p:style>
-          </p:cxnSp>
-          <p:sp>
-            <p:nvSpPr>
-              <p:cNvPr id="38" name="文字方塊 37">
-                <a:extLst>
-                  <a:ext uri="{FF2B5EF4-FFF2-40B4-BE49-F238E27FC236}">
-                    <a16:creationId xmlns:a16="http://schemas.microsoft.com/office/drawing/2014/main" id="{BFCD2CE9-0E3B-45CB-9718-16600451ED72}"/>
-                  </a:ext>
-                </a:extLst>
-              </p:cNvPr>
-              <p:cNvSpPr txBox="1"/>
-              <p:nvPr/>
-            </p:nvSpPr>
-            <p:spPr>
-              <a:xfrm>
-                <a:off x="1658948" y="1626107"/>
-                <a:ext cx="993092" cy="276999"/>
-              </a:xfrm>
-              <a:prstGeom prst="rect">
-                <a:avLst/>
-              </a:prstGeom>
-              <a:noFill/>
-            </p:spPr>
-            <p:txBody>
-              <a:bodyPr wrap="none" rtlCol="0">
-                <a:spAutoFit/>
-              </a:bodyPr>
-              <a:lstStyle/>
-              <a:p>
-                <a:r>
-                  <a:rPr lang="en-US" altLang="zh-TW" sz="1200" dirty="0" err="1"/>
-                  <a:t>latticeLength</a:t>
-                </a:r>
-                <a:endParaRPr lang="en-US" altLang="zh-TW" sz="1200" dirty="0"/>
               </a:p>
             </p:txBody>
           </p:sp>
@@ -5836,7 +5329,7 @@
             <p:spPr>
               <a:xfrm>
                 <a:off x="1658948" y="1626107"/>
-                <a:ext cx="1035861" cy="276999"/>
+                <a:ext cx="1014562" cy="276999"/>
               </a:xfrm>
               <a:prstGeom prst="rect">
                 <a:avLst/>
@@ -5981,7 +5474,7 @@
             <p:spPr>
               <a:xfrm>
                 <a:off x="1658948" y="1626107"/>
-                <a:ext cx="731162" cy="276999"/>
+                <a:ext cx="716128" cy="276999"/>
               </a:xfrm>
               <a:prstGeom prst="rect">
                 <a:avLst/>
@@ -6018,9 +5511,9 @@
           <p:grpSpPr>
             <a:xfrm>
               <a:off x="1380983" y="3890930"/>
-              <a:ext cx="1599175" cy="360072"/>
+              <a:ext cx="1572631" cy="360072"/>
               <a:chOff x="1350704" y="1626107"/>
-              <a:chExt cx="1599175" cy="360072"/>
+              <a:chExt cx="1572631" cy="360072"/>
             </a:xfrm>
           </p:grpSpPr>
           <p:sp>
@@ -6126,7 +5619,7 @@
             <p:spPr>
               <a:xfrm>
                 <a:off x="1658948" y="1626107"/>
-                <a:ext cx="1290931" cy="276999"/>
+                <a:ext cx="1264387" cy="276999"/>
               </a:xfrm>
               <a:prstGeom prst="rect">
                 <a:avLst/>
@@ -6271,7 +5764,7 @@
             <p:spPr>
               <a:xfrm>
                 <a:off x="1658948" y="1626107"/>
-                <a:ext cx="356188" cy="276999"/>
+                <a:ext cx="348864" cy="276999"/>
               </a:xfrm>
               <a:prstGeom prst="rect">
                 <a:avLst/>
@@ -6287,151 +5780,6 @@
                 <a:r>
                   <a:rPr lang="en-US" altLang="zh-TW" sz="1200" dirty="0" err="1"/>
                   <a:t>clk</a:t>
-                </a:r>
-                <a:endParaRPr lang="zh-TW" altLang="en-US" sz="1200" dirty="0"/>
-              </a:p>
-            </p:txBody>
-          </p:sp>
-        </p:grpSp>
-        <p:grpSp>
-          <p:nvGrpSpPr>
-            <p:cNvPr id="59" name="群組 58">
-              <a:extLst>
-                <a:ext uri="{FF2B5EF4-FFF2-40B4-BE49-F238E27FC236}">
-                  <a16:creationId xmlns:a16="http://schemas.microsoft.com/office/drawing/2014/main" id="{AD337792-E149-4E96-B585-C60E7CAF3CF5}"/>
-                </a:ext>
-              </a:extLst>
-            </p:cNvPr>
-            <p:cNvGrpSpPr/>
-            <p:nvPr/>
-          </p:nvGrpSpPr>
-          <p:grpSpPr>
-            <a:xfrm>
-              <a:off x="1380983" y="4589324"/>
-              <a:ext cx="1369299" cy="360072"/>
-              <a:chOff x="1350704" y="1626107"/>
-              <a:chExt cx="1369299" cy="360072"/>
-            </a:xfrm>
-          </p:grpSpPr>
-          <p:sp>
-            <p:nvSpPr>
-              <p:cNvPr id="60" name="箭號: 五邊形 59">
-                <a:extLst>
-                  <a:ext uri="{FF2B5EF4-FFF2-40B4-BE49-F238E27FC236}">
-                    <a16:creationId xmlns:a16="http://schemas.microsoft.com/office/drawing/2014/main" id="{8A38BDB8-39E7-4563-A850-E3B7EB4E7C06}"/>
-                  </a:ext>
-                </a:extLst>
-              </p:cNvPr>
-              <p:cNvSpPr/>
-              <p:nvPr/>
-            </p:nvSpPr>
-            <p:spPr>
-              <a:xfrm>
-                <a:off x="1350704" y="1725368"/>
-                <a:ext cx="387927" cy="260811"/>
-              </a:xfrm>
-              <a:prstGeom prst="homePlate">
-                <a:avLst/>
-              </a:prstGeom>
-              <a:solidFill>
-                <a:schemeClr val="accent3">
-                  <a:lumMod val="40000"/>
-                  <a:lumOff val="60000"/>
-                </a:schemeClr>
-              </a:solidFill>
-            </p:spPr>
-            <p:style>
-              <a:lnRef idx="2">
-                <a:schemeClr val="accent1">
-                  <a:shade val="50000"/>
-                </a:schemeClr>
-              </a:lnRef>
-              <a:fillRef idx="1">
-                <a:schemeClr val="accent1"/>
-              </a:fillRef>
-              <a:effectRef idx="0">
-                <a:schemeClr val="accent1"/>
-              </a:effectRef>
-              <a:fontRef idx="minor">
-                <a:schemeClr val="lt1"/>
-              </a:fontRef>
-            </p:style>
-            <p:txBody>
-              <a:bodyPr rtlCol="0" anchor="ctr"/>
-              <a:lstStyle/>
-              <a:p>
-                <a:pPr algn="ctr"/>
-                <a:endParaRPr lang="zh-TW" altLang="en-US"/>
-              </a:p>
-            </p:txBody>
-          </p:sp>
-          <p:cxnSp>
-            <p:nvCxnSpPr>
-              <p:cNvPr id="61" name="直線接點 60">
-                <a:extLst>
-                  <a:ext uri="{FF2B5EF4-FFF2-40B4-BE49-F238E27FC236}">
-                    <a16:creationId xmlns:a16="http://schemas.microsoft.com/office/drawing/2014/main" id="{2AB1C8A6-E9FC-4A2C-B04D-C855DE21D08B}"/>
-                  </a:ext>
-                </a:extLst>
-              </p:cNvPr>
-              <p:cNvCxnSpPr/>
-              <p:nvPr/>
-            </p:nvCxnSpPr>
-            <p:spPr>
-              <a:xfrm flipH="1">
-                <a:off x="1720167" y="1861995"/>
-                <a:ext cx="999836" cy="1"/>
-              </a:xfrm>
-              <a:prstGeom prst="line">
-                <a:avLst/>
-              </a:prstGeom>
-            </p:spPr>
-            <p:style>
-              <a:lnRef idx="3">
-                <a:schemeClr val="dk1"/>
-              </a:lnRef>
-              <a:fillRef idx="0">
-                <a:schemeClr val="dk1"/>
-              </a:fillRef>
-              <a:effectRef idx="2">
-                <a:schemeClr val="dk1"/>
-              </a:effectRef>
-              <a:fontRef idx="minor">
-                <a:schemeClr val="tx1"/>
-              </a:fontRef>
-            </p:style>
-          </p:cxnSp>
-          <p:sp>
-            <p:nvSpPr>
-              <p:cNvPr id="62" name="文字方塊 61">
-                <a:extLst>
-                  <a:ext uri="{FF2B5EF4-FFF2-40B4-BE49-F238E27FC236}">
-                    <a16:creationId xmlns:a16="http://schemas.microsoft.com/office/drawing/2014/main" id="{7E945094-55F8-4F37-A070-DB53F4D0C3C2}"/>
-                  </a:ext>
-                </a:extLst>
-              </p:cNvPr>
-              <p:cNvSpPr txBox="1"/>
-              <p:nvPr/>
-            </p:nvSpPr>
-            <p:spPr>
-              <a:xfrm>
-                <a:off x="1658948" y="1626107"/>
-                <a:ext cx="500778" cy="276999"/>
-              </a:xfrm>
-              <a:prstGeom prst="rect">
-                <a:avLst/>
-              </a:prstGeom>
-              <a:noFill/>
-            </p:spPr>
-            <p:txBody>
-              <a:bodyPr wrap="none" rtlCol="0">
-                <a:spAutoFit/>
-              </a:bodyPr>
-              <a:lstStyle/>
-              <a:p>
-                <a:r>
-                  <a:rPr lang="en-US" altLang="zh-TW" sz="1200" dirty="0"/>
-                  <a:t>reset</a:t>
                 </a:r>
                 <a:endParaRPr lang="zh-TW" altLang="en-US" sz="1200" dirty="0"/>
               </a:p>
@@ -6508,8 +5856,8 @@
           </p:nvSpPr>
           <p:spPr>
             <a:xfrm>
-              <a:off x="3968676" y="1270631"/>
-              <a:ext cx="561244" cy="369332"/>
+              <a:off x="3924683" y="1279315"/>
+              <a:ext cx="642462" cy="369332"/>
             </a:xfrm>
             <a:prstGeom prst="rect">
               <a:avLst/>
@@ -6534,7 +5882,7 @@
             <a:p>
               <a:r>
                 <a:rPr lang="en-US" altLang="zh-TW" dirty="0"/>
-                <a:t>TOP</a:t>
+                <a:t>EV3a</a:t>
               </a:r>
               <a:endParaRPr lang="zh-TW" altLang="en-US" dirty="0"/>
             </a:p>
@@ -6663,7 +6011,7 @@
             <p:spPr>
               <a:xfrm>
                 <a:off x="1658948" y="1626107"/>
-                <a:ext cx="668132" cy="276999"/>
+                <a:ext cx="657534" cy="276999"/>
               </a:xfrm>
               <a:prstGeom prst="rect">
                 <a:avLst/>
@@ -6686,6 +6034,130 @@
           </p:sp>
         </p:grpSp>
       </p:grpSp>
+      <p:sp>
+        <p:nvSpPr>
+          <p:cNvPr id="68" name="箭號: 五邊形 67">
+            <a:extLst>
+              <a:ext uri="{FF2B5EF4-FFF2-40B4-BE49-F238E27FC236}">
+                <a16:creationId xmlns:a16="http://schemas.microsoft.com/office/drawing/2014/main" id="{B56A9004-3052-484B-9808-935197FE88D2}"/>
+              </a:ext>
+            </a:extLst>
+          </p:cNvPr>
+          <p:cNvSpPr/>
+          <p:nvPr/>
+        </p:nvSpPr>
+        <p:spPr>
+          <a:xfrm>
+            <a:off x="1382134" y="4688585"/>
+            <a:ext cx="406695" cy="260811"/>
+          </a:xfrm>
+          <a:prstGeom prst="homePlate">
+            <a:avLst/>
+          </a:prstGeom>
+          <a:solidFill>
+            <a:schemeClr val="accent3">
+              <a:lumMod val="40000"/>
+              <a:lumOff val="60000"/>
+            </a:schemeClr>
+          </a:solidFill>
+        </p:spPr>
+        <p:style>
+          <a:lnRef idx="2">
+            <a:schemeClr val="accent1">
+              <a:shade val="50000"/>
+            </a:schemeClr>
+          </a:lnRef>
+          <a:fillRef idx="1">
+            <a:schemeClr val="accent1"/>
+          </a:fillRef>
+          <a:effectRef idx="0">
+            <a:schemeClr val="accent1"/>
+          </a:effectRef>
+          <a:fontRef idx="minor">
+            <a:schemeClr val="lt1"/>
+          </a:fontRef>
+        </p:style>
+        <p:txBody>
+          <a:bodyPr rtlCol="0" anchor="ctr"/>
+          <a:lstStyle/>
+          <a:p>
+            <a:pPr algn="ctr"/>
+            <a:endParaRPr lang="zh-TW" altLang="en-US"/>
+          </a:p>
+        </p:txBody>
+      </p:sp>
+      <p:cxnSp>
+        <p:nvCxnSpPr>
+          <p:cNvPr id="78" name="直線接點 77">
+            <a:extLst>
+              <a:ext uri="{FF2B5EF4-FFF2-40B4-BE49-F238E27FC236}">
+                <a16:creationId xmlns:a16="http://schemas.microsoft.com/office/drawing/2014/main" id="{544551B5-1CBF-4B55-AD89-8A6347CA15D2}"/>
+              </a:ext>
+            </a:extLst>
+          </p:cNvPr>
+          <p:cNvCxnSpPr/>
+          <p:nvPr/>
+        </p:nvCxnSpPr>
+        <p:spPr>
+          <a:xfrm flipH="1">
+            <a:off x="1769472" y="4825212"/>
+            <a:ext cx="1048209" cy="1"/>
+          </a:xfrm>
+          <a:prstGeom prst="line">
+            <a:avLst/>
+          </a:prstGeom>
+        </p:spPr>
+        <p:style>
+          <a:lnRef idx="3">
+            <a:schemeClr val="dk1"/>
+          </a:lnRef>
+          <a:fillRef idx="0">
+            <a:schemeClr val="dk1"/>
+          </a:fillRef>
+          <a:effectRef idx="2">
+            <a:schemeClr val="dk1"/>
+          </a:effectRef>
+          <a:fontRef idx="minor">
+            <a:schemeClr val="tx1"/>
+          </a:fontRef>
+        </p:style>
+      </p:cxnSp>
+      <p:sp>
+        <p:nvSpPr>
+          <p:cNvPr id="79" name="文字方塊 78">
+            <a:extLst>
+              <a:ext uri="{FF2B5EF4-FFF2-40B4-BE49-F238E27FC236}">
+                <a16:creationId xmlns:a16="http://schemas.microsoft.com/office/drawing/2014/main" id="{7735C60F-1231-4942-93BF-2525836E88A8}"/>
+              </a:ext>
+            </a:extLst>
+          </p:cNvPr>
+          <p:cNvSpPr txBox="1"/>
+          <p:nvPr/>
+        </p:nvSpPr>
+        <p:spPr>
+          <a:xfrm>
+            <a:off x="1705291" y="4589324"/>
+            <a:ext cx="502510" cy="276999"/>
+          </a:xfrm>
+          <a:prstGeom prst="rect">
+            <a:avLst/>
+          </a:prstGeom>
+          <a:noFill/>
+        </p:spPr>
+        <p:txBody>
+          <a:bodyPr wrap="none" rtlCol="0">
+            <a:spAutoFit/>
+          </a:bodyPr>
+          <a:lstStyle/>
+          <a:p>
+            <a:r>
+              <a:rPr lang="en-US" altLang="zh-TW" sz="1200" dirty="0" err="1"/>
+              <a:t>rst_n</a:t>
+            </a:r>
+            <a:endParaRPr lang="zh-TW" altLang="en-US" sz="1200" dirty="0"/>
+          </a:p>
+        </p:txBody>
+      </p:sp>
     </p:spTree>
     <p:extLst>
       <p:ext uri="{BB962C8B-B14F-4D97-AF65-F5344CB8AC3E}">
@@ -6730,10 +6202,10 @@
         </p:nvGrpSpPr>
         <p:grpSpPr>
           <a:xfrm>
-            <a:off x="1357190" y="1115891"/>
-            <a:ext cx="5754075" cy="4776357"/>
-            <a:chOff x="1357190" y="1115891"/>
-            <a:chExt cx="5754075" cy="4776357"/>
+            <a:off x="1359172" y="1115891"/>
+            <a:ext cx="6076913" cy="4776357"/>
+            <a:chOff x="1359066" y="1115891"/>
+            <a:chExt cx="5752199" cy="4776357"/>
           </a:xfrm>
         </p:grpSpPr>
         <p:grpSp>
@@ -6859,7 +6331,7 @@
             <p:spPr>
               <a:xfrm>
                 <a:off x="6032565" y="2610333"/>
-                <a:ext cx="786754" cy="276999"/>
+                <a:ext cx="744714" cy="276999"/>
               </a:xfrm>
               <a:prstGeom prst="rect">
                 <a:avLst/>
@@ -6896,7 +6368,7 @@
           <p:spPr>
             <a:xfrm>
               <a:off x="4011092" y="1356036"/>
-              <a:ext cx="561244" cy="369332"/>
+              <a:ext cx="531254" cy="369332"/>
             </a:xfrm>
             <a:prstGeom prst="rect">
               <a:avLst/>
@@ -7050,7 +6522,7 @@
             <p:spPr>
               <a:xfrm>
                 <a:off x="6032565" y="2610333"/>
-                <a:ext cx="593432" cy="276999"/>
+                <a:ext cx="561722" cy="276999"/>
               </a:xfrm>
               <a:prstGeom prst="rect">
                 <a:avLst/>
@@ -7195,7 +6667,7 @@
             <p:spPr>
               <a:xfrm>
                 <a:off x="1658948" y="1626107"/>
-                <a:ext cx="916726" cy="276999"/>
+                <a:ext cx="867741" cy="276999"/>
               </a:xfrm>
               <a:prstGeom prst="rect">
                 <a:avLst/>
@@ -7232,9 +6704,9 @@
           <p:grpSpPr>
             <a:xfrm>
               <a:off x="1360079" y="2071988"/>
-              <a:ext cx="1480040" cy="360072"/>
+              <a:ext cx="1417426" cy="360072"/>
               <a:chOff x="1350704" y="1626107"/>
-              <a:chExt cx="1480040" cy="360072"/>
+              <a:chExt cx="1417426" cy="360072"/>
             </a:xfrm>
           </p:grpSpPr>
           <p:sp>
@@ -7340,7 +6812,7 @@
             <p:spPr>
               <a:xfrm>
                 <a:off x="1658948" y="1626107"/>
-                <a:ext cx="1171796" cy="276999"/>
+                <a:ext cx="1109182" cy="276999"/>
               </a:xfrm>
               <a:prstGeom prst="rect">
                 <a:avLst/>
@@ -7358,151 +6830,6 @@
                   <a:t>Interact_energy</a:t>
                 </a:r>
                 <a:endParaRPr lang="zh-TW" altLang="en-US" sz="1200" dirty="0"/>
-              </a:p>
-            </p:txBody>
-          </p:sp>
-        </p:grpSp>
-        <p:grpSp>
-          <p:nvGrpSpPr>
-            <p:cNvPr id="12" name="群組 11">
-              <a:extLst>
-                <a:ext uri="{FF2B5EF4-FFF2-40B4-BE49-F238E27FC236}">
-                  <a16:creationId xmlns:a16="http://schemas.microsoft.com/office/drawing/2014/main" id="{F962A833-8E36-4D18-A981-F6131B54B979}"/>
-                </a:ext>
-              </a:extLst>
-            </p:cNvPr>
-            <p:cNvGrpSpPr/>
-            <p:nvPr/>
-          </p:nvGrpSpPr>
-          <p:grpSpPr>
-            <a:xfrm>
-              <a:off x="1357190" y="2421602"/>
-              <a:ext cx="1369299" cy="360072"/>
-              <a:chOff x="1350704" y="1626107"/>
-              <a:chExt cx="1369299" cy="360072"/>
-            </a:xfrm>
-          </p:grpSpPr>
-          <p:sp>
-            <p:nvSpPr>
-              <p:cNvPr id="43" name="箭號: 五邊形 42">
-                <a:extLst>
-                  <a:ext uri="{FF2B5EF4-FFF2-40B4-BE49-F238E27FC236}">
-                    <a16:creationId xmlns:a16="http://schemas.microsoft.com/office/drawing/2014/main" id="{850BD63A-3F63-4EC3-B0F1-3CAF29E060AA}"/>
-                  </a:ext>
-                </a:extLst>
-              </p:cNvPr>
-              <p:cNvSpPr/>
-              <p:nvPr/>
-            </p:nvSpPr>
-            <p:spPr>
-              <a:xfrm>
-                <a:off x="1350704" y="1725368"/>
-                <a:ext cx="387927" cy="260811"/>
-              </a:xfrm>
-              <a:prstGeom prst="homePlate">
-                <a:avLst/>
-              </a:prstGeom>
-              <a:solidFill>
-                <a:schemeClr val="accent3">
-                  <a:lumMod val="40000"/>
-                  <a:lumOff val="60000"/>
-                </a:schemeClr>
-              </a:solidFill>
-            </p:spPr>
-            <p:style>
-              <a:lnRef idx="2">
-                <a:schemeClr val="accent1">
-                  <a:shade val="50000"/>
-                </a:schemeClr>
-              </a:lnRef>
-              <a:fillRef idx="1">
-                <a:schemeClr val="accent1"/>
-              </a:fillRef>
-              <a:effectRef idx="0">
-                <a:schemeClr val="accent1"/>
-              </a:effectRef>
-              <a:fontRef idx="minor">
-                <a:schemeClr val="lt1"/>
-              </a:fontRef>
-            </p:style>
-            <p:txBody>
-              <a:bodyPr rtlCol="0" anchor="ctr"/>
-              <a:lstStyle/>
-              <a:p>
-                <a:pPr algn="ctr"/>
-                <a:endParaRPr lang="zh-TW" altLang="en-US"/>
-              </a:p>
-            </p:txBody>
-          </p:sp>
-          <p:cxnSp>
-            <p:nvCxnSpPr>
-              <p:cNvPr id="44" name="直線接點 43">
-                <a:extLst>
-                  <a:ext uri="{FF2B5EF4-FFF2-40B4-BE49-F238E27FC236}">
-                    <a16:creationId xmlns:a16="http://schemas.microsoft.com/office/drawing/2014/main" id="{6F602E82-437A-4694-9AE3-95F6BD77AC43}"/>
-                  </a:ext>
-                </a:extLst>
-              </p:cNvPr>
-              <p:cNvCxnSpPr/>
-              <p:nvPr/>
-            </p:nvCxnSpPr>
-            <p:spPr>
-              <a:xfrm flipH="1">
-                <a:off x="1720167" y="1861995"/>
-                <a:ext cx="999836" cy="1"/>
-              </a:xfrm>
-              <a:prstGeom prst="line">
-                <a:avLst/>
-              </a:prstGeom>
-            </p:spPr>
-            <p:style>
-              <a:lnRef idx="3">
-                <a:schemeClr val="dk1"/>
-              </a:lnRef>
-              <a:fillRef idx="0">
-                <a:schemeClr val="dk1"/>
-              </a:fillRef>
-              <a:effectRef idx="2">
-                <a:schemeClr val="dk1"/>
-              </a:effectRef>
-              <a:fontRef idx="minor">
-                <a:schemeClr val="tx1"/>
-              </a:fontRef>
-            </p:style>
-          </p:cxnSp>
-          <p:sp>
-            <p:nvSpPr>
-              <p:cNvPr id="45" name="文字方塊 44">
-                <a:extLst>
-                  <a:ext uri="{FF2B5EF4-FFF2-40B4-BE49-F238E27FC236}">
-                    <a16:creationId xmlns:a16="http://schemas.microsoft.com/office/drawing/2014/main" id="{911FCEA7-44CB-4F06-82DD-EAB95FC20E74}"/>
-                  </a:ext>
-                </a:extLst>
-              </p:cNvPr>
-              <p:cNvSpPr txBox="1"/>
-              <p:nvPr/>
-            </p:nvSpPr>
-            <p:spPr>
-              <a:xfrm>
-                <a:off x="1658948" y="1626107"/>
-                <a:ext cx="993092" cy="276999"/>
-              </a:xfrm>
-              <a:prstGeom prst="rect">
-                <a:avLst/>
-              </a:prstGeom>
-              <a:noFill/>
-            </p:spPr>
-            <p:txBody>
-              <a:bodyPr wrap="none" rtlCol="0">
-                <a:spAutoFit/>
-              </a:bodyPr>
-              <a:lstStyle/>
-              <a:p>
-                <a:r>
-                  <a:rPr lang="en-US" altLang="zh-TW" sz="1200" dirty="0" err="1"/>
-                  <a:t>latticeLength</a:t>
-                </a:r>
-                <a:endParaRPr lang="en-US" altLang="zh-TW" sz="1200" dirty="0"/>
               </a:p>
             </p:txBody>
           </p:sp>
@@ -7630,7 +6957,7 @@
             <p:spPr>
               <a:xfrm>
                 <a:off x="1658948" y="1626107"/>
-                <a:ext cx="1035861" cy="276999"/>
+                <a:ext cx="980510" cy="276999"/>
               </a:xfrm>
               <a:prstGeom prst="rect">
                 <a:avLst/>
@@ -7775,7 +7102,7 @@
             <p:spPr>
               <a:xfrm>
                 <a:off x="1658948" y="1626107"/>
-                <a:ext cx="356188" cy="276999"/>
+                <a:ext cx="337155" cy="276999"/>
               </a:xfrm>
               <a:prstGeom prst="rect">
                 <a:avLst/>
@@ -7791,151 +7118,6 @@
                 <a:r>
                   <a:rPr lang="en-US" altLang="zh-TW" sz="1200" dirty="0" err="1"/>
                   <a:t>clk</a:t>
-                </a:r>
-                <a:endParaRPr lang="zh-TW" altLang="en-US" sz="1200" dirty="0"/>
-              </a:p>
-            </p:txBody>
-          </p:sp>
-        </p:grpSp>
-        <p:grpSp>
-          <p:nvGrpSpPr>
-            <p:cNvPr id="18" name="群組 17">
-              <a:extLst>
-                <a:ext uri="{FF2B5EF4-FFF2-40B4-BE49-F238E27FC236}">
-                  <a16:creationId xmlns:a16="http://schemas.microsoft.com/office/drawing/2014/main" id="{210139A5-B41A-4AF1-A411-8DBF7A8FD005}"/>
-                </a:ext>
-              </a:extLst>
-            </p:cNvPr>
-            <p:cNvGrpSpPr/>
-            <p:nvPr/>
-          </p:nvGrpSpPr>
-          <p:grpSpPr>
-            <a:xfrm>
-              <a:off x="1380983" y="4589324"/>
-              <a:ext cx="1369299" cy="360072"/>
-              <a:chOff x="1350704" y="1626107"/>
-              <a:chExt cx="1369299" cy="360072"/>
-            </a:xfrm>
-          </p:grpSpPr>
-          <p:sp>
-            <p:nvSpPr>
-              <p:cNvPr id="25" name="箭號: 五邊形 24">
-                <a:extLst>
-                  <a:ext uri="{FF2B5EF4-FFF2-40B4-BE49-F238E27FC236}">
-                    <a16:creationId xmlns:a16="http://schemas.microsoft.com/office/drawing/2014/main" id="{05CD1C74-3F1C-4527-95E9-A00CF25AB4E7}"/>
-                  </a:ext>
-                </a:extLst>
-              </p:cNvPr>
-              <p:cNvSpPr/>
-              <p:nvPr/>
-            </p:nvSpPr>
-            <p:spPr>
-              <a:xfrm>
-                <a:off x="1350704" y="1725368"/>
-                <a:ext cx="387927" cy="260811"/>
-              </a:xfrm>
-              <a:prstGeom prst="homePlate">
-                <a:avLst/>
-              </a:prstGeom>
-              <a:solidFill>
-                <a:schemeClr val="accent3">
-                  <a:lumMod val="40000"/>
-                  <a:lumOff val="60000"/>
-                </a:schemeClr>
-              </a:solidFill>
-            </p:spPr>
-            <p:style>
-              <a:lnRef idx="2">
-                <a:schemeClr val="accent1">
-                  <a:shade val="50000"/>
-                </a:schemeClr>
-              </a:lnRef>
-              <a:fillRef idx="1">
-                <a:schemeClr val="accent1"/>
-              </a:fillRef>
-              <a:effectRef idx="0">
-                <a:schemeClr val="accent1"/>
-              </a:effectRef>
-              <a:fontRef idx="minor">
-                <a:schemeClr val="lt1"/>
-              </a:fontRef>
-            </p:style>
-            <p:txBody>
-              <a:bodyPr rtlCol="0" anchor="ctr"/>
-              <a:lstStyle/>
-              <a:p>
-                <a:pPr algn="ctr"/>
-                <a:endParaRPr lang="zh-TW" altLang="en-US"/>
-              </a:p>
-            </p:txBody>
-          </p:sp>
-          <p:cxnSp>
-            <p:nvCxnSpPr>
-              <p:cNvPr id="26" name="直線接點 25">
-                <a:extLst>
-                  <a:ext uri="{FF2B5EF4-FFF2-40B4-BE49-F238E27FC236}">
-                    <a16:creationId xmlns:a16="http://schemas.microsoft.com/office/drawing/2014/main" id="{949638BD-D21D-48E1-9D7C-8FEFDA5900C4}"/>
-                  </a:ext>
-                </a:extLst>
-              </p:cNvPr>
-              <p:cNvCxnSpPr/>
-              <p:nvPr/>
-            </p:nvCxnSpPr>
-            <p:spPr>
-              <a:xfrm flipH="1">
-                <a:off x="1720167" y="1861995"/>
-                <a:ext cx="999836" cy="1"/>
-              </a:xfrm>
-              <a:prstGeom prst="line">
-                <a:avLst/>
-              </a:prstGeom>
-            </p:spPr>
-            <p:style>
-              <a:lnRef idx="3">
-                <a:schemeClr val="dk1"/>
-              </a:lnRef>
-              <a:fillRef idx="0">
-                <a:schemeClr val="dk1"/>
-              </a:fillRef>
-              <a:effectRef idx="2">
-                <a:schemeClr val="dk1"/>
-              </a:effectRef>
-              <a:fontRef idx="minor">
-                <a:schemeClr val="tx1"/>
-              </a:fontRef>
-            </p:style>
-          </p:cxnSp>
-          <p:sp>
-            <p:nvSpPr>
-              <p:cNvPr id="27" name="文字方塊 26">
-                <a:extLst>
-                  <a:ext uri="{FF2B5EF4-FFF2-40B4-BE49-F238E27FC236}">
-                    <a16:creationId xmlns:a16="http://schemas.microsoft.com/office/drawing/2014/main" id="{C028A215-5301-46CA-B986-7A06665E210E}"/>
-                  </a:ext>
-                </a:extLst>
-              </p:cNvPr>
-              <p:cNvSpPr txBox="1"/>
-              <p:nvPr/>
-            </p:nvSpPr>
-            <p:spPr>
-              <a:xfrm>
-                <a:off x="1658948" y="1626107"/>
-                <a:ext cx="500778" cy="276999"/>
-              </a:xfrm>
-              <a:prstGeom prst="rect">
-                <a:avLst/>
-              </a:prstGeom>
-              <a:noFill/>
-            </p:spPr>
-            <p:txBody>
-              <a:bodyPr wrap="none" rtlCol="0">
-                <a:spAutoFit/>
-              </a:bodyPr>
-              <a:lstStyle/>
-              <a:p>
-                <a:r>
-                  <a:rPr lang="en-US" altLang="zh-TW" sz="1200" dirty="0"/>
-                  <a:t>reset</a:t>
                 </a:r>
                 <a:endParaRPr lang="zh-TW" altLang="en-US" sz="1200" dirty="0"/>
               </a:p>
@@ -8013,7 +7195,7 @@
           <p:spPr>
             <a:xfrm>
               <a:off x="3603416" y="1270631"/>
-              <a:ext cx="1291764" cy="369332"/>
+              <a:ext cx="1222740" cy="369332"/>
             </a:xfrm>
             <a:prstGeom prst="rect">
               <a:avLst/>
@@ -8167,7 +7349,7 @@
             <p:spPr>
               <a:xfrm>
                 <a:off x="1658948" y="1626107"/>
-                <a:ext cx="668132" cy="276999"/>
+                <a:ext cx="635465" cy="276999"/>
               </a:xfrm>
               <a:prstGeom prst="rect">
                 <a:avLst/>
@@ -8251,13 +7433,15 @@
               </a:ext>
             </a:extLst>
           </p:cNvPr>
-          <p:cNvCxnSpPr/>
+          <p:cNvCxnSpPr>
+            <a:cxnSpLocks/>
+          </p:cNvCxnSpPr>
           <p:nvPr/>
         </p:nvCxnSpPr>
         <p:spPr>
           <a:xfrm flipH="1">
-            <a:off x="1741723" y="5518046"/>
-            <a:ext cx="999836" cy="1"/>
+            <a:off x="1741723" y="5518047"/>
+            <a:ext cx="1115959" cy="0"/>
           </a:xfrm>
           <a:prstGeom prst="line">
             <a:avLst/>
@@ -8578,6 +7762,130 @@
           </a:p>
         </p:txBody>
       </p:sp>
+      <p:sp>
+        <p:nvSpPr>
+          <p:cNvPr id="55" name="箭號: 五邊形 54">
+            <a:extLst>
+              <a:ext uri="{FF2B5EF4-FFF2-40B4-BE49-F238E27FC236}">
+                <a16:creationId xmlns:a16="http://schemas.microsoft.com/office/drawing/2014/main" id="{01F7A4A6-3993-4428-8D5B-05437EDF96DE}"/>
+              </a:ext>
+            </a:extLst>
+          </p:cNvPr>
+          <p:cNvSpPr/>
+          <p:nvPr/>
+        </p:nvSpPr>
+        <p:spPr>
+          <a:xfrm>
+            <a:off x="1382134" y="4688585"/>
+            <a:ext cx="406695" cy="260811"/>
+          </a:xfrm>
+          <a:prstGeom prst="homePlate">
+            <a:avLst/>
+          </a:prstGeom>
+          <a:solidFill>
+            <a:schemeClr val="accent3">
+              <a:lumMod val="40000"/>
+              <a:lumOff val="60000"/>
+            </a:schemeClr>
+          </a:solidFill>
+        </p:spPr>
+        <p:style>
+          <a:lnRef idx="2">
+            <a:schemeClr val="accent1">
+              <a:shade val="50000"/>
+            </a:schemeClr>
+          </a:lnRef>
+          <a:fillRef idx="1">
+            <a:schemeClr val="accent1"/>
+          </a:fillRef>
+          <a:effectRef idx="0">
+            <a:schemeClr val="accent1"/>
+          </a:effectRef>
+          <a:fontRef idx="minor">
+            <a:schemeClr val="lt1"/>
+          </a:fontRef>
+        </p:style>
+        <p:txBody>
+          <a:bodyPr rtlCol="0" anchor="ctr"/>
+          <a:lstStyle/>
+          <a:p>
+            <a:pPr algn="ctr"/>
+            <a:endParaRPr lang="zh-TW" altLang="en-US"/>
+          </a:p>
+        </p:txBody>
+      </p:sp>
+      <p:cxnSp>
+        <p:nvCxnSpPr>
+          <p:cNvPr id="56" name="直線接點 55">
+            <a:extLst>
+              <a:ext uri="{FF2B5EF4-FFF2-40B4-BE49-F238E27FC236}">
+                <a16:creationId xmlns:a16="http://schemas.microsoft.com/office/drawing/2014/main" id="{49A3D51A-F878-4354-8692-404E30728C95}"/>
+              </a:ext>
+            </a:extLst>
+          </p:cNvPr>
+          <p:cNvCxnSpPr/>
+          <p:nvPr/>
+        </p:nvCxnSpPr>
+        <p:spPr>
+          <a:xfrm flipH="1">
+            <a:off x="1769472" y="4825212"/>
+            <a:ext cx="1048209" cy="1"/>
+          </a:xfrm>
+          <a:prstGeom prst="line">
+            <a:avLst/>
+          </a:prstGeom>
+        </p:spPr>
+        <p:style>
+          <a:lnRef idx="3">
+            <a:schemeClr val="dk1"/>
+          </a:lnRef>
+          <a:fillRef idx="0">
+            <a:schemeClr val="dk1"/>
+          </a:fillRef>
+          <a:effectRef idx="2">
+            <a:schemeClr val="dk1"/>
+          </a:effectRef>
+          <a:fontRef idx="minor">
+            <a:schemeClr val="tx1"/>
+          </a:fontRef>
+        </p:style>
+      </p:cxnSp>
+      <p:sp>
+        <p:nvSpPr>
+          <p:cNvPr id="57" name="文字方塊 56">
+            <a:extLst>
+              <a:ext uri="{FF2B5EF4-FFF2-40B4-BE49-F238E27FC236}">
+                <a16:creationId xmlns:a16="http://schemas.microsoft.com/office/drawing/2014/main" id="{FDC72E70-82E0-4B48-B446-F93C42392C8B}"/>
+              </a:ext>
+            </a:extLst>
+          </p:cNvPr>
+          <p:cNvSpPr txBox="1"/>
+          <p:nvPr/>
+        </p:nvSpPr>
+        <p:spPr>
+          <a:xfrm>
+            <a:off x="1705291" y="4589324"/>
+            <a:ext cx="502510" cy="276999"/>
+          </a:xfrm>
+          <a:prstGeom prst="rect">
+            <a:avLst/>
+          </a:prstGeom>
+          <a:noFill/>
+        </p:spPr>
+        <p:txBody>
+          <a:bodyPr wrap="none" rtlCol="0">
+            <a:spAutoFit/>
+          </a:bodyPr>
+          <a:lstStyle/>
+          <a:p>
+            <a:r>
+              <a:rPr lang="en-US" altLang="zh-TW" sz="1200" dirty="0" err="1"/>
+              <a:t>rst_n</a:t>
+            </a:r>
+            <a:endParaRPr lang="zh-TW" altLang="en-US" sz="1200" dirty="0"/>
+          </a:p>
+        </p:txBody>
+      </p:sp>
     </p:spTree>
     <p:extLst>
       <p:ext uri="{BB962C8B-B14F-4D97-AF65-F5344CB8AC3E}">
@@ -8610,10 +7918,10 @@
       </p:grpSpPr>
       <p:grpSp>
         <p:nvGrpSpPr>
-          <p:cNvPr id="4" name="群組 3">
+          <p:cNvPr id="64" name="群組 63">
             <a:extLst>
               <a:ext uri="{FF2B5EF4-FFF2-40B4-BE49-F238E27FC236}">
-                <a16:creationId xmlns:a16="http://schemas.microsoft.com/office/drawing/2014/main" id="{0A5638F2-C899-4247-B0C0-04D68F83B55A}"/>
+                <a16:creationId xmlns:a16="http://schemas.microsoft.com/office/drawing/2014/main" id="{6C07EB4A-70A9-461B-806A-95B08F8DC8AE}"/>
               </a:ext>
             </a:extLst>
           </p:cNvPr>
@@ -8623,17 +7931,63 @@
         <p:grpSpPr>
           <a:xfrm>
             <a:off x="1357190" y="1115891"/>
-            <a:ext cx="5920814" cy="4776357"/>
+            <a:ext cx="6266967" cy="4776357"/>
             <a:chOff x="1357190" y="1115891"/>
-            <a:chExt cx="5920814" cy="4776357"/>
+            <a:chExt cx="5977755" cy="4776357"/>
           </a:xfrm>
         </p:grpSpPr>
+        <p:sp>
+          <p:nvSpPr>
+            <p:cNvPr id="67" name="文字方塊 66">
+              <a:extLst>
+                <a:ext uri="{FF2B5EF4-FFF2-40B4-BE49-F238E27FC236}">
+                  <a16:creationId xmlns:a16="http://schemas.microsoft.com/office/drawing/2014/main" id="{D8B5A0F1-950D-4A78-BE13-D63AC4279A14}"/>
+                </a:ext>
+              </a:extLst>
+            </p:cNvPr>
+            <p:cNvSpPr txBox="1"/>
+            <p:nvPr/>
+          </p:nvSpPr>
+          <p:spPr>
+            <a:xfrm>
+              <a:off x="4011092" y="1356036"/>
+              <a:ext cx="535343" cy="369332"/>
+            </a:xfrm>
+            <a:prstGeom prst="rect">
+              <a:avLst/>
+            </a:prstGeom>
+            <a:solidFill>
+              <a:schemeClr val="accent3">
+                <a:lumMod val="40000"/>
+                <a:lumOff val="60000"/>
+              </a:schemeClr>
+            </a:solidFill>
+            <a:ln>
+              <a:solidFill>
+                <a:schemeClr val="tx1"/>
+              </a:solidFill>
+            </a:ln>
+          </p:spPr>
+          <p:txBody>
+            <a:bodyPr wrap="none" rtlCol="0">
+              <a:spAutoFit/>
+            </a:bodyPr>
+            <a:lstStyle/>
+            <a:p>
+              <a:r>
+                <a:rPr lang="en-US" altLang="zh-TW" dirty="0"/>
+                <a:t>TOP</a:t>
+              </a:r>
+              <a:endParaRPr lang="zh-TW" altLang="en-US" dirty="0"/>
+            </a:p>
+          </p:txBody>
+        </p:sp>
         <p:grpSp>
           <p:nvGrpSpPr>
-            <p:cNvPr id="5" name="群組 4">
+            <p:cNvPr id="68" name="群組 67">
               <a:extLst>
                 <a:ext uri="{FF2B5EF4-FFF2-40B4-BE49-F238E27FC236}">
-                  <a16:creationId xmlns:a16="http://schemas.microsoft.com/office/drawing/2014/main" id="{DE162E8A-AC86-4747-82AC-1BAA8DFE3E8F}"/>
+                  <a16:creationId xmlns:a16="http://schemas.microsoft.com/office/drawing/2014/main" id="{8676620A-D49E-42E6-B774-E28D99EBEB73}"/>
                 </a:ext>
               </a:extLst>
             </p:cNvPr>
@@ -8642,18 +7996,163 @@
           </p:nvGrpSpPr>
           <p:grpSpPr>
             <a:xfrm>
-              <a:off x="5741966" y="4195428"/>
-              <a:ext cx="1369299" cy="399311"/>
-              <a:chOff x="5741966" y="2610333"/>
-              <a:chExt cx="1369299" cy="399311"/>
+              <a:off x="1357190" y="1356036"/>
+              <a:ext cx="1369299" cy="360072"/>
+              <a:chOff x="1350704" y="1626107"/>
+              <a:chExt cx="1369299" cy="360072"/>
             </a:xfrm>
           </p:grpSpPr>
           <p:sp>
             <p:nvSpPr>
-              <p:cNvPr id="61" name="箭號: 五邊形 60">
+              <p:cNvPr id="115" name="箭號: 五邊形 114">
                 <a:extLst>
                   <a:ext uri="{FF2B5EF4-FFF2-40B4-BE49-F238E27FC236}">
-                    <a16:creationId xmlns:a16="http://schemas.microsoft.com/office/drawing/2014/main" id="{FB57D10F-26B0-4622-A990-9005564010DC}"/>
+                    <a16:creationId xmlns:a16="http://schemas.microsoft.com/office/drawing/2014/main" id="{208E15A0-AF38-4786-BBE5-41362C219D79}"/>
+                  </a:ext>
+                </a:extLst>
+              </p:cNvPr>
+              <p:cNvSpPr/>
+              <p:nvPr/>
+            </p:nvSpPr>
+            <p:spPr>
+              <a:xfrm>
+                <a:off x="1350704" y="1725368"/>
+                <a:ext cx="387927" cy="260811"/>
+              </a:xfrm>
+              <a:prstGeom prst="homePlate">
+                <a:avLst/>
+              </a:prstGeom>
+              <a:solidFill>
+                <a:schemeClr val="accent3">
+                  <a:lumMod val="40000"/>
+                  <a:lumOff val="60000"/>
+                </a:schemeClr>
+              </a:solidFill>
+            </p:spPr>
+            <p:style>
+              <a:lnRef idx="2">
+                <a:schemeClr val="accent1">
+                  <a:shade val="50000"/>
+                </a:schemeClr>
+              </a:lnRef>
+              <a:fillRef idx="1">
+                <a:schemeClr val="accent1"/>
+              </a:fillRef>
+              <a:effectRef idx="0">
+                <a:schemeClr val="accent1"/>
+              </a:effectRef>
+              <a:fontRef idx="minor">
+                <a:schemeClr val="lt1"/>
+              </a:fontRef>
+            </p:style>
+            <p:txBody>
+              <a:bodyPr rtlCol="0" anchor="ctr"/>
+              <a:lstStyle/>
+              <a:p>
+                <a:pPr algn="ctr"/>
+                <a:endParaRPr lang="zh-TW" altLang="en-US"/>
+              </a:p>
+            </p:txBody>
+          </p:sp>
+          <p:cxnSp>
+            <p:nvCxnSpPr>
+              <p:cNvPr id="116" name="直線接點 115">
+                <a:extLst>
+                  <a:ext uri="{FF2B5EF4-FFF2-40B4-BE49-F238E27FC236}">
+                    <a16:creationId xmlns:a16="http://schemas.microsoft.com/office/drawing/2014/main" id="{A3F6DFEF-A8E3-43D6-9027-852B0EBAE4D2}"/>
+                  </a:ext>
+                </a:extLst>
+              </p:cNvPr>
+              <p:cNvCxnSpPr/>
+              <p:nvPr/>
+            </p:nvCxnSpPr>
+            <p:spPr>
+              <a:xfrm flipH="1">
+                <a:off x="1720167" y="1861995"/>
+                <a:ext cx="999836" cy="1"/>
+              </a:xfrm>
+              <a:prstGeom prst="line">
+                <a:avLst/>
+              </a:prstGeom>
+            </p:spPr>
+            <p:style>
+              <a:lnRef idx="3">
+                <a:schemeClr val="dk1"/>
+              </a:lnRef>
+              <a:fillRef idx="0">
+                <a:schemeClr val="dk1"/>
+              </a:fillRef>
+              <a:effectRef idx="2">
+                <a:schemeClr val="dk1"/>
+              </a:effectRef>
+              <a:fontRef idx="minor">
+                <a:schemeClr val="tx1"/>
+              </a:fontRef>
+            </p:style>
+          </p:cxnSp>
+          <p:sp>
+            <p:nvSpPr>
+              <p:cNvPr id="117" name="文字方塊 116">
+                <a:extLst>
+                  <a:ext uri="{FF2B5EF4-FFF2-40B4-BE49-F238E27FC236}">
+                    <a16:creationId xmlns:a16="http://schemas.microsoft.com/office/drawing/2014/main" id="{DEAB0BC9-F832-4441-B331-E099FB859634}"/>
+                  </a:ext>
+                </a:extLst>
+              </p:cNvPr>
+              <p:cNvSpPr txBox="1"/>
+              <p:nvPr/>
+            </p:nvSpPr>
+            <p:spPr>
+              <a:xfrm>
+                <a:off x="1658948" y="1626107"/>
+                <a:ext cx="640356" cy="276999"/>
+              </a:xfrm>
+              <a:prstGeom prst="rect">
+                <a:avLst/>
+              </a:prstGeom>
+              <a:noFill/>
+            </p:spPr>
+            <p:txBody>
+              <a:bodyPr wrap="none" rtlCol="0">
+                <a:spAutoFit/>
+              </a:bodyPr>
+              <a:lstStyle/>
+              <a:p>
+                <a:r>
+                  <a:rPr lang="en-US" altLang="zh-TW" sz="1200" dirty="0" err="1"/>
+                  <a:t>In_valid</a:t>
+                </a:r>
+                <a:endParaRPr lang="zh-TW" altLang="en-US" sz="1200" dirty="0"/>
+              </a:p>
+            </p:txBody>
+          </p:sp>
+        </p:grpSp>
+        <p:grpSp>
+          <p:nvGrpSpPr>
+            <p:cNvPr id="69" name="群組 68">
+              <a:extLst>
+                <a:ext uri="{FF2B5EF4-FFF2-40B4-BE49-F238E27FC236}">
+                  <a16:creationId xmlns:a16="http://schemas.microsoft.com/office/drawing/2014/main" id="{6A1DF59C-97E8-4724-A600-CA76BD0DC0A9}"/>
+                </a:ext>
+              </a:extLst>
+            </p:cNvPr>
+            <p:cNvGrpSpPr/>
+            <p:nvPr/>
+          </p:nvGrpSpPr>
+          <p:grpSpPr>
+            <a:xfrm>
+              <a:off x="5716722" y="1933526"/>
+              <a:ext cx="1618223" cy="399311"/>
+              <a:chOff x="5741966" y="2610333"/>
+              <a:chExt cx="1618223" cy="399311"/>
+            </a:xfrm>
+          </p:grpSpPr>
+          <p:sp>
+            <p:nvSpPr>
+              <p:cNvPr id="112" name="箭號: 五邊形 111">
+                <a:extLst>
+                  <a:ext uri="{FF2B5EF4-FFF2-40B4-BE49-F238E27FC236}">
+                    <a16:creationId xmlns:a16="http://schemas.microsoft.com/office/drawing/2014/main" id="{558521B8-CD0B-424B-8886-3892EF8E1000}"/>
                   </a:ext>
                 </a:extLst>
               </p:cNvPr>
@@ -8702,10 +8201,10 @@
           </p:sp>
           <p:cxnSp>
             <p:nvCxnSpPr>
-              <p:cNvPr id="62" name="直線接點 61">
+              <p:cNvPr id="113" name="直線接點 112">
                 <a:extLst>
                   <a:ext uri="{FF2B5EF4-FFF2-40B4-BE49-F238E27FC236}">
-                    <a16:creationId xmlns:a16="http://schemas.microsoft.com/office/drawing/2014/main" id="{2B34A371-1763-4F47-AD93-94622317D9CA}"/>
+                    <a16:creationId xmlns:a16="http://schemas.microsoft.com/office/drawing/2014/main" id="{94E4BF5E-C1C0-497B-842A-2CD5A55B0C6F}"/>
                   </a:ext>
                 </a:extLst>
               </p:cNvPr>
@@ -8738,10 +8237,10 @@
           </p:cxnSp>
           <p:sp>
             <p:nvSpPr>
-              <p:cNvPr id="63" name="文字方塊 62">
+              <p:cNvPr id="114" name="文字方塊 113">
                 <a:extLst>
                   <a:ext uri="{FF2B5EF4-FFF2-40B4-BE49-F238E27FC236}">
-                    <a16:creationId xmlns:a16="http://schemas.microsoft.com/office/drawing/2014/main" id="{77AD5225-EF40-4D5E-82A2-08204B83B681}"/>
+                    <a16:creationId xmlns:a16="http://schemas.microsoft.com/office/drawing/2014/main" id="{28AD3F53-2BC8-4F2B-BFF3-8A8C594FB10E}"/>
                   </a:ext>
                 </a:extLst>
               </p:cNvPr>
@@ -8751,7 +8250,7 @@
             <p:spPr>
               <a:xfrm>
                 <a:off x="6032565" y="2610333"/>
-                <a:ext cx="786754" cy="276999"/>
+                <a:ext cx="1327624" cy="276999"/>
               </a:xfrm>
               <a:prstGeom prst="rect">
                 <a:avLst/>
@@ -8765,8 +8264,8 @@
               <a:lstStyle/>
               <a:p>
                 <a:r>
-                  <a:rPr lang="en-US" altLang="zh-TW" sz="1200" dirty="0" err="1"/>
-                  <a:t>Out_valid</a:t>
+                  <a:rPr lang="en-US" altLang="zh-TW" sz="1200" dirty="0"/>
+                  <a:t>Random_num_ff_0</a:t>
                 </a:r>
                 <a:endParaRPr lang="zh-TW" altLang="en-US" sz="1200" dirty="0"/>
               </a:p>
@@ -8775,10 +8274,10 @@
         </p:grpSp>
         <p:grpSp>
           <p:nvGrpSpPr>
-            <p:cNvPr id="6" name="群組 5">
+            <p:cNvPr id="70" name="群組 69">
               <a:extLst>
                 <a:ext uri="{FF2B5EF4-FFF2-40B4-BE49-F238E27FC236}">
-                  <a16:creationId xmlns:a16="http://schemas.microsoft.com/office/drawing/2014/main" id="{FE4C7E80-6E2E-4F63-9349-8EAC7F1810B0}"/>
+                  <a16:creationId xmlns:a16="http://schemas.microsoft.com/office/drawing/2014/main" id="{727386A3-B062-4833-8CCE-20802C9EF323}"/>
                 </a:ext>
               </a:extLst>
             </p:cNvPr>
@@ -8787,209 +8286,18 @@
           </p:nvGrpSpPr>
           <p:grpSpPr>
             <a:xfrm>
-              <a:off x="5749502" y="2622535"/>
-              <a:ext cx="1528502" cy="399311"/>
-              <a:chOff x="5741966" y="2270306"/>
-              <a:chExt cx="1528502" cy="399311"/>
+              <a:off x="1359066" y="1725368"/>
+              <a:ext cx="1369299" cy="360072"/>
+              <a:chOff x="1350704" y="1626107"/>
+              <a:chExt cx="1369299" cy="360072"/>
             </a:xfrm>
           </p:grpSpPr>
           <p:sp>
             <p:nvSpPr>
-              <p:cNvPr id="58" name="箭號: 五邊形 57">
+              <p:cNvPr id="109" name="箭號: 五邊形 108">
                 <a:extLst>
                   <a:ext uri="{FF2B5EF4-FFF2-40B4-BE49-F238E27FC236}">
-                    <a16:creationId xmlns:a16="http://schemas.microsoft.com/office/drawing/2014/main" id="{28E0FB02-C3C9-4E4B-8196-0C36690F8E94}"/>
-                  </a:ext>
-                </a:extLst>
-              </p:cNvPr>
-              <p:cNvSpPr/>
-              <p:nvPr/>
-            </p:nvSpPr>
-            <p:spPr>
-              <a:xfrm>
-                <a:off x="5741966" y="2408806"/>
-                <a:ext cx="387927" cy="260811"/>
-              </a:xfrm>
-              <a:prstGeom prst="homePlate">
-                <a:avLst/>
-              </a:prstGeom>
-              <a:solidFill>
-                <a:schemeClr val="accent3">
-                  <a:lumMod val="40000"/>
-                  <a:lumOff val="60000"/>
-                </a:schemeClr>
-              </a:solidFill>
-            </p:spPr>
-            <p:style>
-              <a:lnRef idx="2">
-                <a:schemeClr val="accent1">
-                  <a:shade val="50000"/>
-                </a:schemeClr>
-              </a:lnRef>
-              <a:fillRef idx="1">
-                <a:schemeClr val="accent1"/>
-              </a:fillRef>
-              <a:effectRef idx="0">
-                <a:schemeClr val="accent1"/>
-              </a:effectRef>
-              <a:fontRef idx="minor">
-                <a:schemeClr val="lt1"/>
-              </a:fontRef>
-            </p:style>
-            <p:txBody>
-              <a:bodyPr rtlCol="0" anchor="ctr"/>
-              <a:lstStyle/>
-              <a:p>
-                <a:pPr algn="ctr"/>
-                <a:endParaRPr lang="zh-TW" altLang="en-US"/>
-              </a:p>
-            </p:txBody>
-          </p:sp>
-          <p:cxnSp>
-            <p:nvCxnSpPr>
-              <p:cNvPr id="59" name="直線接點 58">
-                <a:extLst>
-                  <a:ext uri="{FF2B5EF4-FFF2-40B4-BE49-F238E27FC236}">
-                    <a16:creationId xmlns:a16="http://schemas.microsoft.com/office/drawing/2014/main" id="{FD2BC391-D379-4EC7-97CB-09319AC40E98}"/>
-                  </a:ext>
-                </a:extLst>
-              </p:cNvPr>
-              <p:cNvCxnSpPr/>
-              <p:nvPr/>
-            </p:nvCxnSpPr>
-            <p:spPr>
-              <a:xfrm flipH="1">
-                <a:off x="6111429" y="2545433"/>
-                <a:ext cx="999836" cy="1"/>
-              </a:xfrm>
-              <a:prstGeom prst="line">
-                <a:avLst/>
-              </a:prstGeom>
-            </p:spPr>
-            <p:style>
-              <a:lnRef idx="3">
-                <a:schemeClr val="dk1"/>
-              </a:lnRef>
-              <a:fillRef idx="0">
-                <a:schemeClr val="dk1"/>
-              </a:fillRef>
-              <a:effectRef idx="2">
-                <a:schemeClr val="dk1"/>
-              </a:effectRef>
-              <a:fontRef idx="minor">
-                <a:schemeClr val="tx1"/>
-              </a:fontRef>
-            </p:style>
-          </p:cxnSp>
-          <p:sp>
-            <p:nvSpPr>
-              <p:cNvPr id="60" name="文字方塊 59">
-                <a:extLst>
-                  <a:ext uri="{FF2B5EF4-FFF2-40B4-BE49-F238E27FC236}">
-                    <a16:creationId xmlns:a16="http://schemas.microsoft.com/office/drawing/2014/main" id="{D62C4B67-6A1B-412D-A96A-778843A41033}"/>
-                  </a:ext>
-                </a:extLst>
-              </p:cNvPr>
-              <p:cNvSpPr txBox="1"/>
-              <p:nvPr/>
-            </p:nvSpPr>
-            <p:spPr>
-              <a:xfrm>
-                <a:off x="6032565" y="2270306"/>
-                <a:ext cx="1237903" cy="276999"/>
-              </a:xfrm>
-              <a:prstGeom prst="rect">
-                <a:avLst/>
-              </a:prstGeom>
-              <a:noFill/>
-            </p:spPr>
-            <p:txBody>
-              <a:bodyPr wrap="none" rtlCol="0">
-                <a:spAutoFit/>
-              </a:bodyPr>
-              <a:lstStyle/>
-              <a:p>
-                <a:r>
-                  <a:rPr lang="en-US" altLang="zh-TW" sz="1200" dirty="0" err="1"/>
-                  <a:t>Ind_mutate_rate</a:t>
-                </a:r>
-                <a:endParaRPr lang="zh-TW" altLang="en-US" sz="1200" dirty="0"/>
-              </a:p>
-            </p:txBody>
-          </p:sp>
-        </p:grpSp>
-        <p:sp>
-          <p:nvSpPr>
-            <p:cNvPr id="7" name="文字方塊 6">
-              <a:extLst>
-                <a:ext uri="{FF2B5EF4-FFF2-40B4-BE49-F238E27FC236}">
-                  <a16:creationId xmlns:a16="http://schemas.microsoft.com/office/drawing/2014/main" id="{0944D9A1-428C-402C-995A-E68A449E75BF}"/>
-                </a:ext>
-              </a:extLst>
-            </p:cNvPr>
-            <p:cNvSpPr txBox="1"/>
-            <p:nvPr/>
-          </p:nvSpPr>
-          <p:spPr>
-            <a:xfrm>
-              <a:off x="4011092" y="1356036"/>
-              <a:ext cx="561244" cy="369332"/>
-            </a:xfrm>
-            <a:prstGeom prst="rect">
-              <a:avLst/>
-            </a:prstGeom>
-            <a:solidFill>
-              <a:schemeClr val="accent3">
-                <a:lumMod val="40000"/>
-                <a:lumOff val="60000"/>
-              </a:schemeClr>
-            </a:solidFill>
-            <a:ln>
-              <a:solidFill>
-                <a:schemeClr val="tx1"/>
-              </a:solidFill>
-            </a:ln>
-          </p:spPr>
-          <p:txBody>
-            <a:bodyPr wrap="none" rtlCol="0">
-              <a:spAutoFit/>
-            </a:bodyPr>
-            <a:lstStyle/>
-            <a:p>
-              <a:r>
-                <a:rPr lang="en-US" altLang="zh-TW" dirty="0"/>
-                <a:t>TOP</a:t>
-              </a:r>
-              <a:endParaRPr lang="zh-TW" altLang="en-US" dirty="0"/>
-            </a:p>
-          </p:txBody>
-        </p:sp>
-        <p:grpSp>
-          <p:nvGrpSpPr>
-            <p:cNvPr id="8" name="群組 7">
-              <a:extLst>
-                <a:ext uri="{FF2B5EF4-FFF2-40B4-BE49-F238E27FC236}">
-                  <a16:creationId xmlns:a16="http://schemas.microsoft.com/office/drawing/2014/main" id="{E73E8209-C61A-4957-B7D5-39C1BF56844B}"/>
-                </a:ext>
-              </a:extLst>
-            </p:cNvPr>
-            <p:cNvGrpSpPr/>
-            <p:nvPr/>
-          </p:nvGrpSpPr>
-          <p:grpSpPr>
-            <a:xfrm>
-              <a:off x="1357190" y="1356036"/>
-              <a:ext cx="1609178" cy="360072"/>
-              <a:chOff x="1350704" y="1626107"/>
-              <a:chExt cx="1609178" cy="360072"/>
-            </a:xfrm>
-          </p:grpSpPr>
-          <p:sp>
-            <p:nvSpPr>
-              <p:cNvPr id="55" name="箭號: 五邊形 54">
-                <a:extLst>
-                  <a:ext uri="{FF2B5EF4-FFF2-40B4-BE49-F238E27FC236}">
-                    <a16:creationId xmlns:a16="http://schemas.microsoft.com/office/drawing/2014/main" id="{C347DB12-5F48-45AA-8DC7-BD0AE83BA9A4}"/>
+                    <a16:creationId xmlns:a16="http://schemas.microsoft.com/office/drawing/2014/main" id="{B6EB69B1-8598-4637-BF99-C51DC714C90D}"/>
                   </a:ext>
                 </a:extLst>
               </p:cNvPr>
@@ -9032,16 +8340,16 @@
               <a:lstStyle/>
               <a:p>
                 <a:pPr algn="ctr"/>
-                <a:endParaRPr lang="zh-TW" altLang="en-US"/>
+                <a:endParaRPr lang="zh-TW" altLang="en-US" dirty="0"/>
               </a:p>
             </p:txBody>
           </p:sp>
           <p:cxnSp>
             <p:nvCxnSpPr>
-              <p:cNvPr id="56" name="直線接點 55">
+              <p:cNvPr id="110" name="直線接點 109">
                 <a:extLst>
                   <a:ext uri="{FF2B5EF4-FFF2-40B4-BE49-F238E27FC236}">
-                    <a16:creationId xmlns:a16="http://schemas.microsoft.com/office/drawing/2014/main" id="{D8781D38-0E61-4431-824F-9FC21A932854}"/>
+                    <a16:creationId xmlns:a16="http://schemas.microsoft.com/office/drawing/2014/main" id="{D4FD1CD5-628D-4004-BF53-134C6A4CD663}"/>
                   </a:ext>
                 </a:extLst>
               </p:cNvPr>
@@ -9074,10 +8382,10 @@
           </p:cxnSp>
           <p:sp>
             <p:nvSpPr>
-              <p:cNvPr id="57" name="文字方塊 56">
+              <p:cNvPr id="111" name="文字方塊 110">
                 <a:extLst>
                   <a:ext uri="{FF2B5EF4-FFF2-40B4-BE49-F238E27FC236}">
-                    <a16:creationId xmlns:a16="http://schemas.microsoft.com/office/drawing/2014/main" id="{6AFD2CF4-3986-42A8-9646-603F926F84CC}"/>
+                    <a16:creationId xmlns:a16="http://schemas.microsoft.com/office/drawing/2014/main" id="{D82A8D86-A7D9-4527-84DF-710CD61C9CA9}"/>
                   </a:ext>
                 </a:extLst>
               </p:cNvPr>
@@ -9087,7 +8395,7 @@
             <p:spPr>
               <a:xfrm>
                 <a:off x="1658948" y="1626107"/>
-                <a:ext cx="1300934" cy="276999"/>
+                <a:ext cx="1029341" cy="276999"/>
               </a:xfrm>
               <a:prstGeom prst="rect">
                 <a:avLst/>
@@ -9101,748 +8409,28 @@
               <a:lstStyle/>
               <a:p>
                 <a:r>
-                  <a:rPr lang="en-US" altLang="zh-TW" sz="1200" dirty="0" err="1"/>
-                  <a:t>Num_generations</a:t>
+                  <a:rPr lang="en-US" altLang="zh-TW" sz="1200" dirty="0" err="1">
+                    <a:solidFill>
+                      <a:srgbClr val="FF0000"/>
+                    </a:solidFill>
+                  </a:rPr>
+                  <a:t>Random_seed</a:t>
                 </a:r>
-                <a:endParaRPr lang="zh-TW" altLang="en-US" sz="1200" dirty="0"/>
-              </a:p>
-            </p:txBody>
-          </p:sp>
-        </p:grpSp>
-        <p:grpSp>
-          <p:nvGrpSpPr>
-            <p:cNvPr id="9" name="群組 8">
-              <a:extLst>
-                <a:ext uri="{FF2B5EF4-FFF2-40B4-BE49-F238E27FC236}">
-                  <a16:creationId xmlns:a16="http://schemas.microsoft.com/office/drawing/2014/main" id="{145C3D89-9413-48D0-BAEF-A5C499A2FA32}"/>
-                </a:ext>
-              </a:extLst>
-            </p:cNvPr>
-            <p:cNvGrpSpPr/>
-            <p:nvPr/>
-          </p:nvGrpSpPr>
-          <p:grpSpPr>
-            <a:xfrm>
-              <a:off x="5716722" y="1933526"/>
-              <a:ext cx="1369299" cy="399311"/>
-              <a:chOff x="5741966" y="2610333"/>
-              <a:chExt cx="1369299" cy="399311"/>
-            </a:xfrm>
-          </p:grpSpPr>
-          <p:sp>
-            <p:nvSpPr>
-              <p:cNvPr id="52" name="箭號: 五邊形 51">
-                <a:extLst>
-                  <a:ext uri="{FF2B5EF4-FFF2-40B4-BE49-F238E27FC236}">
-                    <a16:creationId xmlns:a16="http://schemas.microsoft.com/office/drawing/2014/main" id="{CCFBA2ED-615B-4327-937C-C58563BE5388}"/>
-                  </a:ext>
-                </a:extLst>
-              </p:cNvPr>
-              <p:cNvSpPr/>
-              <p:nvPr/>
-            </p:nvSpPr>
-            <p:spPr>
-              <a:xfrm>
-                <a:off x="5741966" y="2748833"/>
-                <a:ext cx="387927" cy="260811"/>
-              </a:xfrm>
-              <a:prstGeom prst="homePlate">
-                <a:avLst/>
-              </a:prstGeom>
-              <a:solidFill>
-                <a:schemeClr val="accent3">
-                  <a:lumMod val="40000"/>
-                  <a:lumOff val="60000"/>
-                </a:schemeClr>
-              </a:solidFill>
-            </p:spPr>
-            <p:style>
-              <a:lnRef idx="2">
-                <a:schemeClr val="accent1">
-                  <a:shade val="50000"/>
-                </a:schemeClr>
-              </a:lnRef>
-              <a:fillRef idx="1">
-                <a:schemeClr val="accent1"/>
-              </a:fillRef>
-              <a:effectRef idx="0">
-                <a:schemeClr val="accent1"/>
-              </a:effectRef>
-              <a:fontRef idx="minor">
-                <a:schemeClr val="lt1"/>
-              </a:fontRef>
-            </p:style>
-            <p:txBody>
-              <a:bodyPr rtlCol="0" anchor="ctr"/>
-              <a:lstStyle/>
-              <a:p>
-                <a:pPr algn="ctr"/>
-                <a:endParaRPr lang="zh-TW" altLang="en-US"/>
-              </a:p>
-            </p:txBody>
-          </p:sp>
-          <p:cxnSp>
-            <p:nvCxnSpPr>
-              <p:cNvPr id="53" name="直線接點 52">
-                <a:extLst>
-                  <a:ext uri="{FF2B5EF4-FFF2-40B4-BE49-F238E27FC236}">
-                    <a16:creationId xmlns:a16="http://schemas.microsoft.com/office/drawing/2014/main" id="{82821664-8E64-4462-A19E-4075B3361DCB}"/>
-                  </a:ext>
-                </a:extLst>
-              </p:cNvPr>
-              <p:cNvCxnSpPr/>
-              <p:nvPr/>
-            </p:nvCxnSpPr>
-            <p:spPr>
-              <a:xfrm flipH="1">
-                <a:off x="6111429" y="2885460"/>
-                <a:ext cx="999836" cy="1"/>
-              </a:xfrm>
-              <a:prstGeom prst="line">
-                <a:avLst/>
-              </a:prstGeom>
-            </p:spPr>
-            <p:style>
-              <a:lnRef idx="3">
-                <a:schemeClr val="dk1"/>
-              </a:lnRef>
-              <a:fillRef idx="0">
-                <a:schemeClr val="dk1"/>
-              </a:fillRef>
-              <a:effectRef idx="2">
-                <a:schemeClr val="dk1"/>
-              </a:effectRef>
-              <a:fontRef idx="minor">
-                <a:schemeClr val="tx1"/>
-              </a:fontRef>
-            </p:style>
-          </p:cxnSp>
-          <p:sp>
-            <p:nvSpPr>
-              <p:cNvPr id="54" name="文字方塊 53">
-                <a:extLst>
-                  <a:ext uri="{FF2B5EF4-FFF2-40B4-BE49-F238E27FC236}">
-                    <a16:creationId xmlns:a16="http://schemas.microsoft.com/office/drawing/2014/main" id="{3A94D155-C04D-4CE7-ADF3-3C65461E8FB9}"/>
-                  </a:ext>
-                </a:extLst>
-              </p:cNvPr>
-              <p:cNvSpPr txBox="1"/>
-              <p:nvPr/>
-            </p:nvSpPr>
-            <p:spPr>
-              <a:xfrm>
-                <a:off x="6032565" y="2610333"/>
-                <a:ext cx="767903" cy="276999"/>
-              </a:xfrm>
-              <a:prstGeom prst="rect">
-                <a:avLst/>
-              </a:prstGeom>
-              <a:noFill/>
-            </p:spPr>
-            <p:txBody>
-              <a:bodyPr wrap="none" rtlCol="0">
-                <a:spAutoFit/>
-              </a:bodyPr>
-              <a:lstStyle/>
-              <a:p>
-                <a:r>
-                  <a:rPr lang="en-US" altLang="zh-TW" sz="1200" dirty="0" err="1"/>
-                  <a:t>Ind_state</a:t>
-                </a:r>
-                <a:endParaRPr lang="zh-TW" altLang="en-US" sz="1200" dirty="0"/>
-              </a:p>
-            </p:txBody>
-          </p:sp>
-        </p:grpSp>
-        <p:grpSp>
-          <p:nvGrpSpPr>
-            <p:cNvPr id="12" name="群組 11">
-              <a:extLst>
-                <a:ext uri="{FF2B5EF4-FFF2-40B4-BE49-F238E27FC236}">
-                  <a16:creationId xmlns:a16="http://schemas.microsoft.com/office/drawing/2014/main" id="{97F28740-1577-4F52-B417-3C2D2735D6A1}"/>
-                </a:ext>
-              </a:extLst>
-            </p:cNvPr>
-            <p:cNvGrpSpPr/>
-            <p:nvPr/>
-          </p:nvGrpSpPr>
-          <p:grpSpPr>
-            <a:xfrm>
-              <a:off x="1357190" y="2421602"/>
-              <a:ext cx="1369299" cy="461665"/>
-              <a:chOff x="1350704" y="1626107"/>
-              <a:chExt cx="1369299" cy="461665"/>
-            </a:xfrm>
-          </p:grpSpPr>
-          <p:sp>
-            <p:nvSpPr>
-              <p:cNvPr id="43" name="箭號: 五邊形 42">
-                <a:extLst>
-                  <a:ext uri="{FF2B5EF4-FFF2-40B4-BE49-F238E27FC236}">
-                    <a16:creationId xmlns:a16="http://schemas.microsoft.com/office/drawing/2014/main" id="{96A26079-D195-44F3-9C75-864F3F9BE842}"/>
-                  </a:ext>
-                </a:extLst>
-              </p:cNvPr>
-              <p:cNvSpPr/>
-              <p:nvPr/>
-            </p:nvSpPr>
-            <p:spPr>
-              <a:xfrm>
-                <a:off x="1350704" y="1725368"/>
-                <a:ext cx="387927" cy="260811"/>
-              </a:xfrm>
-              <a:prstGeom prst="homePlate">
-                <a:avLst/>
-              </a:prstGeom>
-              <a:solidFill>
-                <a:schemeClr val="accent3">
-                  <a:lumMod val="40000"/>
-                  <a:lumOff val="60000"/>
-                </a:schemeClr>
-              </a:solidFill>
-            </p:spPr>
-            <p:style>
-              <a:lnRef idx="2">
-                <a:schemeClr val="accent1">
-                  <a:shade val="50000"/>
-                </a:schemeClr>
-              </a:lnRef>
-              <a:fillRef idx="1">
-                <a:schemeClr val="accent1"/>
-              </a:fillRef>
-              <a:effectRef idx="0">
-                <a:schemeClr val="accent1"/>
-              </a:effectRef>
-              <a:fontRef idx="minor">
-                <a:schemeClr val="lt1"/>
-              </a:fontRef>
-            </p:style>
-            <p:txBody>
-              <a:bodyPr rtlCol="0" anchor="ctr"/>
-              <a:lstStyle/>
-              <a:p>
-                <a:pPr algn="ctr"/>
-                <a:endParaRPr lang="zh-TW" altLang="en-US"/>
-              </a:p>
-            </p:txBody>
-          </p:sp>
-          <p:cxnSp>
-            <p:nvCxnSpPr>
-              <p:cNvPr id="44" name="直線接點 43">
-                <a:extLst>
-                  <a:ext uri="{FF2B5EF4-FFF2-40B4-BE49-F238E27FC236}">
-                    <a16:creationId xmlns:a16="http://schemas.microsoft.com/office/drawing/2014/main" id="{8ECE5A10-0544-40EF-81B1-47F8EAF31C0A}"/>
-                  </a:ext>
-                </a:extLst>
-              </p:cNvPr>
-              <p:cNvCxnSpPr/>
-              <p:nvPr/>
-            </p:nvCxnSpPr>
-            <p:spPr>
-              <a:xfrm flipH="1">
-                <a:off x="1720167" y="1861995"/>
-                <a:ext cx="999836" cy="1"/>
-              </a:xfrm>
-              <a:prstGeom prst="line">
-                <a:avLst/>
-              </a:prstGeom>
-            </p:spPr>
-            <p:style>
-              <a:lnRef idx="3">
-                <a:schemeClr val="dk1"/>
-              </a:lnRef>
-              <a:fillRef idx="0">
-                <a:schemeClr val="dk1"/>
-              </a:fillRef>
-              <a:effectRef idx="2">
-                <a:schemeClr val="dk1"/>
-              </a:effectRef>
-              <a:fontRef idx="minor">
-                <a:schemeClr val="tx1"/>
-              </a:fontRef>
-            </p:style>
-          </p:cxnSp>
-          <p:sp>
-            <p:nvSpPr>
-              <p:cNvPr id="45" name="文字方塊 44">
-                <a:extLst>
-                  <a:ext uri="{FF2B5EF4-FFF2-40B4-BE49-F238E27FC236}">
-                    <a16:creationId xmlns:a16="http://schemas.microsoft.com/office/drawing/2014/main" id="{4F104A79-0A0A-41A0-97E2-986CFA8DCB84}"/>
-                  </a:ext>
-                </a:extLst>
-              </p:cNvPr>
-              <p:cNvSpPr txBox="1"/>
-              <p:nvPr/>
-            </p:nvSpPr>
-            <p:spPr>
-              <a:xfrm>
-                <a:off x="1658948" y="1626107"/>
-                <a:ext cx="993092" cy="461665"/>
-              </a:xfrm>
-              <a:prstGeom prst="rect">
-                <a:avLst/>
-              </a:prstGeom>
-              <a:noFill/>
-            </p:spPr>
-            <p:txBody>
-              <a:bodyPr wrap="none" rtlCol="0">
-                <a:spAutoFit/>
-              </a:bodyPr>
-              <a:lstStyle/>
-              <a:p>
-                <a:r>
-                  <a:rPr lang="en-US" altLang="zh-TW" sz="1200" dirty="0" err="1"/>
-                  <a:t>latticeLength</a:t>
-                </a:r>
-                <a:endParaRPr lang="en-US" altLang="zh-TW" dirty="0"/>
-              </a:p>
-              <a:p>
-                <a:endParaRPr lang="zh-TW" altLang="en-US" sz="1200" dirty="0"/>
-              </a:p>
-            </p:txBody>
-          </p:sp>
-        </p:grpSp>
-        <p:grpSp>
-          <p:nvGrpSpPr>
-            <p:cNvPr id="13" name="群組 12">
-              <a:extLst>
-                <a:ext uri="{FF2B5EF4-FFF2-40B4-BE49-F238E27FC236}">
-                  <a16:creationId xmlns:a16="http://schemas.microsoft.com/office/drawing/2014/main" id="{0E2B592C-91C9-47A7-AE63-103F1EA951CF}"/>
-                </a:ext>
-              </a:extLst>
-            </p:cNvPr>
-            <p:cNvGrpSpPr/>
-            <p:nvPr/>
-          </p:nvGrpSpPr>
-          <p:grpSpPr>
-            <a:xfrm>
-              <a:off x="1362469" y="2785958"/>
-              <a:ext cx="1369299" cy="360072"/>
-              <a:chOff x="1350704" y="1626107"/>
-              <a:chExt cx="1369299" cy="360072"/>
-            </a:xfrm>
-          </p:grpSpPr>
-          <p:sp>
-            <p:nvSpPr>
-              <p:cNvPr id="40" name="箭號: 五邊形 39">
-                <a:extLst>
-                  <a:ext uri="{FF2B5EF4-FFF2-40B4-BE49-F238E27FC236}">
-                    <a16:creationId xmlns:a16="http://schemas.microsoft.com/office/drawing/2014/main" id="{5896D2EA-8C95-4EB6-9B2B-73C2BD814B86}"/>
-                  </a:ext>
-                </a:extLst>
-              </p:cNvPr>
-              <p:cNvSpPr/>
-              <p:nvPr/>
-            </p:nvSpPr>
-            <p:spPr>
-              <a:xfrm>
-                <a:off x="1350704" y="1725368"/>
-                <a:ext cx="387927" cy="260811"/>
-              </a:xfrm>
-              <a:prstGeom prst="homePlate">
-                <a:avLst/>
-              </a:prstGeom>
-              <a:solidFill>
-                <a:schemeClr val="accent3">
-                  <a:lumMod val="40000"/>
-                  <a:lumOff val="60000"/>
-                </a:schemeClr>
-              </a:solidFill>
-            </p:spPr>
-            <p:style>
-              <a:lnRef idx="2">
-                <a:schemeClr val="accent1">
-                  <a:shade val="50000"/>
-                </a:schemeClr>
-              </a:lnRef>
-              <a:fillRef idx="1">
-                <a:schemeClr val="accent1"/>
-              </a:fillRef>
-              <a:effectRef idx="0">
-                <a:schemeClr val="accent1"/>
-              </a:effectRef>
-              <a:fontRef idx="minor">
-                <a:schemeClr val="lt1"/>
-              </a:fontRef>
-            </p:style>
-            <p:txBody>
-              <a:bodyPr rtlCol="0" anchor="ctr"/>
-              <a:lstStyle/>
-              <a:p>
-                <a:pPr algn="ctr"/>
-                <a:endParaRPr lang="zh-TW" altLang="en-US"/>
-              </a:p>
-            </p:txBody>
-          </p:sp>
-          <p:cxnSp>
-            <p:nvCxnSpPr>
-              <p:cNvPr id="41" name="直線接點 40">
-                <a:extLst>
-                  <a:ext uri="{FF2B5EF4-FFF2-40B4-BE49-F238E27FC236}">
-                    <a16:creationId xmlns:a16="http://schemas.microsoft.com/office/drawing/2014/main" id="{6475B52E-452E-4DB6-BBCE-E5DC9AD64D52}"/>
-                  </a:ext>
-                </a:extLst>
-              </p:cNvPr>
-              <p:cNvCxnSpPr/>
-              <p:nvPr/>
-            </p:nvCxnSpPr>
-            <p:spPr>
-              <a:xfrm flipH="1">
-                <a:off x="1720167" y="1861995"/>
-                <a:ext cx="999836" cy="1"/>
-              </a:xfrm>
-              <a:prstGeom prst="line">
-                <a:avLst/>
-              </a:prstGeom>
-            </p:spPr>
-            <p:style>
-              <a:lnRef idx="3">
-                <a:schemeClr val="dk1"/>
-              </a:lnRef>
-              <a:fillRef idx="0">
-                <a:schemeClr val="dk1"/>
-              </a:fillRef>
-              <a:effectRef idx="2">
-                <a:schemeClr val="dk1"/>
-              </a:effectRef>
-              <a:fontRef idx="minor">
-                <a:schemeClr val="tx1"/>
-              </a:fontRef>
-            </p:style>
-          </p:cxnSp>
-          <p:sp>
-            <p:nvSpPr>
-              <p:cNvPr id="42" name="文字方塊 41">
-                <a:extLst>
-                  <a:ext uri="{FF2B5EF4-FFF2-40B4-BE49-F238E27FC236}">
-                    <a16:creationId xmlns:a16="http://schemas.microsoft.com/office/drawing/2014/main" id="{CD5F55F9-BB3A-4CE2-81B9-570C5F1B06A4}"/>
-                  </a:ext>
-                </a:extLst>
-              </p:cNvPr>
-              <p:cNvSpPr txBox="1"/>
-              <p:nvPr/>
-            </p:nvSpPr>
-            <p:spPr>
-              <a:xfrm>
-                <a:off x="1658948" y="1626107"/>
-                <a:ext cx="1035861" cy="276999"/>
-              </a:xfrm>
-              <a:prstGeom prst="rect">
-                <a:avLst/>
-              </a:prstGeom>
-              <a:noFill/>
-            </p:spPr>
-            <p:txBody>
-              <a:bodyPr wrap="none" rtlCol="0">
-                <a:spAutoFit/>
-              </a:bodyPr>
-              <a:lstStyle/>
-              <a:p>
-                <a:r>
-                  <a:rPr lang="en-US" altLang="zh-TW" sz="1200" dirty="0" err="1"/>
-                  <a:t>Num_particle</a:t>
-                </a:r>
-                <a:endParaRPr lang="zh-TW" altLang="en-US" sz="1200" dirty="0"/>
-              </a:p>
-            </p:txBody>
-          </p:sp>
-        </p:grpSp>
-        <p:grpSp>
-          <p:nvGrpSpPr>
-            <p:cNvPr id="17" name="群組 16">
-              <a:extLst>
-                <a:ext uri="{FF2B5EF4-FFF2-40B4-BE49-F238E27FC236}">
-                  <a16:creationId xmlns:a16="http://schemas.microsoft.com/office/drawing/2014/main" id="{7AC20B69-12FD-4303-989E-2F78ADECE21F}"/>
-                </a:ext>
-              </a:extLst>
-            </p:cNvPr>
-            <p:cNvGrpSpPr/>
-            <p:nvPr/>
-          </p:nvGrpSpPr>
-          <p:grpSpPr>
-            <a:xfrm>
-              <a:off x="1377547" y="4251001"/>
-              <a:ext cx="1369299" cy="360072"/>
-              <a:chOff x="1350704" y="1626107"/>
-              <a:chExt cx="1369299" cy="360072"/>
-            </a:xfrm>
-          </p:grpSpPr>
-          <p:sp>
-            <p:nvSpPr>
-              <p:cNvPr id="28" name="箭號: 五邊形 27">
-                <a:extLst>
-                  <a:ext uri="{FF2B5EF4-FFF2-40B4-BE49-F238E27FC236}">
-                    <a16:creationId xmlns:a16="http://schemas.microsoft.com/office/drawing/2014/main" id="{4581B416-7E0E-4060-BE89-837A7DE0CDCE}"/>
-                  </a:ext>
-                </a:extLst>
-              </p:cNvPr>
-              <p:cNvSpPr/>
-              <p:nvPr/>
-            </p:nvSpPr>
-            <p:spPr>
-              <a:xfrm>
-                <a:off x="1350704" y="1725368"/>
-                <a:ext cx="387927" cy="260811"/>
-              </a:xfrm>
-              <a:prstGeom prst="homePlate">
-                <a:avLst/>
-              </a:prstGeom>
-              <a:solidFill>
-                <a:schemeClr val="accent3">
-                  <a:lumMod val="40000"/>
-                  <a:lumOff val="60000"/>
-                </a:schemeClr>
-              </a:solidFill>
-            </p:spPr>
-            <p:style>
-              <a:lnRef idx="2">
-                <a:schemeClr val="accent1">
-                  <a:shade val="50000"/>
-                </a:schemeClr>
-              </a:lnRef>
-              <a:fillRef idx="1">
-                <a:schemeClr val="accent1"/>
-              </a:fillRef>
-              <a:effectRef idx="0">
-                <a:schemeClr val="accent1"/>
-              </a:effectRef>
-              <a:fontRef idx="minor">
-                <a:schemeClr val="lt1"/>
-              </a:fontRef>
-            </p:style>
-            <p:txBody>
-              <a:bodyPr rtlCol="0" anchor="ctr"/>
-              <a:lstStyle/>
-              <a:p>
-                <a:pPr algn="ctr"/>
-                <a:endParaRPr lang="zh-TW" altLang="en-US"/>
-              </a:p>
-            </p:txBody>
-          </p:sp>
-          <p:cxnSp>
-            <p:nvCxnSpPr>
-              <p:cNvPr id="29" name="直線接點 28">
-                <a:extLst>
-                  <a:ext uri="{FF2B5EF4-FFF2-40B4-BE49-F238E27FC236}">
-                    <a16:creationId xmlns:a16="http://schemas.microsoft.com/office/drawing/2014/main" id="{004A5BFE-F7D7-4484-91D3-B635525A9777}"/>
-                  </a:ext>
-                </a:extLst>
-              </p:cNvPr>
-              <p:cNvCxnSpPr/>
-              <p:nvPr/>
-            </p:nvCxnSpPr>
-            <p:spPr>
-              <a:xfrm flipH="1">
-                <a:off x="1720167" y="1861995"/>
-                <a:ext cx="999836" cy="1"/>
-              </a:xfrm>
-              <a:prstGeom prst="line">
-                <a:avLst/>
-              </a:prstGeom>
-            </p:spPr>
-            <p:style>
-              <a:lnRef idx="3">
-                <a:schemeClr val="dk1"/>
-              </a:lnRef>
-              <a:fillRef idx="0">
-                <a:schemeClr val="dk1"/>
-              </a:fillRef>
-              <a:effectRef idx="2">
-                <a:schemeClr val="dk1"/>
-              </a:effectRef>
-              <a:fontRef idx="minor">
-                <a:schemeClr val="tx1"/>
-              </a:fontRef>
-            </p:style>
-          </p:cxnSp>
-          <p:sp>
-            <p:nvSpPr>
-              <p:cNvPr id="30" name="文字方塊 29">
-                <a:extLst>
-                  <a:ext uri="{FF2B5EF4-FFF2-40B4-BE49-F238E27FC236}">
-                    <a16:creationId xmlns:a16="http://schemas.microsoft.com/office/drawing/2014/main" id="{92024845-BDBC-422C-98EA-C390DE9063FC}"/>
-                  </a:ext>
-                </a:extLst>
-              </p:cNvPr>
-              <p:cNvSpPr txBox="1"/>
-              <p:nvPr/>
-            </p:nvSpPr>
-            <p:spPr>
-              <a:xfrm>
-                <a:off x="1658948" y="1626107"/>
-                <a:ext cx="356188" cy="276999"/>
-              </a:xfrm>
-              <a:prstGeom prst="rect">
-                <a:avLst/>
-              </a:prstGeom>
-              <a:noFill/>
-            </p:spPr>
-            <p:txBody>
-              <a:bodyPr wrap="none" rtlCol="0">
-                <a:spAutoFit/>
-              </a:bodyPr>
-              <a:lstStyle/>
-              <a:p>
-                <a:r>
-                  <a:rPr lang="en-US" altLang="zh-TW" sz="1200" dirty="0" err="1"/>
-                  <a:t>clk</a:t>
-                </a:r>
-                <a:endParaRPr lang="zh-TW" altLang="en-US" sz="1200" dirty="0"/>
-              </a:p>
-            </p:txBody>
-          </p:sp>
-        </p:grpSp>
-        <p:grpSp>
-          <p:nvGrpSpPr>
-            <p:cNvPr id="18" name="群組 17">
-              <a:extLst>
-                <a:ext uri="{FF2B5EF4-FFF2-40B4-BE49-F238E27FC236}">
-                  <a16:creationId xmlns:a16="http://schemas.microsoft.com/office/drawing/2014/main" id="{8A26278F-AC67-4A34-BBA0-DAD97D20EA83}"/>
-                </a:ext>
-              </a:extLst>
-            </p:cNvPr>
-            <p:cNvGrpSpPr/>
-            <p:nvPr/>
-          </p:nvGrpSpPr>
-          <p:grpSpPr>
-            <a:xfrm>
-              <a:off x="1380983" y="4589324"/>
-              <a:ext cx="1369299" cy="360072"/>
-              <a:chOff x="1350704" y="1626107"/>
-              <a:chExt cx="1369299" cy="360072"/>
-            </a:xfrm>
-          </p:grpSpPr>
-          <p:sp>
-            <p:nvSpPr>
-              <p:cNvPr id="25" name="箭號: 五邊形 24">
-                <a:extLst>
-                  <a:ext uri="{FF2B5EF4-FFF2-40B4-BE49-F238E27FC236}">
-                    <a16:creationId xmlns:a16="http://schemas.microsoft.com/office/drawing/2014/main" id="{4C41BAB3-8BD5-4A7D-8E26-75CE2DBE34B2}"/>
-                  </a:ext>
-                </a:extLst>
-              </p:cNvPr>
-              <p:cNvSpPr/>
-              <p:nvPr/>
-            </p:nvSpPr>
-            <p:spPr>
-              <a:xfrm>
-                <a:off x="1350704" y="1725368"/>
-                <a:ext cx="387927" cy="260811"/>
-              </a:xfrm>
-              <a:prstGeom prst="homePlate">
-                <a:avLst/>
-              </a:prstGeom>
-              <a:solidFill>
-                <a:schemeClr val="accent3">
-                  <a:lumMod val="40000"/>
-                  <a:lumOff val="60000"/>
-                </a:schemeClr>
-              </a:solidFill>
-            </p:spPr>
-            <p:style>
-              <a:lnRef idx="2">
-                <a:schemeClr val="accent1">
-                  <a:shade val="50000"/>
-                </a:schemeClr>
-              </a:lnRef>
-              <a:fillRef idx="1">
-                <a:schemeClr val="accent1"/>
-              </a:fillRef>
-              <a:effectRef idx="0">
-                <a:schemeClr val="accent1"/>
-              </a:effectRef>
-              <a:fontRef idx="minor">
-                <a:schemeClr val="lt1"/>
-              </a:fontRef>
-            </p:style>
-            <p:txBody>
-              <a:bodyPr rtlCol="0" anchor="ctr"/>
-              <a:lstStyle/>
-              <a:p>
-                <a:pPr algn="ctr"/>
-                <a:endParaRPr lang="zh-TW" altLang="en-US"/>
-              </a:p>
-            </p:txBody>
-          </p:sp>
-          <p:cxnSp>
-            <p:nvCxnSpPr>
-              <p:cNvPr id="26" name="直線接點 25">
-                <a:extLst>
-                  <a:ext uri="{FF2B5EF4-FFF2-40B4-BE49-F238E27FC236}">
-                    <a16:creationId xmlns:a16="http://schemas.microsoft.com/office/drawing/2014/main" id="{9CBFA2D4-1A33-4F72-81DB-22F32BFB3CA3}"/>
-                  </a:ext>
-                </a:extLst>
-              </p:cNvPr>
-              <p:cNvCxnSpPr/>
-              <p:nvPr/>
-            </p:nvCxnSpPr>
-            <p:spPr>
-              <a:xfrm flipH="1">
-                <a:off x="1720167" y="1861995"/>
-                <a:ext cx="999836" cy="1"/>
-              </a:xfrm>
-              <a:prstGeom prst="line">
-                <a:avLst/>
-              </a:prstGeom>
-            </p:spPr>
-            <p:style>
-              <a:lnRef idx="3">
-                <a:schemeClr val="dk1"/>
-              </a:lnRef>
-              <a:fillRef idx="0">
-                <a:schemeClr val="dk1"/>
-              </a:fillRef>
-              <a:effectRef idx="2">
-                <a:schemeClr val="dk1"/>
-              </a:effectRef>
-              <a:fontRef idx="minor">
-                <a:schemeClr val="tx1"/>
-              </a:fontRef>
-            </p:style>
-          </p:cxnSp>
-          <p:sp>
-            <p:nvSpPr>
-              <p:cNvPr id="27" name="文字方塊 26">
-                <a:extLst>
-                  <a:ext uri="{FF2B5EF4-FFF2-40B4-BE49-F238E27FC236}">
-                    <a16:creationId xmlns:a16="http://schemas.microsoft.com/office/drawing/2014/main" id="{1B510BCE-3175-492C-9963-98FAFE86A8F4}"/>
-                  </a:ext>
-                </a:extLst>
-              </p:cNvPr>
-              <p:cNvSpPr txBox="1"/>
-              <p:nvPr/>
-            </p:nvSpPr>
-            <p:spPr>
-              <a:xfrm>
-                <a:off x="1658948" y="1626107"/>
-                <a:ext cx="500778" cy="276999"/>
-              </a:xfrm>
-              <a:prstGeom prst="rect">
-                <a:avLst/>
-              </a:prstGeom>
-              <a:noFill/>
-            </p:spPr>
-            <p:txBody>
-              <a:bodyPr wrap="none" rtlCol="0">
-                <a:spAutoFit/>
-              </a:bodyPr>
-              <a:lstStyle/>
-              <a:p>
-                <a:r>
-                  <a:rPr lang="en-US" altLang="zh-TW" sz="1200" dirty="0"/>
-                  <a:t>reset</a:t>
-                </a:r>
-                <a:endParaRPr lang="zh-TW" altLang="en-US" sz="1200" dirty="0"/>
+                <a:endParaRPr lang="zh-TW" altLang="en-US" sz="1200" dirty="0">
+                  <a:solidFill>
+                    <a:srgbClr val="FF0000"/>
+                  </a:solidFill>
+                </a:endParaRPr>
               </a:p>
             </p:txBody>
           </p:sp>
         </p:grpSp>
         <p:sp>
           <p:nvSpPr>
-            <p:cNvPr id="19" name="矩形: 圓角 18">
+            <p:cNvPr id="79" name="矩形: 圓角 78">
               <a:extLst>
                 <a:ext uri="{FF2B5EF4-FFF2-40B4-BE49-F238E27FC236}">
-                  <a16:creationId xmlns:a16="http://schemas.microsoft.com/office/drawing/2014/main" id="{DD7098F6-6113-46D9-8B98-5281F545B757}"/>
+                  <a16:creationId xmlns:a16="http://schemas.microsoft.com/office/drawing/2014/main" id="{DC6235F7-81B2-4A24-A5B9-3D1E8310494A}"/>
                 </a:ext>
               </a:extLst>
             </p:cNvPr>
@@ -9858,7 +8446,7 @@
               <a:avLst/>
             </a:prstGeom>
             <a:solidFill>
-              <a:srgbClr val="00B0F0"/>
+              <a:srgbClr val="0070C0"/>
             </a:solidFill>
             <a:ln w="38100">
               <a:solidFill>
@@ -9895,10 +8483,10 @@
         </p:sp>
         <p:sp>
           <p:nvSpPr>
-            <p:cNvPr id="20" name="文字方塊 19">
+            <p:cNvPr id="80" name="文字方塊 79">
               <a:extLst>
                 <a:ext uri="{FF2B5EF4-FFF2-40B4-BE49-F238E27FC236}">
-                  <a16:creationId xmlns:a16="http://schemas.microsoft.com/office/drawing/2014/main" id="{56EE5B0D-17D2-4D39-B056-A3DC5B8FFAB0}"/>
+                  <a16:creationId xmlns:a16="http://schemas.microsoft.com/office/drawing/2014/main" id="{1C42ED97-67C0-4AE5-BBB9-57C59A68F250}"/>
                 </a:ext>
               </a:extLst>
             </p:cNvPr>
@@ -9907,8 +8495,8 @@
           </p:nvSpPr>
           <p:spPr>
             <a:xfrm>
-              <a:off x="3514834" y="1270631"/>
-              <a:ext cx="1468928" cy="369332"/>
+              <a:off x="3985068" y="1263703"/>
+              <a:ext cx="587391" cy="369332"/>
             </a:xfrm>
             <a:prstGeom prst="rect">
               <a:avLst/>
@@ -9932,8 +8520,8 @@
             <a:lstStyle/>
             <a:p>
               <a:r>
-                <a:rPr lang="en-US" altLang="zh-TW" dirty="0" err="1"/>
-                <a:t>Generate_ind</a:t>
+                <a:rPr lang="en-US" altLang="zh-TW" dirty="0"/>
+                <a:t>LFSR</a:t>
               </a:r>
               <a:endParaRPr lang="zh-TW" altLang="en-US" dirty="0"/>
             </a:p>
@@ -9942,10 +8530,10 @@
       </p:grpSp>
       <p:sp>
         <p:nvSpPr>
-          <p:cNvPr id="70" name="箭號: 五邊形 69">
+          <p:cNvPr id="28" name="箭號: 五邊形 27">
             <a:extLst>
               <a:ext uri="{FF2B5EF4-FFF2-40B4-BE49-F238E27FC236}">
-                <a16:creationId xmlns:a16="http://schemas.microsoft.com/office/drawing/2014/main" id="{0F0928EC-6FB5-4D84-A933-9F5938E6938E}"/>
+                <a16:creationId xmlns:a16="http://schemas.microsoft.com/office/drawing/2014/main" id="{1366C3B5-10DA-42A2-943A-F8FFE0D40EAD}"/>
               </a:ext>
             </a:extLst>
           </p:cNvPr>
@@ -9954,8 +8542,8 @@
         </p:nvSpPr>
         <p:spPr>
           <a:xfrm>
-            <a:off x="1372260" y="5381419"/>
-            <a:ext cx="387927" cy="260811"/>
+            <a:off x="1378532" y="4350262"/>
+            <a:ext cx="406695" cy="260811"/>
           </a:xfrm>
           <a:prstGeom prst="homePlate">
             <a:avLst/>
@@ -9988,16 +8576,16 @@
           <a:lstStyle/>
           <a:p>
             <a:pPr algn="ctr"/>
-            <a:endParaRPr lang="zh-TW" altLang="en-US"/>
+            <a:endParaRPr lang="zh-TW" altLang="en-US" dirty="0"/>
           </a:p>
         </p:txBody>
       </p:sp>
       <p:cxnSp>
         <p:nvCxnSpPr>
-          <p:cNvPr id="71" name="直線接點 70">
+          <p:cNvPr id="29" name="直線接點 28">
             <a:extLst>
               <a:ext uri="{FF2B5EF4-FFF2-40B4-BE49-F238E27FC236}">
-                <a16:creationId xmlns:a16="http://schemas.microsoft.com/office/drawing/2014/main" id="{75B0F1F5-11A1-4A0D-8AF1-67F0BD6221FB}"/>
+                <a16:creationId xmlns:a16="http://schemas.microsoft.com/office/drawing/2014/main" id="{DB74CCC9-5709-41EC-B6B1-E72C5CC4BDB5}"/>
               </a:ext>
             </a:extLst>
           </p:cNvPr>
@@ -10006,8 +8594,8 @@
         </p:nvCxnSpPr>
         <p:spPr>
           <a:xfrm flipH="1">
-            <a:off x="1741723" y="5518046"/>
-            <a:ext cx="999836" cy="1"/>
+            <a:off x="1765870" y="4486889"/>
+            <a:ext cx="1048209" cy="1"/>
           </a:xfrm>
           <a:prstGeom prst="line">
             <a:avLst/>
@@ -10030,10 +8618,10 @@
       </p:cxnSp>
       <p:sp>
         <p:nvSpPr>
-          <p:cNvPr id="72" name="文字方塊 71">
+          <p:cNvPr id="30" name="文字方塊 29">
             <a:extLst>
               <a:ext uri="{FF2B5EF4-FFF2-40B4-BE49-F238E27FC236}">
-                <a16:creationId xmlns:a16="http://schemas.microsoft.com/office/drawing/2014/main" id="{A7DE21F6-E63D-4B45-8221-DB3F6BF30D94}"/>
+                <a16:creationId xmlns:a16="http://schemas.microsoft.com/office/drawing/2014/main" id="{D776A611-D66F-4917-BB58-808B2EFFB49A}"/>
               </a:ext>
             </a:extLst>
           </p:cNvPr>
@@ -10042,8 +8630,8 @@
         </p:nvSpPr>
         <p:spPr>
           <a:xfrm>
-            <a:off x="1680504" y="5282158"/>
-            <a:ext cx="471219" cy="276999"/>
+            <a:off x="1701689" y="4251001"/>
+            <a:ext cx="356188" cy="276999"/>
           </a:xfrm>
           <a:prstGeom prst="rect">
             <a:avLst/>
@@ -10057,8 +8645,132 @@
           <a:lstStyle/>
           <a:p>
             <a:r>
-              <a:rPr lang="en-US" altLang="zh-TW" sz="1200" dirty="0"/>
-              <a:t>start</a:t>
+              <a:rPr lang="en-US" altLang="zh-TW" sz="1200" dirty="0" err="1"/>
+              <a:t>clk</a:t>
+            </a:r>
+            <a:endParaRPr lang="zh-TW" altLang="en-US" sz="1200" dirty="0"/>
+          </a:p>
+        </p:txBody>
+      </p:sp>
+      <p:sp>
+        <p:nvSpPr>
+          <p:cNvPr id="31" name="箭號: 五邊形 30">
+            <a:extLst>
+              <a:ext uri="{FF2B5EF4-FFF2-40B4-BE49-F238E27FC236}">
+                <a16:creationId xmlns:a16="http://schemas.microsoft.com/office/drawing/2014/main" id="{11FD8BC6-4F27-46AD-B475-D9914E7F5399}"/>
+              </a:ext>
+            </a:extLst>
+          </p:cNvPr>
+          <p:cNvSpPr/>
+          <p:nvPr/>
+        </p:nvSpPr>
+        <p:spPr>
+          <a:xfrm>
+            <a:off x="1382134" y="4688585"/>
+            <a:ext cx="406695" cy="260811"/>
+          </a:xfrm>
+          <a:prstGeom prst="homePlate">
+            <a:avLst/>
+          </a:prstGeom>
+          <a:solidFill>
+            <a:schemeClr val="accent3">
+              <a:lumMod val="40000"/>
+              <a:lumOff val="60000"/>
+            </a:schemeClr>
+          </a:solidFill>
+        </p:spPr>
+        <p:style>
+          <a:lnRef idx="2">
+            <a:schemeClr val="accent1">
+              <a:shade val="50000"/>
+            </a:schemeClr>
+          </a:lnRef>
+          <a:fillRef idx="1">
+            <a:schemeClr val="accent1"/>
+          </a:fillRef>
+          <a:effectRef idx="0">
+            <a:schemeClr val="accent1"/>
+          </a:effectRef>
+          <a:fontRef idx="minor">
+            <a:schemeClr val="lt1"/>
+          </a:fontRef>
+        </p:style>
+        <p:txBody>
+          <a:bodyPr rtlCol="0" anchor="ctr"/>
+          <a:lstStyle/>
+          <a:p>
+            <a:pPr algn="ctr"/>
+            <a:endParaRPr lang="zh-TW" altLang="en-US"/>
+          </a:p>
+        </p:txBody>
+      </p:sp>
+      <p:cxnSp>
+        <p:nvCxnSpPr>
+          <p:cNvPr id="32" name="直線接點 31">
+            <a:extLst>
+              <a:ext uri="{FF2B5EF4-FFF2-40B4-BE49-F238E27FC236}">
+                <a16:creationId xmlns:a16="http://schemas.microsoft.com/office/drawing/2014/main" id="{1CB8AA27-48A9-4CB0-98AD-183EDAD2B3F9}"/>
+              </a:ext>
+            </a:extLst>
+          </p:cNvPr>
+          <p:cNvCxnSpPr/>
+          <p:nvPr/>
+        </p:nvCxnSpPr>
+        <p:spPr>
+          <a:xfrm flipH="1">
+            <a:off x="1769472" y="4825212"/>
+            <a:ext cx="1048209" cy="1"/>
+          </a:xfrm>
+          <a:prstGeom prst="line">
+            <a:avLst/>
+          </a:prstGeom>
+        </p:spPr>
+        <p:style>
+          <a:lnRef idx="3">
+            <a:schemeClr val="dk1"/>
+          </a:lnRef>
+          <a:fillRef idx="0">
+            <a:schemeClr val="dk1"/>
+          </a:fillRef>
+          <a:effectRef idx="2">
+            <a:schemeClr val="dk1"/>
+          </a:effectRef>
+          <a:fontRef idx="minor">
+            <a:schemeClr val="tx1"/>
+          </a:fontRef>
+        </p:style>
+      </p:cxnSp>
+      <p:sp>
+        <p:nvSpPr>
+          <p:cNvPr id="33" name="文字方塊 32">
+            <a:extLst>
+              <a:ext uri="{FF2B5EF4-FFF2-40B4-BE49-F238E27FC236}">
+                <a16:creationId xmlns:a16="http://schemas.microsoft.com/office/drawing/2014/main" id="{A4A7F9D9-A2E3-4E76-B5AF-517325269E95}"/>
+              </a:ext>
+            </a:extLst>
+          </p:cNvPr>
+          <p:cNvSpPr txBox="1"/>
+          <p:nvPr/>
+        </p:nvSpPr>
+        <p:spPr>
+          <a:xfrm>
+            <a:off x="1705291" y="4589324"/>
+            <a:ext cx="502510" cy="276999"/>
+          </a:xfrm>
+          <a:prstGeom prst="rect">
+            <a:avLst/>
+          </a:prstGeom>
+          <a:noFill/>
+        </p:spPr>
+        <p:txBody>
+          <a:bodyPr wrap="none" rtlCol="0">
+            <a:spAutoFit/>
+          </a:bodyPr>
+          <a:lstStyle/>
+          <a:p>
+            <a:r>
+              <a:rPr lang="en-US" altLang="zh-TW" sz="1200" dirty="0" err="1"/>
+              <a:t>rst_n</a:t>
             </a:r>
             <a:endParaRPr lang="zh-TW" altLang="en-US" sz="1200" dirty="0"/>
           </a:p>
@@ -10067,7 +8779,7 @@
     </p:spTree>
     <p:extLst>
       <p:ext uri="{BB962C8B-B14F-4D97-AF65-F5344CB8AC3E}">
-        <p14:creationId xmlns:p14="http://schemas.microsoft.com/office/powerpoint/2010/main" val="657877960"/>
+        <p14:creationId xmlns:p14="http://schemas.microsoft.com/office/powerpoint/2010/main" val="2633558652"/>
       </p:ext>
     </p:extLst>
   </p:cSld>
@@ -10356,7 +9068,7 @@
         </p:nvSpPr>
         <p:spPr>
           <a:xfrm>
-            <a:off x="5716722" y="3447868"/>
+            <a:off x="5716724" y="3447870"/>
             <a:ext cx="387927" cy="260811"/>
           </a:xfrm>
           <a:prstGeom prst="homePlate">
@@ -10481,7 +9193,7 @@
         <p:grpSpPr>
           <a:xfrm>
             <a:off x="1357190" y="1115891"/>
-            <a:ext cx="5754075" cy="4776357"/>
+            <a:ext cx="6032464" cy="4776357"/>
             <a:chOff x="1357190" y="1115891"/>
             <a:chExt cx="5754075" cy="4776357"/>
           </a:xfrm>
@@ -10609,7 +9321,7 @@
             <p:spPr>
               <a:xfrm>
                 <a:off x="6032565" y="2610333"/>
-                <a:ext cx="673582" cy="276999"/>
+                <a:ext cx="642497" cy="276999"/>
               </a:xfrm>
               <a:prstGeom prst="rect">
                 <a:avLst/>
@@ -10754,7 +9466,7 @@
             <p:spPr>
               <a:xfrm>
                 <a:off x="6006565" y="2270154"/>
-                <a:ext cx="727956" cy="276999"/>
+                <a:ext cx="694362" cy="276999"/>
               </a:xfrm>
               <a:prstGeom prst="rect">
                 <a:avLst/>
@@ -10791,7 +9503,7 @@
           <p:spPr>
             <a:xfrm>
               <a:off x="4011092" y="1356036"/>
-              <a:ext cx="561244" cy="369332"/>
+              <a:ext cx="535343" cy="369332"/>
             </a:xfrm>
             <a:prstGeom prst="rect">
               <a:avLst/>
@@ -10837,9 +9549,9 @@
           <p:grpSpPr>
             <a:xfrm>
               <a:off x="1357190" y="1356036"/>
-              <a:ext cx="1609178" cy="360072"/>
+              <a:ext cx="1549142" cy="360072"/>
               <a:chOff x="1350704" y="1626107"/>
-              <a:chExt cx="1609178" cy="360072"/>
+              <a:chExt cx="1549142" cy="360072"/>
             </a:xfrm>
           </p:grpSpPr>
           <p:sp>
@@ -10945,7 +9657,7 @@
             <p:spPr>
               <a:xfrm>
                 <a:off x="1658948" y="1626107"/>
-                <a:ext cx="1300934" cy="276999"/>
+                <a:ext cx="1240898" cy="276999"/>
               </a:xfrm>
               <a:prstGeom prst="rect">
                 <a:avLst/>
@@ -11090,7 +9802,7 @@
             <p:spPr>
               <a:xfrm>
                 <a:off x="6032565" y="2610333"/>
-                <a:ext cx="786754" cy="276999"/>
+                <a:ext cx="750447" cy="276999"/>
               </a:xfrm>
               <a:prstGeom prst="rect">
                 <a:avLst/>
@@ -11127,9 +9839,9 @@
           <p:grpSpPr>
             <a:xfrm>
               <a:off x="1357190" y="2421602"/>
-              <a:ext cx="1546147" cy="360072"/>
+              <a:ext cx="1489020" cy="360072"/>
               <a:chOff x="1350704" y="1626107"/>
-              <a:chExt cx="1546147" cy="360072"/>
+              <a:chExt cx="1489020" cy="360072"/>
             </a:xfrm>
           </p:grpSpPr>
           <p:sp>
@@ -11235,7 +9947,7 @@
             <p:spPr>
               <a:xfrm>
                 <a:off x="1658948" y="1626107"/>
-                <a:ext cx="1237903" cy="276999"/>
+                <a:ext cx="1180776" cy="276999"/>
               </a:xfrm>
               <a:prstGeom prst="rect">
                 <a:avLst/>
@@ -11388,7 +10100,7 @@
             <p:spPr>
               <a:xfrm>
                 <a:off x="1658948" y="1626107"/>
-                <a:ext cx="1035861" cy="276999"/>
+                <a:ext cx="988058" cy="276999"/>
               </a:xfrm>
               <a:prstGeom prst="rect">
                 <a:avLst/>
@@ -11533,7 +10245,7 @@
             <p:spPr>
               <a:xfrm>
                 <a:off x="1658948" y="1626107"/>
-                <a:ext cx="731162" cy="276999"/>
+                <a:ext cx="697420" cy="276999"/>
               </a:xfrm>
               <a:prstGeom prst="rect">
                 <a:avLst/>
@@ -11678,7 +10390,7 @@
             <p:spPr>
               <a:xfrm>
                 <a:off x="1658948" y="1626107"/>
-                <a:ext cx="899798" cy="276999"/>
+                <a:ext cx="858274" cy="276999"/>
               </a:xfrm>
               <a:prstGeom prst="rect">
                 <a:avLst/>
@@ -11768,7 +10480,7 @@
               <a:lstStyle/>
               <a:p>
                 <a:pPr algn="ctr"/>
-                <a:endParaRPr lang="zh-TW" altLang="en-US"/>
+                <a:endParaRPr lang="zh-TW" altLang="en-US" dirty="0"/>
               </a:p>
             </p:txBody>
           </p:sp>
@@ -11823,7 +10535,7 @@
             <p:spPr>
               <a:xfrm>
                 <a:off x="1658948" y="1626107"/>
-                <a:ext cx="356188" cy="276999"/>
+                <a:ext cx="339751" cy="276999"/>
               </a:xfrm>
               <a:prstGeom prst="rect">
                 <a:avLst/>
@@ -11839,151 +10551,6 @@
                 <a:r>
                   <a:rPr lang="en-US" altLang="zh-TW" sz="1200" dirty="0" err="1"/>
                   <a:t>clk</a:t>
-                </a:r>
-                <a:endParaRPr lang="zh-TW" altLang="en-US" sz="1200" dirty="0"/>
-              </a:p>
-            </p:txBody>
-          </p:sp>
-        </p:grpSp>
-        <p:grpSp>
-          <p:nvGrpSpPr>
-            <p:cNvPr id="18" name="群組 17">
-              <a:extLst>
-                <a:ext uri="{FF2B5EF4-FFF2-40B4-BE49-F238E27FC236}">
-                  <a16:creationId xmlns:a16="http://schemas.microsoft.com/office/drawing/2014/main" id="{6A4B7CEE-9762-4785-AB61-4D0B30E568AF}"/>
-                </a:ext>
-              </a:extLst>
-            </p:cNvPr>
-            <p:cNvGrpSpPr/>
-            <p:nvPr/>
-          </p:nvGrpSpPr>
-          <p:grpSpPr>
-            <a:xfrm>
-              <a:off x="1380983" y="4589324"/>
-              <a:ext cx="1369299" cy="360072"/>
-              <a:chOff x="1350704" y="1626107"/>
-              <a:chExt cx="1369299" cy="360072"/>
-            </a:xfrm>
-          </p:grpSpPr>
-          <p:sp>
-            <p:nvSpPr>
-              <p:cNvPr id="25" name="箭號: 五邊形 24">
-                <a:extLst>
-                  <a:ext uri="{FF2B5EF4-FFF2-40B4-BE49-F238E27FC236}">
-                    <a16:creationId xmlns:a16="http://schemas.microsoft.com/office/drawing/2014/main" id="{0AEFC946-AFB4-48E8-B34F-348A57265357}"/>
-                  </a:ext>
-                </a:extLst>
-              </p:cNvPr>
-              <p:cNvSpPr/>
-              <p:nvPr/>
-            </p:nvSpPr>
-            <p:spPr>
-              <a:xfrm>
-                <a:off x="1350704" y="1725368"/>
-                <a:ext cx="387927" cy="260811"/>
-              </a:xfrm>
-              <a:prstGeom prst="homePlate">
-                <a:avLst/>
-              </a:prstGeom>
-              <a:solidFill>
-                <a:schemeClr val="accent3">
-                  <a:lumMod val="40000"/>
-                  <a:lumOff val="60000"/>
-                </a:schemeClr>
-              </a:solidFill>
-            </p:spPr>
-            <p:style>
-              <a:lnRef idx="2">
-                <a:schemeClr val="accent1">
-                  <a:shade val="50000"/>
-                </a:schemeClr>
-              </a:lnRef>
-              <a:fillRef idx="1">
-                <a:schemeClr val="accent1"/>
-              </a:fillRef>
-              <a:effectRef idx="0">
-                <a:schemeClr val="accent1"/>
-              </a:effectRef>
-              <a:fontRef idx="minor">
-                <a:schemeClr val="lt1"/>
-              </a:fontRef>
-            </p:style>
-            <p:txBody>
-              <a:bodyPr rtlCol="0" anchor="ctr"/>
-              <a:lstStyle/>
-              <a:p>
-                <a:pPr algn="ctr"/>
-                <a:endParaRPr lang="zh-TW" altLang="en-US"/>
-              </a:p>
-            </p:txBody>
-          </p:sp>
-          <p:cxnSp>
-            <p:nvCxnSpPr>
-              <p:cNvPr id="26" name="直線接點 25">
-                <a:extLst>
-                  <a:ext uri="{FF2B5EF4-FFF2-40B4-BE49-F238E27FC236}">
-                    <a16:creationId xmlns:a16="http://schemas.microsoft.com/office/drawing/2014/main" id="{D076F3F9-7535-47DF-AE68-81E6372DF15E}"/>
-                  </a:ext>
-                </a:extLst>
-              </p:cNvPr>
-              <p:cNvCxnSpPr/>
-              <p:nvPr/>
-            </p:nvCxnSpPr>
-            <p:spPr>
-              <a:xfrm flipH="1">
-                <a:off x="1720167" y="1861995"/>
-                <a:ext cx="999836" cy="1"/>
-              </a:xfrm>
-              <a:prstGeom prst="line">
-                <a:avLst/>
-              </a:prstGeom>
-            </p:spPr>
-            <p:style>
-              <a:lnRef idx="3">
-                <a:schemeClr val="dk1"/>
-              </a:lnRef>
-              <a:fillRef idx="0">
-                <a:schemeClr val="dk1"/>
-              </a:fillRef>
-              <a:effectRef idx="2">
-                <a:schemeClr val="dk1"/>
-              </a:effectRef>
-              <a:fontRef idx="minor">
-                <a:schemeClr val="tx1"/>
-              </a:fontRef>
-            </p:style>
-          </p:cxnSp>
-          <p:sp>
-            <p:nvSpPr>
-              <p:cNvPr id="27" name="文字方塊 26">
-                <a:extLst>
-                  <a:ext uri="{FF2B5EF4-FFF2-40B4-BE49-F238E27FC236}">
-                    <a16:creationId xmlns:a16="http://schemas.microsoft.com/office/drawing/2014/main" id="{BA472955-D011-4612-9058-3D3FDA2B4EB0}"/>
-                  </a:ext>
-                </a:extLst>
-              </p:cNvPr>
-              <p:cNvSpPr txBox="1"/>
-              <p:nvPr/>
-            </p:nvSpPr>
-            <p:spPr>
-              <a:xfrm>
-                <a:off x="1658948" y="1626107"/>
-                <a:ext cx="500778" cy="276999"/>
-              </a:xfrm>
-              <a:prstGeom prst="rect">
-                <a:avLst/>
-              </a:prstGeom>
-              <a:noFill/>
-            </p:spPr>
-            <p:txBody>
-              <a:bodyPr wrap="none" rtlCol="0">
-                <a:spAutoFit/>
-              </a:bodyPr>
-              <a:lstStyle/>
-              <a:p>
-                <a:r>
-                  <a:rPr lang="en-US" altLang="zh-TW" sz="1200" dirty="0"/>
-                  <a:t>reset</a:t>
                 </a:r>
                 <a:endParaRPr lang="zh-TW" altLang="en-US" sz="1200" dirty="0"/>
               </a:p>
@@ -12064,7 +10631,7 @@
           <p:spPr>
             <a:xfrm>
               <a:off x="3789075" y="1309869"/>
-              <a:ext cx="920445" cy="369332"/>
+              <a:ext cx="877968" cy="369332"/>
             </a:xfrm>
             <a:prstGeom prst="rect">
               <a:avLst/>
@@ -12218,7 +10785,7 @@
             <p:spPr>
               <a:xfrm>
                 <a:off x="1658948" y="1626107"/>
-                <a:ext cx="668132" cy="276999"/>
+                <a:ext cx="640357" cy="276999"/>
               </a:xfrm>
               <a:prstGeom prst="rect">
                 <a:avLst/>
@@ -12497,6 +11064,130 @@
           </a:fontRef>
         </p:style>
       </p:cxnSp>
+      <p:sp>
+        <p:nvSpPr>
+          <p:cNvPr id="65" name="箭號: 五邊形 64">
+            <a:extLst>
+              <a:ext uri="{FF2B5EF4-FFF2-40B4-BE49-F238E27FC236}">
+                <a16:creationId xmlns:a16="http://schemas.microsoft.com/office/drawing/2014/main" id="{40BE0189-1320-4D80-A6F0-BE0F51B6CF23}"/>
+              </a:ext>
+            </a:extLst>
+          </p:cNvPr>
+          <p:cNvSpPr/>
+          <p:nvPr/>
+        </p:nvSpPr>
+        <p:spPr>
+          <a:xfrm>
+            <a:off x="1382134" y="4688585"/>
+            <a:ext cx="406695" cy="260811"/>
+          </a:xfrm>
+          <a:prstGeom prst="homePlate">
+            <a:avLst/>
+          </a:prstGeom>
+          <a:solidFill>
+            <a:schemeClr val="accent3">
+              <a:lumMod val="40000"/>
+              <a:lumOff val="60000"/>
+            </a:schemeClr>
+          </a:solidFill>
+        </p:spPr>
+        <p:style>
+          <a:lnRef idx="2">
+            <a:schemeClr val="accent1">
+              <a:shade val="50000"/>
+            </a:schemeClr>
+          </a:lnRef>
+          <a:fillRef idx="1">
+            <a:schemeClr val="accent1"/>
+          </a:fillRef>
+          <a:effectRef idx="0">
+            <a:schemeClr val="accent1"/>
+          </a:effectRef>
+          <a:fontRef idx="minor">
+            <a:schemeClr val="lt1"/>
+          </a:fontRef>
+        </p:style>
+        <p:txBody>
+          <a:bodyPr rtlCol="0" anchor="ctr"/>
+          <a:lstStyle/>
+          <a:p>
+            <a:pPr algn="ctr"/>
+            <a:endParaRPr lang="zh-TW" altLang="en-US"/>
+          </a:p>
+        </p:txBody>
+      </p:sp>
+      <p:cxnSp>
+        <p:nvCxnSpPr>
+          <p:cNvPr id="66" name="直線接點 65">
+            <a:extLst>
+              <a:ext uri="{FF2B5EF4-FFF2-40B4-BE49-F238E27FC236}">
+                <a16:creationId xmlns:a16="http://schemas.microsoft.com/office/drawing/2014/main" id="{E2A4D313-D984-4BB9-801E-94C1926126D7}"/>
+              </a:ext>
+            </a:extLst>
+          </p:cNvPr>
+          <p:cNvCxnSpPr/>
+          <p:nvPr/>
+        </p:nvCxnSpPr>
+        <p:spPr>
+          <a:xfrm flipH="1">
+            <a:off x="1769472" y="4825212"/>
+            <a:ext cx="1048209" cy="1"/>
+          </a:xfrm>
+          <a:prstGeom prst="line">
+            <a:avLst/>
+          </a:prstGeom>
+        </p:spPr>
+        <p:style>
+          <a:lnRef idx="3">
+            <a:schemeClr val="dk1"/>
+          </a:lnRef>
+          <a:fillRef idx="0">
+            <a:schemeClr val="dk1"/>
+          </a:fillRef>
+          <a:effectRef idx="2">
+            <a:schemeClr val="dk1"/>
+          </a:effectRef>
+          <a:fontRef idx="minor">
+            <a:schemeClr val="tx1"/>
+          </a:fontRef>
+        </p:style>
+      </p:cxnSp>
+      <p:sp>
+        <p:nvSpPr>
+          <p:cNvPr id="67" name="文字方塊 66">
+            <a:extLst>
+              <a:ext uri="{FF2B5EF4-FFF2-40B4-BE49-F238E27FC236}">
+                <a16:creationId xmlns:a16="http://schemas.microsoft.com/office/drawing/2014/main" id="{779C0EA9-7A1F-4760-BA52-4B8BD58C323C}"/>
+              </a:ext>
+            </a:extLst>
+          </p:cNvPr>
+          <p:cNvSpPr txBox="1"/>
+          <p:nvPr/>
+        </p:nvSpPr>
+        <p:spPr>
+          <a:xfrm>
+            <a:off x="1705291" y="4589324"/>
+            <a:ext cx="502510" cy="276999"/>
+          </a:xfrm>
+          <a:prstGeom prst="rect">
+            <a:avLst/>
+          </a:prstGeom>
+          <a:noFill/>
+        </p:spPr>
+        <p:txBody>
+          <a:bodyPr wrap="none" rtlCol="0">
+            <a:spAutoFit/>
+          </a:bodyPr>
+          <a:lstStyle/>
+          <a:p>
+            <a:r>
+              <a:rPr lang="en-US" altLang="zh-TW" sz="1200" dirty="0" err="1"/>
+              <a:t>rst_n</a:t>
+            </a:r>
+            <a:endParaRPr lang="zh-TW" altLang="en-US" sz="1200" dirty="0"/>
+          </a:p>
+        </p:txBody>
+      </p:sp>
     </p:spTree>
     <p:extLst>
       <p:ext uri="{BB962C8B-B14F-4D97-AF65-F5344CB8AC3E}">
@@ -12527,899 +11218,10 @@
           <a:chExt cx="0" cy="0"/>
         </a:xfrm>
       </p:grpSpPr>
-      <p:sp>
-        <p:nvSpPr>
-          <p:cNvPr id="124" name="箭號: 五邊形 123">
-            <a:extLst>
-              <a:ext uri="{FF2B5EF4-FFF2-40B4-BE49-F238E27FC236}">
-                <a16:creationId xmlns:a16="http://schemas.microsoft.com/office/drawing/2014/main" id="{7B1379A9-9994-48FC-9E2E-035C5F1ACBED}"/>
-              </a:ext>
-            </a:extLst>
-          </p:cNvPr>
-          <p:cNvSpPr/>
-          <p:nvPr/>
-        </p:nvSpPr>
-        <p:spPr>
-          <a:xfrm>
-            <a:off x="5757037" y="3673167"/>
-            <a:ext cx="387927" cy="260811"/>
-          </a:xfrm>
-          <a:prstGeom prst="homePlate">
-            <a:avLst/>
-          </a:prstGeom>
-          <a:solidFill>
-            <a:schemeClr val="accent3">
-              <a:lumMod val="40000"/>
-              <a:lumOff val="60000"/>
-            </a:schemeClr>
-          </a:solidFill>
-        </p:spPr>
-        <p:style>
-          <a:lnRef idx="2">
-            <a:schemeClr val="accent1">
-              <a:shade val="50000"/>
-            </a:schemeClr>
-          </a:lnRef>
-          <a:fillRef idx="1">
-            <a:schemeClr val="accent1"/>
-          </a:fillRef>
-          <a:effectRef idx="0">
-            <a:schemeClr val="accent1"/>
-          </a:effectRef>
-          <a:fontRef idx="minor">
-            <a:schemeClr val="lt1"/>
-          </a:fontRef>
-        </p:style>
-        <p:txBody>
-          <a:bodyPr rtlCol="0" anchor="ctr"/>
-          <a:lstStyle/>
-          <a:p>
-            <a:pPr algn="ctr"/>
-            <a:endParaRPr lang="zh-TW" altLang="en-US"/>
-          </a:p>
-        </p:txBody>
-      </p:sp>
-      <p:cxnSp>
-        <p:nvCxnSpPr>
-          <p:cNvPr id="125" name="直線接點 124">
-            <a:extLst>
-              <a:ext uri="{FF2B5EF4-FFF2-40B4-BE49-F238E27FC236}">
-                <a16:creationId xmlns:a16="http://schemas.microsoft.com/office/drawing/2014/main" id="{FA304D82-22D1-42BB-84E6-F62F4DCAD4A7}"/>
-              </a:ext>
-            </a:extLst>
-          </p:cNvPr>
-          <p:cNvCxnSpPr/>
-          <p:nvPr/>
-        </p:nvCxnSpPr>
-        <p:spPr>
-          <a:xfrm flipH="1">
-            <a:off x="6126500" y="3809794"/>
-            <a:ext cx="999836" cy="1"/>
-          </a:xfrm>
-          <a:prstGeom prst="line">
-            <a:avLst/>
-          </a:prstGeom>
-        </p:spPr>
-        <p:style>
-          <a:lnRef idx="3">
-            <a:schemeClr val="dk1"/>
-          </a:lnRef>
-          <a:fillRef idx="0">
-            <a:schemeClr val="dk1"/>
-          </a:fillRef>
-          <a:effectRef idx="2">
-            <a:schemeClr val="dk1"/>
-          </a:effectRef>
-          <a:fontRef idx="minor">
-            <a:schemeClr val="tx1"/>
-          </a:fontRef>
-        </p:style>
-      </p:cxnSp>
-      <p:sp>
-        <p:nvSpPr>
-          <p:cNvPr id="126" name="文字方塊 125">
-            <a:extLst>
-              <a:ext uri="{FF2B5EF4-FFF2-40B4-BE49-F238E27FC236}">
-                <a16:creationId xmlns:a16="http://schemas.microsoft.com/office/drawing/2014/main" id="{0B4FF952-144A-484B-9B4E-89907BEA22D0}"/>
-              </a:ext>
-            </a:extLst>
-          </p:cNvPr>
-          <p:cNvSpPr txBox="1"/>
-          <p:nvPr/>
-        </p:nvSpPr>
-        <p:spPr>
-          <a:xfrm>
-            <a:off x="6047636" y="3534667"/>
-            <a:ext cx="1277914" cy="276999"/>
-          </a:xfrm>
-          <a:prstGeom prst="rect">
-            <a:avLst/>
-          </a:prstGeom>
-          <a:noFill/>
-        </p:spPr>
-        <p:txBody>
-          <a:bodyPr wrap="none" rtlCol="0">
-            <a:spAutoFit/>
-          </a:bodyPr>
-          <a:lstStyle/>
-          <a:p>
-            <a:r>
-              <a:rPr lang="en-US" altLang="zh-TW" sz="1200" dirty="0" err="1"/>
-              <a:t>Random_number</a:t>
-            </a:r>
-            <a:endParaRPr lang="zh-TW" altLang="en-US" sz="1200" dirty="0"/>
-          </a:p>
-        </p:txBody>
-      </p:sp>
-      <p:grpSp>
-        <p:nvGrpSpPr>
-          <p:cNvPr id="64" name="群組 63">
-            <a:extLst>
-              <a:ext uri="{FF2B5EF4-FFF2-40B4-BE49-F238E27FC236}">
-                <a16:creationId xmlns:a16="http://schemas.microsoft.com/office/drawing/2014/main" id="{6C07EB4A-70A9-461B-806A-95B08F8DC8AE}"/>
-              </a:ext>
-            </a:extLst>
-          </p:cNvPr>
-          <p:cNvGrpSpPr/>
-          <p:nvPr/>
-        </p:nvGrpSpPr>
-        <p:grpSpPr>
-          <a:xfrm>
-            <a:off x="1357190" y="1115891"/>
-            <a:ext cx="5754075" cy="4776357"/>
-            <a:chOff x="1357190" y="1115891"/>
-            <a:chExt cx="5754075" cy="4776357"/>
-          </a:xfrm>
-        </p:grpSpPr>
-        <p:grpSp>
-          <p:nvGrpSpPr>
-            <p:cNvPr id="65" name="群組 64">
-              <a:extLst>
-                <a:ext uri="{FF2B5EF4-FFF2-40B4-BE49-F238E27FC236}">
-                  <a16:creationId xmlns:a16="http://schemas.microsoft.com/office/drawing/2014/main" id="{D6837A31-E03C-4DF6-95EE-7EF1D4E062CE}"/>
-                </a:ext>
-              </a:extLst>
-            </p:cNvPr>
-            <p:cNvGrpSpPr/>
-            <p:nvPr/>
-          </p:nvGrpSpPr>
-          <p:grpSpPr>
-            <a:xfrm>
-              <a:off x="5741966" y="4195428"/>
-              <a:ext cx="1369299" cy="399311"/>
-              <a:chOff x="5741966" y="2610333"/>
-              <a:chExt cx="1369299" cy="399311"/>
-            </a:xfrm>
-          </p:grpSpPr>
-          <p:sp>
-            <p:nvSpPr>
-              <p:cNvPr id="121" name="箭號: 五邊形 120">
-                <a:extLst>
-                  <a:ext uri="{FF2B5EF4-FFF2-40B4-BE49-F238E27FC236}">
-                    <a16:creationId xmlns:a16="http://schemas.microsoft.com/office/drawing/2014/main" id="{88316F9F-E1C1-4F3C-B150-7FE7FB3E573D}"/>
-                  </a:ext>
-                </a:extLst>
-              </p:cNvPr>
-              <p:cNvSpPr/>
-              <p:nvPr/>
-            </p:nvSpPr>
-            <p:spPr>
-              <a:xfrm>
-                <a:off x="5741966" y="2748833"/>
-                <a:ext cx="387927" cy="260811"/>
-              </a:xfrm>
-              <a:prstGeom prst="homePlate">
-                <a:avLst/>
-              </a:prstGeom>
-              <a:solidFill>
-                <a:schemeClr val="accent3">
-                  <a:lumMod val="40000"/>
-                  <a:lumOff val="60000"/>
-                </a:schemeClr>
-              </a:solidFill>
-            </p:spPr>
-            <p:style>
-              <a:lnRef idx="2">
-                <a:schemeClr val="accent1">
-                  <a:shade val="50000"/>
-                </a:schemeClr>
-              </a:lnRef>
-              <a:fillRef idx="1">
-                <a:schemeClr val="accent1"/>
-              </a:fillRef>
-              <a:effectRef idx="0">
-                <a:schemeClr val="accent1"/>
-              </a:effectRef>
-              <a:fontRef idx="minor">
-                <a:schemeClr val="lt1"/>
-              </a:fontRef>
-            </p:style>
-            <p:txBody>
-              <a:bodyPr rtlCol="0" anchor="ctr"/>
-              <a:lstStyle/>
-              <a:p>
-                <a:pPr algn="ctr"/>
-                <a:endParaRPr lang="zh-TW" altLang="en-US"/>
-              </a:p>
-            </p:txBody>
-          </p:sp>
-          <p:cxnSp>
-            <p:nvCxnSpPr>
-              <p:cNvPr id="122" name="直線接點 121">
-                <a:extLst>
-                  <a:ext uri="{FF2B5EF4-FFF2-40B4-BE49-F238E27FC236}">
-                    <a16:creationId xmlns:a16="http://schemas.microsoft.com/office/drawing/2014/main" id="{FAA9B7F7-6868-4A1A-AC46-97DC95DD952C}"/>
-                  </a:ext>
-                </a:extLst>
-              </p:cNvPr>
-              <p:cNvCxnSpPr/>
-              <p:nvPr/>
-            </p:nvCxnSpPr>
-            <p:spPr>
-              <a:xfrm flipH="1">
-                <a:off x="6111429" y="2885460"/>
-                <a:ext cx="999836" cy="1"/>
-              </a:xfrm>
-              <a:prstGeom prst="line">
-                <a:avLst/>
-              </a:prstGeom>
-            </p:spPr>
-            <p:style>
-              <a:lnRef idx="3">
-                <a:schemeClr val="dk1"/>
-              </a:lnRef>
-              <a:fillRef idx="0">
-                <a:schemeClr val="dk1"/>
-              </a:fillRef>
-              <a:effectRef idx="2">
-                <a:schemeClr val="dk1"/>
-              </a:effectRef>
-              <a:fontRef idx="minor">
-                <a:schemeClr val="tx1"/>
-              </a:fontRef>
-            </p:style>
-          </p:cxnSp>
-          <p:sp>
-            <p:nvSpPr>
-              <p:cNvPr id="123" name="文字方塊 122">
-                <a:extLst>
-                  <a:ext uri="{FF2B5EF4-FFF2-40B4-BE49-F238E27FC236}">
-                    <a16:creationId xmlns:a16="http://schemas.microsoft.com/office/drawing/2014/main" id="{8FBA9F3A-747B-4E6B-8AE8-5992A7772FE4}"/>
-                  </a:ext>
-                </a:extLst>
-              </p:cNvPr>
-              <p:cNvSpPr txBox="1"/>
-              <p:nvPr/>
-            </p:nvSpPr>
-            <p:spPr>
-              <a:xfrm>
-                <a:off x="6032565" y="2610333"/>
-                <a:ext cx="527709" cy="276999"/>
-              </a:xfrm>
-              <a:prstGeom prst="rect">
-                <a:avLst/>
-              </a:prstGeom>
-              <a:noFill/>
-            </p:spPr>
-            <p:txBody>
-              <a:bodyPr wrap="none" rtlCol="0">
-                <a:spAutoFit/>
-              </a:bodyPr>
-              <a:lstStyle/>
-              <a:p>
-                <a:r>
-                  <a:rPr lang="en-US" altLang="zh-TW" sz="1200" dirty="0"/>
-                  <a:t>alpha</a:t>
-                </a:r>
-                <a:endParaRPr lang="zh-TW" altLang="en-US" sz="1200" dirty="0"/>
-              </a:p>
-            </p:txBody>
-          </p:sp>
-        </p:grpSp>
-        <p:sp>
-          <p:nvSpPr>
-            <p:cNvPr id="67" name="文字方塊 66">
-              <a:extLst>
-                <a:ext uri="{FF2B5EF4-FFF2-40B4-BE49-F238E27FC236}">
-                  <a16:creationId xmlns:a16="http://schemas.microsoft.com/office/drawing/2014/main" id="{D8B5A0F1-950D-4A78-BE13-D63AC4279A14}"/>
-                </a:ext>
-              </a:extLst>
-            </p:cNvPr>
-            <p:cNvSpPr txBox="1"/>
-            <p:nvPr/>
-          </p:nvSpPr>
-          <p:spPr>
-            <a:xfrm>
-              <a:off x="4011092" y="1356036"/>
-              <a:ext cx="561244" cy="369332"/>
-            </a:xfrm>
-            <a:prstGeom prst="rect">
-              <a:avLst/>
-            </a:prstGeom>
-            <a:solidFill>
-              <a:schemeClr val="accent3">
-                <a:lumMod val="40000"/>
-                <a:lumOff val="60000"/>
-              </a:schemeClr>
-            </a:solidFill>
-            <a:ln>
-              <a:solidFill>
-                <a:schemeClr val="tx1"/>
-              </a:solidFill>
-            </a:ln>
-          </p:spPr>
-          <p:txBody>
-            <a:bodyPr wrap="none" rtlCol="0">
-              <a:spAutoFit/>
-            </a:bodyPr>
-            <a:lstStyle/>
-            <a:p>
-              <a:r>
-                <a:rPr lang="en-US" altLang="zh-TW" dirty="0"/>
-                <a:t>TOP</a:t>
-              </a:r>
-              <a:endParaRPr lang="zh-TW" altLang="en-US" dirty="0"/>
-            </a:p>
-          </p:txBody>
-        </p:sp>
-        <p:grpSp>
-          <p:nvGrpSpPr>
-            <p:cNvPr id="68" name="群組 67">
-              <a:extLst>
-                <a:ext uri="{FF2B5EF4-FFF2-40B4-BE49-F238E27FC236}">
-                  <a16:creationId xmlns:a16="http://schemas.microsoft.com/office/drawing/2014/main" id="{8676620A-D49E-42E6-B774-E28D99EBEB73}"/>
-                </a:ext>
-              </a:extLst>
-            </p:cNvPr>
-            <p:cNvGrpSpPr/>
-            <p:nvPr/>
-          </p:nvGrpSpPr>
-          <p:grpSpPr>
-            <a:xfrm>
-              <a:off x="1357190" y="1356036"/>
-              <a:ext cx="1369299" cy="360072"/>
-              <a:chOff x="1350704" y="1626107"/>
-              <a:chExt cx="1369299" cy="360072"/>
-            </a:xfrm>
-          </p:grpSpPr>
-          <p:sp>
-            <p:nvSpPr>
-              <p:cNvPr id="115" name="箭號: 五邊形 114">
-                <a:extLst>
-                  <a:ext uri="{FF2B5EF4-FFF2-40B4-BE49-F238E27FC236}">
-                    <a16:creationId xmlns:a16="http://schemas.microsoft.com/office/drawing/2014/main" id="{208E15A0-AF38-4786-BBE5-41362C219D79}"/>
-                  </a:ext>
-                </a:extLst>
-              </p:cNvPr>
-              <p:cNvSpPr/>
-              <p:nvPr/>
-            </p:nvSpPr>
-            <p:spPr>
-              <a:xfrm>
-                <a:off x="1350704" y="1725368"/>
-                <a:ext cx="387927" cy="260811"/>
-              </a:xfrm>
-              <a:prstGeom prst="homePlate">
-                <a:avLst/>
-              </a:prstGeom>
-              <a:solidFill>
-                <a:schemeClr val="accent3">
-                  <a:lumMod val="40000"/>
-                  <a:lumOff val="60000"/>
-                </a:schemeClr>
-              </a:solidFill>
-            </p:spPr>
-            <p:style>
-              <a:lnRef idx="2">
-                <a:schemeClr val="accent1">
-                  <a:shade val="50000"/>
-                </a:schemeClr>
-              </a:lnRef>
-              <a:fillRef idx="1">
-                <a:schemeClr val="accent1"/>
-              </a:fillRef>
-              <a:effectRef idx="0">
-                <a:schemeClr val="accent1"/>
-              </a:effectRef>
-              <a:fontRef idx="minor">
-                <a:schemeClr val="lt1"/>
-              </a:fontRef>
-            </p:style>
-            <p:txBody>
-              <a:bodyPr rtlCol="0" anchor="ctr"/>
-              <a:lstStyle/>
-              <a:p>
-                <a:pPr algn="ctr"/>
-                <a:endParaRPr lang="zh-TW" altLang="en-US"/>
-              </a:p>
-            </p:txBody>
-          </p:sp>
-          <p:cxnSp>
-            <p:nvCxnSpPr>
-              <p:cNvPr id="116" name="直線接點 115">
-                <a:extLst>
-                  <a:ext uri="{FF2B5EF4-FFF2-40B4-BE49-F238E27FC236}">
-                    <a16:creationId xmlns:a16="http://schemas.microsoft.com/office/drawing/2014/main" id="{A3F6DFEF-A8E3-43D6-9027-852B0EBAE4D2}"/>
-                  </a:ext>
-                </a:extLst>
-              </p:cNvPr>
-              <p:cNvCxnSpPr/>
-              <p:nvPr/>
-            </p:nvCxnSpPr>
-            <p:spPr>
-              <a:xfrm flipH="1">
-                <a:off x="1720167" y="1861995"/>
-                <a:ext cx="999836" cy="1"/>
-              </a:xfrm>
-              <a:prstGeom prst="line">
-                <a:avLst/>
-              </a:prstGeom>
-            </p:spPr>
-            <p:style>
-              <a:lnRef idx="3">
-                <a:schemeClr val="dk1"/>
-              </a:lnRef>
-              <a:fillRef idx="0">
-                <a:schemeClr val="dk1"/>
-              </a:fillRef>
-              <a:effectRef idx="2">
-                <a:schemeClr val="dk1"/>
-              </a:effectRef>
-              <a:fontRef idx="minor">
-                <a:schemeClr val="tx1"/>
-              </a:fontRef>
-            </p:style>
-          </p:cxnSp>
-          <p:sp>
-            <p:nvSpPr>
-              <p:cNvPr id="117" name="文字方塊 116">
-                <a:extLst>
-                  <a:ext uri="{FF2B5EF4-FFF2-40B4-BE49-F238E27FC236}">
-                    <a16:creationId xmlns:a16="http://schemas.microsoft.com/office/drawing/2014/main" id="{DEAB0BC9-F832-4441-B331-E099FB859634}"/>
-                  </a:ext>
-                </a:extLst>
-              </p:cNvPr>
-              <p:cNvSpPr txBox="1"/>
-              <p:nvPr/>
-            </p:nvSpPr>
-            <p:spPr>
-              <a:xfrm>
-                <a:off x="1658948" y="1626107"/>
-                <a:ext cx="546945" cy="276999"/>
-              </a:xfrm>
-              <a:prstGeom prst="rect">
-                <a:avLst/>
-              </a:prstGeom>
-              <a:noFill/>
-            </p:spPr>
-            <p:txBody>
-              <a:bodyPr wrap="none" rtlCol="0">
-                <a:spAutoFit/>
-              </a:bodyPr>
-              <a:lstStyle/>
-              <a:p>
-                <a:r>
-                  <a:rPr lang="en-US" altLang="zh-TW" sz="1200" dirty="0">
-                    <a:solidFill>
-                      <a:srgbClr val="FF0000"/>
-                    </a:solidFill>
-                  </a:rPr>
-                  <a:t>mode</a:t>
-                </a:r>
-                <a:endParaRPr lang="zh-TW" altLang="en-US" sz="1200" dirty="0">
-                  <a:solidFill>
-                    <a:srgbClr val="FF0000"/>
-                  </a:solidFill>
-                </a:endParaRPr>
-              </a:p>
-            </p:txBody>
-          </p:sp>
-        </p:grpSp>
-        <p:grpSp>
-          <p:nvGrpSpPr>
-            <p:cNvPr id="69" name="群組 68">
-              <a:extLst>
-                <a:ext uri="{FF2B5EF4-FFF2-40B4-BE49-F238E27FC236}">
-                  <a16:creationId xmlns:a16="http://schemas.microsoft.com/office/drawing/2014/main" id="{6A1DF59C-97E8-4724-A600-CA76BD0DC0A9}"/>
-                </a:ext>
-              </a:extLst>
-            </p:cNvPr>
-            <p:cNvGrpSpPr/>
-            <p:nvPr/>
-          </p:nvGrpSpPr>
-          <p:grpSpPr>
-            <a:xfrm>
-              <a:off x="5716722" y="1933526"/>
-              <a:ext cx="1369299" cy="399311"/>
-              <a:chOff x="5741966" y="2610333"/>
-              <a:chExt cx="1369299" cy="399311"/>
-            </a:xfrm>
-          </p:grpSpPr>
-          <p:sp>
-            <p:nvSpPr>
-              <p:cNvPr id="112" name="箭號: 五邊形 111">
-                <a:extLst>
-                  <a:ext uri="{FF2B5EF4-FFF2-40B4-BE49-F238E27FC236}">
-                    <a16:creationId xmlns:a16="http://schemas.microsoft.com/office/drawing/2014/main" id="{558521B8-CD0B-424B-8886-3892EF8E1000}"/>
-                  </a:ext>
-                </a:extLst>
-              </p:cNvPr>
-              <p:cNvSpPr/>
-              <p:nvPr/>
-            </p:nvSpPr>
-            <p:spPr>
-              <a:xfrm>
-                <a:off x="5741966" y="2748833"/>
-                <a:ext cx="387927" cy="260811"/>
-              </a:xfrm>
-              <a:prstGeom prst="homePlate">
-                <a:avLst/>
-              </a:prstGeom>
-              <a:solidFill>
-                <a:schemeClr val="accent3">
-                  <a:lumMod val="40000"/>
-                  <a:lumOff val="60000"/>
-                </a:schemeClr>
-              </a:solidFill>
-            </p:spPr>
-            <p:style>
-              <a:lnRef idx="2">
-                <a:schemeClr val="accent1">
-                  <a:shade val="50000"/>
-                </a:schemeClr>
-              </a:lnRef>
-              <a:fillRef idx="1">
-                <a:schemeClr val="accent1"/>
-              </a:fillRef>
-              <a:effectRef idx="0">
-                <a:schemeClr val="accent1"/>
-              </a:effectRef>
-              <a:fontRef idx="minor">
-                <a:schemeClr val="lt1"/>
-              </a:fontRef>
-            </p:style>
-            <p:txBody>
-              <a:bodyPr rtlCol="0" anchor="ctr"/>
-              <a:lstStyle/>
-              <a:p>
-                <a:pPr algn="ctr"/>
-                <a:endParaRPr lang="zh-TW" altLang="en-US"/>
-              </a:p>
-            </p:txBody>
-          </p:sp>
-          <p:cxnSp>
-            <p:nvCxnSpPr>
-              <p:cNvPr id="113" name="直線接點 112">
-                <a:extLst>
-                  <a:ext uri="{FF2B5EF4-FFF2-40B4-BE49-F238E27FC236}">
-                    <a16:creationId xmlns:a16="http://schemas.microsoft.com/office/drawing/2014/main" id="{94E4BF5E-C1C0-497B-842A-2CD5A55B0C6F}"/>
-                  </a:ext>
-                </a:extLst>
-              </p:cNvPr>
-              <p:cNvCxnSpPr/>
-              <p:nvPr/>
-            </p:nvCxnSpPr>
-            <p:spPr>
-              <a:xfrm flipH="1">
-                <a:off x="6111429" y="2885460"/>
-                <a:ext cx="999836" cy="1"/>
-              </a:xfrm>
-              <a:prstGeom prst="line">
-                <a:avLst/>
-              </a:prstGeom>
-            </p:spPr>
-            <p:style>
-              <a:lnRef idx="3">
-                <a:schemeClr val="dk1"/>
-              </a:lnRef>
-              <a:fillRef idx="0">
-                <a:schemeClr val="dk1"/>
-              </a:fillRef>
-              <a:effectRef idx="2">
-                <a:schemeClr val="dk1"/>
-              </a:effectRef>
-              <a:fontRef idx="minor">
-                <a:schemeClr val="tx1"/>
-              </a:fontRef>
-            </p:style>
-          </p:cxnSp>
-          <p:sp>
-            <p:nvSpPr>
-              <p:cNvPr id="114" name="文字方塊 113">
-                <a:extLst>
-                  <a:ext uri="{FF2B5EF4-FFF2-40B4-BE49-F238E27FC236}">
-                    <a16:creationId xmlns:a16="http://schemas.microsoft.com/office/drawing/2014/main" id="{28AD3F53-2BC8-4F2B-BFF3-8A8C594FB10E}"/>
-                  </a:ext>
-                </a:extLst>
-              </p:cNvPr>
-              <p:cNvSpPr txBox="1"/>
-              <p:nvPr/>
-            </p:nvSpPr>
-            <p:spPr>
-              <a:xfrm>
-                <a:off x="6032565" y="2610333"/>
-                <a:ext cx="786754" cy="276999"/>
-              </a:xfrm>
-              <a:prstGeom prst="rect">
-                <a:avLst/>
-              </a:prstGeom>
-              <a:noFill/>
-            </p:spPr>
-            <p:txBody>
-              <a:bodyPr wrap="none" rtlCol="0">
-                <a:spAutoFit/>
-              </a:bodyPr>
-              <a:lstStyle/>
-              <a:p>
-                <a:r>
-                  <a:rPr lang="en-US" altLang="zh-TW" sz="1200" dirty="0" err="1"/>
-                  <a:t>Out_valid</a:t>
-                </a:r>
-                <a:endParaRPr lang="zh-TW" altLang="en-US" sz="1200" dirty="0"/>
-              </a:p>
-            </p:txBody>
-          </p:sp>
-        </p:grpSp>
-        <p:grpSp>
-          <p:nvGrpSpPr>
-            <p:cNvPr id="70" name="群組 69">
-              <a:extLst>
-                <a:ext uri="{FF2B5EF4-FFF2-40B4-BE49-F238E27FC236}">
-                  <a16:creationId xmlns:a16="http://schemas.microsoft.com/office/drawing/2014/main" id="{727386A3-B062-4833-8CCE-20802C9EF323}"/>
-                </a:ext>
-              </a:extLst>
-            </p:cNvPr>
-            <p:cNvGrpSpPr/>
-            <p:nvPr/>
-          </p:nvGrpSpPr>
-          <p:grpSpPr>
-            <a:xfrm>
-              <a:off x="1359066" y="1725368"/>
-              <a:ext cx="1369299" cy="360072"/>
-              <a:chOff x="1350704" y="1626107"/>
-              <a:chExt cx="1369299" cy="360072"/>
-            </a:xfrm>
-          </p:grpSpPr>
-          <p:sp>
-            <p:nvSpPr>
-              <p:cNvPr id="109" name="箭號: 五邊形 108">
-                <a:extLst>
-                  <a:ext uri="{FF2B5EF4-FFF2-40B4-BE49-F238E27FC236}">
-                    <a16:creationId xmlns:a16="http://schemas.microsoft.com/office/drawing/2014/main" id="{B6EB69B1-8598-4637-BF99-C51DC714C90D}"/>
-                  </a:ext>
-                </a:extLst>
-              </p:cNvPr>
-              <p:cNvSpPr/>
-              <p:nvPr/>
-            </p:nvSpPr>
-            <p:spPr>
-              <a:xfrm>
-                <a:off x="1350704" y="1725368"/>
-                <a:ext cx="387927" cy="260811"/>
-              </a:xfrm>
-              <a:prstGeom prst="homePlate">
-                <a:avLst/>
-              </a:prstGeom>
-              <a:solidFill>
-                <a:schemeClr val="accent3">
-                  <a:lumMod val="40000"/>
-                  <a:lumOff val="60000"/>
-                </a:schemeClr>
-              </a:solidFill>
-            </p:spPr>
-            <p:style>
-              <a:lnRef idx="2">
-                <a:schemeClr val="accent1">
-                  <a:shade val="50000"/>
-                </a:schemeClr>
-              </a:lnRef>
-              <a:fillRef idx="1">
-                <a:schemeClr val="accent1"/>
-              </a:fillRef>
-              <a:effectRef idx="0">
-                <a:schemeClr val="accent1"/>
-              </a:effectRef>
-              <a:fontRef idx="minor">
-                <a:schemeClr val="lt1"/>
-              </a:fontRef>
-            </p:style>
-            <p:txBody>
-              <a:bodyPr rtlCol="0" anchor="ctr"/>
-              <a:lstStyle/>
-              <a:p>
-                <a:pPr algn="ctr"/>
-                <a:endParaRPr lang="zh-TW" altLang="en-US"/>
-              </a:p>
-            </p:txBody>
-          </p:sp>
-          <p:cxnSp>
-            <p:nvCxnSpPr>
-              <p:cNvPr id="110" name="直線接點 109">
-                <a:extLst>
-                  <a:ext uri="{FF2B5EF4-FFF2-40B4-BE49-F238E27FC236}">
-                    <a16:creationId xmlns:a16="http://schemas.microsoft.com/office/drawing/2014/main" id="{D4FD1CD5-628D-4004-BF53-134C6A4CD663}"/>
-                  </a:ext>
-                </a:extLst>
-              </p:cNvPr>
-              <p:cNvCxnSpPr/>
-              <p:nvPr/>
-            </p:nvCxnSpPr>
-            <p:spPr>
-              <a:xfrm flipH="1">
-                <a:off x="1720167" y="1861995"/>
-                <a:ext cx="999836" cy="1"/>
-              </a:xfrm>
-              <a:prstGeom prst="line">
-                <a:avLst/>
-              </a:prstGeom>
-            </p:spPr>
-            <p:style>
-              <a:lnRef idx="3">
-                <a:schemeClr val="dk1"/>
-              </a:lnRef>
-              <a:fillRef idx="0">
-                <a:schemeClr val="dk1"/>
-              </a:fillRef>
-              <a:effectRef idx="2">
-                <a:schemeClr val="dk1"/>
-              </a:effectRef>
-              <a:fontRef idx="minor">
-                <a:schemeClr val="tx1"/>
-              </a:fontRef>
-            </p:style>
-          </p:cxnSp>
-          <p:sp>
-            <p:nvSpPr>
-              <p:cNvPr id="111" name="文字方塊 110">
-                <a:extLst>
-                  <a:ext uri="{FF2B5EF4-FFF2-40B4-BE49-F238E27FC236}">
-                    <a16:creationId xmlns:a16="http://schemas.microsoft.com/office/drawing/2014/main" id="{D82A8D86-A7D9-4527-84DF-710CD61C9CA9}"/>
-                  </a:ext>
-                </a:extLst>
-              </p:cNvPr>
-              <p:cNvSpPr txBox="1"/>
-              <p:nvPr/>
-            </p:nvSpPr>
-            <p:spPr>
-              <a:xfrm>
-                <a:off x="1658948" y="1626107"/>
-                <a:ext cx="471219" cy="276999"/>
-              </a:xfrm>
-              <a:prstGeom prst="rect">
-                <a:avLst/>
-              </a:prstGeom>
-              <a:noFill/>
-            </p:spPr>
-            <p:txBody>
-              <a:bodyPr wrap="none" rtlCol="0">
-                <a:spAutoFit/>
-              </a:bodyPr>
-              <a:lstStyle/>
-              <a:p>
-                <a:r>
-                  <a:rPr lang="en-US" altLang="zh-TW" sz="1200" dirty="0">
-                    <a:solidFill>
-                      <a:srgbClr val="FF0000"/>
-                    </a:solidFill>
-                  </a:rPr>
-                  <a:t>start</a:t>
-                </a:r>
-                <a:endParaRPr lang="zh-TW" altLang="en-US" sz="1200" dirty="0">
-                  <a:solidFill>
-                    <a:srgbClr val="FF0000"/>
-                  </a:solidFill>
-                </a:endParaRPr>
-              </a:p>
-            </p:txBody>
-          </p:sp>
-        </p:grpSp>
-        <p:sp>
-          <p:nvSpPr>
-            <p:cNvPr id="79" name="矩形: 圓角 78">
-              <a:extLst>
-                <a:ext uri="{FF2B5EF4-FFF2-40B4-BE49-F238E27FC236}">
-                  <a16:creationId xmlns:a16="http://schemas.microsoft.com/office/drawing/2014/main" id="{DC6235F7-81B2-4A24-A5B9-3D1E8310494A}"/>
-                </a:ext>
-              </a:extLst>
-            </p:cNvPr>
-            <p:cNvSpPr/>
-            <p:nvPr/>
-          </p:nvSpPr>
-          <p:spPr>
-            <a:xfrm>
-              <a:off x="2756630" y="1115891"/>
-              <a:ext cx="2985336" cy="4776357"/>
-            </a:xfrm>
-            <a:prstGeom prst="roundRect">
-              <a:avLst/>
-            </a:prstGeom>
-            <a:solidFill>
-              <a:srgbClr val="0070C0"/>
-            </a:solidFill>
-            <a:ln w="38100">
-              <a:solidFill>
-                <a:schemeClr val="accent4">
-                  <a:lumMod val="50000"/>
-                </a:schemeClr>
-              </a:solidFill>
-            </a:ln>
-          </p:spPr>
-          <p:style>
-            <a:lnRef idx="2">
-              <a:schemeClr val="accent1">
-                <a:shade val="50000"/>
-              </a:schemeClr>
-            </a:lnRef>
-            <a:fillRef idx="1">
-              <a:schemeClr val="accent1"/>
-            </a:fillRef>
-            <a:effectRef idx="0">
-              <a:schemeClr val="accent1"/>
-            </a:effectRef>
-            <a:fontRef idx="minor">
-              <a:schemeClr val="lt1"/>
-            </a:fontRef>
-          </p:style>
-          <p:txBody>
-            <a:bodyPr rtlCol="0" anchor="ctr"/>
-            <a:lstStyle/>
-            <a:p>
-              <a:pPr algn="ctr"/>
-              <a:endParaRPr lang="zh-TW" altLang="en-US" dirty="0"/>
-            </a:p>
-          </p:txBody>
-        </p:sp>
-        <p:sp>
-          <p:nvSpPr>
-            <p:cNvPr id="80" name="文字方塊 79">
-              <a:extLst>
-                <a:ext uri="{FF2B5EF4-FFF2-40B4-BE49-F238E27FC236}">
-                  <a16:creationId xmlns:a16="http://schemas.microsoft.com/office/drawing/2014/main" id="{1C42ED97-67C0-4AE5-BBB9-57C59A68F250}"/>
-                </a:ext>
-              </a:extLst>
-            </p:cNvPr>
-            <p:cNvSpPr txBox="1"/>
-            <p:nvPr/>
-          </p:nvSpPr>
-          <p:spPr>
-            <a:xfrm>
-              <a:off x="3866505" y="1263703"/>
-              <a:ext cx="835485" cy="369332"/>
-            </a:xfrm>
-            <a:prstGeom prst="rect">
-              <a:avLst/>
-            </a:prstGeom>
-            <a:solidFill>
-              <a:schemeClr val="accent3">
-                <a:lumMod val="40000"/>
-                <a:lumOff val="60000"/>
-              </a:schemeClr>
-            </a:solidFill>
-            <a:ln>
-              <a:solidFill>
-                <a:schemeClr val="tx1"/>
-              </a:solidFill>
-            </a:ln>
-          </p:spPr>
-          <p:txBody>
-            <a:bodyPr wrap="none" rtlCol="0">
-              <a:spAutoFit/>
-            </a:bodyPr>
-            <a:lstStyle/>
-            <a:p>
-              <a:r>
-                <a:rPr lang="en-US" altLang="zh-TW" dirty="0"/>
-                <a:t>R_N_G</a:t>
-              </a:r>
-              <a:endParaRPr lang="zh-TW" altLang="en-US" dirty="0"/>
-            </a:p>
-          </p:txBody>
-        </p:sp>
-      </p:grpSp>
     </p:spTree>
     <p:extLst>
       <p:ext uri="{BB962C8B-B14F-4D97-AF65-F5344CB8AC3E}">
-        <p14:creationId xmlns:p14="http://schemas.microsoft.com/office/powerpoint/2010/main" val="2633558652"/>
+        <p14:creationId xmlns:p14="http://schemas.microsoft.com/office/powerpoint/2010/main" val="2429420126"/>
       </p:ext>
     </p:extLst>
   </p:cSld>
